--- a/doc/架构图.pptx
+++ b/doc/架构图.pptx
@@ -5,11 +5,12 @@
     <p:sldMasterId id="2147483648" r:id="rId1"/>
   </p:sldMasterIdLst>
   <p:notesMasterIdLst>
-    <p:notesMasterId r:id="rId4"/>
+    <p:notesMasterId r:id="rId5"/>
   </p:notesMasterIdLst>
   <p:sldIdLst>
     <p:sldId id="259" r:id="rId2"/>
     <p:sldId id="258" r:id="rId3"/>
+    <p:sldId id="260" r:id="rId4"/>
   </p:sldIdLst>
   <p:sldSz cx="12192000" cy="6858000"/>
   <p:notesSz cx="6858000" cy="9144000"/>
@@ -198,7 +199,7 @@
           <a:p>
             <a:fld id="{D2A48B96-639E-45A3-A0BA-2464DFDB1FAA}" type="datetimeFigureOut">
               <a:rPr lang="zh-CN" altLang="en-US" smtClean="0"/>
-              <a:t>16/7/24</a:t>
+              <a:t>16/10/3</a:t>
             </a:fld>
             <a:endParaRPr lang="zh-CN" altLang="en-US"/>
           </a:p>
@@ -527,6 +528,90 @@
 </p:notes>
 </file>
 
+<file path=ppt/notesSlides/notesSlide2.xml><?xml version="1.0" encoding="utf-8"?>
+<p:notes xmlns:a="http://schemas.openxmlformats.org/drawingml/2006/main" xmlns:r="http://schemas.openxmlformats.org/officeDocument/2006/relationships" xmlns:p="http://schemas.openxmlformats.org/presentationml/2006/main">
+  <p:cSld>
+    <p:spTree>
+      <p:nvGrpSpPr>
+        <p:cNvPr id="1" name=""/>
+        <p:cNvGrpSpPr/>
+        <p:nvPr/>
+      </p:nvGrpSpPr>
+      <p:grpSpPr>
+        <a:xfrm>
+          <a:off x="0" y="0"/>
+          <a:ext cx="0" cy="0"/>
+          <a:chOff x="0" y="0"/>
+          <a:chExt cx="0" cy="0"/>
+        </a:xfrm>
+      </p:grpSpPr>
+      <p:sp>
+        <p:nvSpPr>
+          <p:cNvPr id="2" name="幻灯片图像占位符 1"/>
+          <p:cNvSpPr>
+            <a:spLocks noGrp="1" noRot="1" noChangeAspect="1"/>
+          </p:cNvSpPr>
+          <p:nvPr>
+            <p:ph type="sldImg"/>
+          </p:nvPr>
+        </p:nvSpPr>
+        <p:spPr/>
+      </p:sp>
+      <p:sp>
+        <p:nvSpPr>
+          <p:cNvPr id="3" name="备注占位符 2"/>
+          <p:cNvSpPr>
+            <a:spLocks noGrp="1"/>
+          </p:cNvSpPr>
+          <p:nvPr>
+            <p:ph type="body" idx="1"/>
+          </p:nvPr>
+        </p:nvSpPr>
+        <p:spPr/>
+        <p:txBody>
+          <a:bodyPr/>
+          <a:lstStyle/>
+          <a:p>
+            <a:endParaRPr kumimoji="1" lang="zh-CN" altLang="en-US" dirty="0"/>
+          </a:p>
+        </p:txBody>
+      </p:sp>
+      <p:sp>
+        <p:nvSpPr>
+          <p:cNvPr id="4" name="幻灯片编号占位符 3"/>
+          <p:cNvSpPr>
+            <a:spLocks noGrp="1"/>
+          </p:cNvSpPr>
+          <p:nvPr>
+            <p:ph type="sldNum" sz="quarter" idx="10"/>
+          </p:nvPr>
+        </p:nvSpPr>
+        <p:spPr/>
+        <p:txBody>
+          <a:bodyPr/>
+          <a:lstStyle/>
+          <a:p>
+            <a:fld id="{A6837353-30EB-4A48-80EB-173D804AEFBD}" type="slidenum">
+              <a:rPr lang="zh-CN" altLang="en-US" smtClean="0"/>
+              <a:t>3</a:t>
+            </a:fld>
+            <a:endParaRPr lang="zh-CN" altLang="en-US"/>
+          </a:p>
+        </p:txBody>
+      </p:sp>
+    </p:spTree>
+    <p:extLst>
+      <p:ext uri="{BB962C8B-B14F-4D97-AF65-F5344CB8AC3E}">
+        <p14:creationId xmlns:p14="http://schemas.microsoft.com/office/powerpoint/2010/main" val="206346378"/>
+      </p:ext>
+    </p:extLst>
+  </p:cSld>
+  <p:clrMapOvr>
+    <a:masterClrMapping/>
+  </p:clrMapOvr>
+</p:notes>
+</file>
+
 <file path=ppt/slideLayouts/slideLayout1.xml><?xml version="1.0" encoding="utf-8"?>
 <p:sldLayout xmlns:a="http://schemas.openxmlformats.org/drawingml/2006/main" xmlns:r="http://schemas.openxmlformats.org/officeDocument/2006/relationships" xmlns:p="http://schemas.openxmlformats.org/presentationml/2006/main" type="title" preserve="1">
   <p:cSld name="标题幻灯片">
@@ -658,7 +743,7 @@
           <a:p>
             <a:fld id="{D997B5FA-0921-464F-AAE1-844C04324D75}" type="datetimeFigureOut">
               <a:rPr lang="zh-CN" altLang="en-US" smtClean="0"/>
-              <a:t>16/7/24</a:t>
+              <a:t>16/10/3</a:t>
             </a:fld>
             <a:endParaRPr lang="zh-CN" altLang="en-US"/>
           </a:p>
@@ -823,7 +908,7 @@
           <a:p>
             <a:fld id="{D997B5FA-0921-464F-AAE1-844C04324D75}" type="datetimeFigureOut">
               <a:rPr lang="zh-CN" altLang="en-US" smtClean="0"/>
-              <a:t>16/7/24</a:t>
+              <a:t>16/10/3</a:t>
             </a:fld>
             <a:endParaRPr lang="zh-CN" altLang="en-US"/>
           </a:p>
@@ -998,7 +1083,7 @@
           <a:p>
             <a:fld id="{D997B5FA-0921-464F-AAE1-844C04324D75}" type="datetimeFigureOut">
               <a:rPr lang="zh-CN" altLang="en-US" smtClean="0"/>
-              <a:t>16/7/24</a:t>
+              <a:t>16/10/3</a:t>
             </a:fld>
             <a:endParaRPr lang="zh-CN" altLang="en-US"/>
           </a:p>
@@ -1163,7 +1248,7 @@
           <a:p>
             <a:fld id="{D997B5FA-0921-464F-AAE1-844C04324D75}" type="datetimeFigureOut">
               <a:rPr lang="zh-CN" altLang="en-US" smtClean="0"/>
-              <a:t>16/7/24</a:t>
+              <a:t>16/10/3</a:t>
             </a:fld>
             <a:endParaRPr lang="zh-CN" altLang="en-US"/>
           </a:p>
@@ -1404,7 +1489,7 @@
           <a:p>
             <a:fld id="{D997B5FA-0921-464F-AAE1-844C04324D75}" type="datetimeFigureOut">
               <a:rPr lang="zh-CN" altLang="en-US" smtClean="0"/>
-              <a:t>16/7/24</a:t>
+              <a:t>16/10/3</a:t>
             </a:fld>
             <a:endParaRPr lang="zh-CN" altLang="en-US"/>
           </a:p>
@@ -1631,7 +1716,7 @@
           <a:p>
             <a:fld id="{D997B5FA-0921-464F-AAE1-844C04324D75}" type="datetimeFigureOut">
               <a:rPr lang="zh-CN" altLang="en-US" smtClean="0"/>
-              <a:t>16/7/24</a:t>
+              <a:t>16/10/3</a:t>
             </a:fld>
             <a:endParaRPr lang="zh-CN" altLang="en-US"/>
           </a:p>
@@ -1993,7 +2078,7 @@
           <a:p>
             <a:fld id="{D997B5FA-0921-464F-AAE1-844C04324D75}" type="datetimeFigureOut">
               <a:rPr lang="zh-CN" altLang="en-US" smtClean="0"/>
-              <a:t>16/7/24</a:t>
+              <a:t>16/10/3</a:t>
             </a:fld>
             <a:endParaRPr lang="zh-CN" altLang="en-US"/>
           </a:p>
@@ -2106,7 +2191,7 @@
           <a:p>
             <a:fld id="{D997B5FA-0921-464F-AAE1-844C04324D75}" type="datetimeFigureOut">
               <a:rPr lang="zh-CN" altLang="en-US" smtClean="0"/>
-              <a:t>16/7/24</a:t>
+              <a:t>16/10/3</a:t>
             </a:fld>
             <a:endParaRPr lang="zh-CN" altLang="en-US"/>
           </a:p>
@@ -2196,7 +2281,7 @@
           <a:p>
             <a:fld id="{D997B5FA-0921-464F-AAE1-844C04324D75}" type="datetimeFigureOut">
               <a:rPr lang="zh-CN" altLang="en-US" smtClean="0"/>
-              <a:t>16/7/24</a:t>
+              <a:t>16/10/3</a:t>
             </a:fld>
             <a:endParaRPr lang="zh-CN" altLang="en-US"/>
           </a:p>
@@ -2468,7 +2553,7 @@
           <a:p>
             <a:fld id="{D997B5FA-0921-464F-AAE1-844C04324D75}" type="datetimeFigureOut">
               <a:rPr lang="zh-CN" altLang="en-US" smtClean="0"/>
-              <a:t>16/7/24</a:t>
+              <a:t>16/10/3</a:t>
             </a:fld>
             <a:endParaRPr lang="zh-CN" altLang="en-US"/>
           </a:p>
@@ -2716,7 +2801,7 @@
           <a:p>
             <a:fld id="{D997B5FA-0921-464F-AAE1-844C04324D75}" type="datetimeFigureOut">
               <a:rPr lang="zh-CN" altLang="en-US" smtClean="0"/>
-              <a:t>16/7/24</a:t>
+              <a:t>16/10/3</a:t>
             </a:fld>
             <a:endParaRPr lang="zh-CN" altLang="en-US"/>
           </a:p>
@@ -2924,7 +3009,7 @@
           <a:p>
             <a:fld id="{D997B5FA-0921-464F-AAE1-844C04324D75}" type="datetimeFigureOut">
               <a:rPr lang="zh-CN" altLang="en-US" smtClean="0"/>
-              <a:t>16/7/24</a:t>
+              <a:t>16/10/3</a:t>
             </a:fld>
             <a:endParaRPr lang="zh-CN" altLang="en-US"/>
           </a:p>
@@ -4843,88 +4928,88 @@
           <a:lstStyle/>
           <a:p>
             <a:pPr algn="ctr"/>
-            <a:endParaRPr lang="zh-CN" altLang="en-US"/>
-          </a:p>
-          <a:p>
-            <a:pPr algn="ctr"/>
-            <a:endParaRPr lang="zh-CN" altLang="en-US"/>
-          </a:p>
-          <a:p>
-            <a:pPr algn="ctr"/>
-            <a:endParaRPr lang="zh-CN" altLang="en-US"/>
-          </a:p>
-          <a:p>
-            <a:pPr algn="ctr"/>
-            <a:endParaRPr lang="zh-CN" altLang="en-US"/>
-          </a:p>
-          <a:p>
-            <a:pPr algn="ctr"/>
-            <a:endParaRPr lang="zh-CN" altLang="en-US"/>
-          </a:p>
-          <a:p>
-            <a:pPr algn="ctr"/>
-            <a:endParaRPr lang="zh-CN" altLang="en-US"/>
-          </a:p>
-          <a:p>
-            <a:pPr algn="ctr"/>
-            <a:endParaRPr lang="zh-CN" altLang="en-US"/>
-          </a:p>
-          <a:p>
-            <a:pPr algn="ctr"/>
-            <a:endParaRPr lang="zh-CN" altLang="en-US"/>
-          </a:p>
-          <a:p>
-            <a:pPr algn="ctr"/>
-            <a:endParaRPr lang="zh-CN" altLang="en-US"/>
-          </a:p>
-          <a:p>
-            <a:pPr algn="ctr"/>
-            <a:endParaRPr lang="zh-CN" altLang="en-US"/>
-          </a:p>
-          <a:p>
-            <a:pPr algn="ctr"/>
-            <a:endParaRPr lang="zh-CN" altLang="en-US"/>
-          </a:p>
-          <a:p>
-            <a:pPr algn="ctr"/>
-            <a:endParaRPr lang="zh-CN" altLang="en-US"/>
-          </a:p>
-          <a:p>
-            <a:pPr algn="ctr"/>
-            <a:endParaRPr lang="zh-CN" altLang="en-US"/>
-          </a:p>
-          <a:p>
-            <a:pPr algn="ctr"/>
-            <a:endParaRPr lang="zh-CN" altLang="en-US"/>
-          </a:p>
-          <a:p>
-            <a:pPr algn="ctr"/>
-            <a:endParaRPr lang="zh-CN" altLang="en-US"/>
-          </a:p>
-          <a:p>
-            <a:pPr algn="ctr"/>
-            <a:endParaRPr lang="zh-CN" altLang="en-US"/>
-          </a:p>
-          <a:p>
-            <a:pPr algn="ctr"/>
-            <a:endParaRPr lang="zh-CN" altLang="en-US"/>
-          </a:p>
-          <a:p>
-            <a:pPr algn="ctr"/>
-            <a:endParaRPr lang="en-US" altLang="zh-CN" sz="2400" b="1"/>
-          </a:p>
-          <a:p>
-            <a:pPr algn="ctr"/>
-            <a:r>
-              <a:rPr lang="en-US" altLang="zh-CN" sz="3200" b="1"/>
+            <a:endParaRPr lang="zh-CN" altLang="en-US" dirty="0"/>
+          </a:p>
+          <a:p>
+            <a:pPr algn="ctr"/>
+            <a:endParaRPr lang="zh-CN" altLang="en-US" dirty="0"/>
+          </a:p>
+          <a:p>
+            <a:pPr algn="ctr"/>
+            <a:endParaRPr lang="zh-CN" altLang="en-US" dirty="0"/>
+          </a:p>
+          <a:p>
+            <a:pPr algn="ctr"/>
+            <a:endParaRPr lang="zh-CN" altLang="en-US" dirty="0"/>
+          </a:p>
+          <a:p>
+            <a:pPr algn="ctr"/>
+            <a:endParaRPr lang="zh-CN" altLang="en-US" dirty="0"/>
+          </a:p>
+          <a:p>
+            <a:pPr algn="ctr"/>
+            <a:endParaRPr lang="zh-CN" altLang="en-US" dirty="0"/>
+          </a:p>
+          <a:p>
+            <a:pPr algn="ctr"/>
+            <a:endParaRPr lang="zh-CN" altLang="en-US" dirty="0"/>
+          </a:p>
+          <a:p>
+            <a:pPr algn="ctr"/>
+            <a:endParaRPr lang="zh-CN" altLang="en-US" dirty="0"/>
+          </a:p>
+          <a:p>
+            <a:pPr algn="ctr"/>
+            <a:endParaRPr lang="zh-CN" altLang="en-US" dirty="0"/>
+          </a:p>
+          <a:p>
+            <a:pPr algn="ctr"/>
+            <a:endParaRPr lang="zh-CN" altLang="en-US" dirty="0"/>
+          </a:p>
+          <a:p>
+            <a:pPr algn="ctr"/>
+            <a:endParaRPr lang="zh-CN" altLang="en-US" dirty="0"/>
+          </a:p>
+          <a:p>
+            <a:pPr algn="ctr"/>
+            <a:endParaRPr lang="zh-CN" altLang="en-US" dirty="0"/>
+          </a:p>
+          <a:p>
+            <a:pPr algn="ctr"/>
+            <a:endParaRPr lang="zh-CN" altLang="en-US" dirty="0"/>
+          </a:p>
+          <a:p>
+            <a:pPr algn="ctr"/>
+            <a:endParaRPr lang="zh-CN" altLang="en-US" dirty="0"/>
+          </a:p>
+          <a:p>
+            <a:pPr algn="ctr"/>
+            <a:endParaRPr lang="zh-CN" altLang="en-US" dirty="0"/>
+          </a:p>
+          <a:p>
+            <a:pPr algn="ctr"/>
+            <a:endParaRPr lang="zh-CN" altLang="en-US" dirty="0"/>
+          </a:p>
+          <a:p>
+            <a:pPr algn="ctr"/>
+            <a:endParaRPr lang="zh-CN" altLang="en-US" dirty="0"/>
+          </a:p>
+          <a:p>
+            <a:pPr algn="ctr"/>
+            <a:endParaRPr lang="en-US" altLang="zh-CN" sz="2400" b="1" dirty="0"/>
+          </a:p>
+          <a:p>
+            <a:pPr algn="ctr"/>
+            <a:r>
+              <a:rPr lang="en-US" altLang="zh-CN" sz="3200" b="1" dirty="0"/>
               <a:t>XXL-JOB</a:t>
             </a:r>
             <a:r>
-              <a:rPr lang="zh-CN" altLang="en-US" sz="3200" b="1"/>
+              <a:rPr lang="zh-CN" altLang="en-US" sz="3200" b="1" dirty="0"/>
               <a:t>架构图 </a:t>
             </a:r>
             <a:r>
-              <a:rPr lang="en-US" altLang="zh-CN" sz="3200" b="1"/>
+              <a:rPr lang="en-US" altLang="zh-CN" sz="3200" b="1" dirty="0"/>
               <a:t>v1.3</a:t>
             </a:r>
           </a:p>
@@ -6385,6 +6470,1849 @@
         </p:txBody>
       </p:sp>
     </p:spTree>
+  </p:cSld>
+  <p:clrMapOvr>
+    <a:masterClrMapping/>
+  </p:clrMapOvr>
+</p:sld>
+</file>
+
+<file path=ppt/slides/slide3.xml><?xml version="1.0" encoding="utf-8"?>
+<p:sld xmlns:a="http://schemas.openxmlformats.org/drawingml/2006/main" xmlns:r="http://schemas.openxmlformats.org/officeDocument/2006/relationships" xmlns:p="http://schemas.openxmlformats.org/presentationml/2006/main">
+  <p:cSld>
+    <p:spTree>
+      <p:nvGrpSpPr>
+        <p:cNvPr id="1" name=""/>
+        <p:cNvGrpSpPr/>
+        <p:nvPr/>
+      </p:nvGrpSpPr>
+      <p:grpSpPr>
+        <a:xfrm>
+          <a:off x="0" y="0"/>
+          <a:ext cx="0" cy="0"/>
+          <a:chOff x="0" y="0"/>
+          <a:chExt cx="0" cy="0"/>
+        </a:xfrm>
+      </p:grpSpPr>
+      <p:sp>
+        <p:nvSpPr>
+          <p:cNvPr id="32" name="矩形 31"/>
+          <p:cNvSpPr/>
+          <p:nvPr/>
+        </p:nvSpPr>
+        <p:spPr>
+          <a:xfrm>
+            <a:off x="363855" y="355600"/>
+            <a:ext cx="11457940" cy="6147435"/>
+          </a:xfrm>
+          <a:prstGeom prst="rect">
+            <a:avLst/>
+          </a:prstGeom>
+          <a:pattFill prst="pct5">
+            <a:fgClr>
+              <a:schemeClr val="accent1"/>
+            </a:fgClr>
+            <a:bgClr>
+              <a:schemeClr val="bg1"/>
+            </a:bgClr>
+          </a:pattFill>
+          <a:ln w="28575" cmpd="sng">
+            <a:solidFill>
+              <a:schemeClr val="accent1">
+                <a:shade val="50000"/>
+                <a:alpha val="98000"/>
+              </a:schemeClr>
+            </a:solidFill>
+            <a:prstDash val="dash"/>
+          </a:ln>
+        </p:spPr>
+        <p:style>
+          <a:lnRef idx="2">
+            <a:schemeClr val="accent3"/>
+          </a:lnRef>
+          <a:fillRef idx="1">
+            <a:schemeClr val="lt1"/>
+          </a:fillRef>
+          <a:effectRef idx="0">
+            <a:schemeClr val="accent3"/>
+          </a:effectRef>
+          <a:fontRef idx="minor">
+            <a:schemeClr val="dk1"/>
+          </a:fontRef>
+        </p:style>
+        <p:txBody>
+          <a:bodyPr rtlCol="0" anchor="ctr"/>
+          <a:lstStyle/>
+          <a:p>
+            <a:pPr algn="ctr"/>
+            <a:endParaRPr lang="zh-CN" altLang="en-US" dirty="0"/>
+          </a:p>
+          <a:p>
+            <a:pPr algn="ctr"/>
+            <a:endParaRPr lang="zh-CN" altLang="en-US" dirty="0"/>
+          </a:p>
+          <a:p>
+            <a:pPr algn="ctr"/>
+            <a:endParaRPr lang="zh-CN" altLang="en-US" dirty="0"/>
+          </a:p>
+          <a:p>
+            <a:pPr algn="ctr"/>
+            <a:endParaRPr lang="zh-CN" altLang="en-US" dirty="0"/>
+          </a:p>
+          <a:p>
+            <a:pPr algn="ctr"/>
+            <a:endParaRPr lang="zh-CN" altLang="en-US" dirty="0"/>
+          </a:p>
+          <a:p>
+            <a:pPr algn="ctr"/>
+            <a:endParaRPr lang="zh-CN" altLang="en-US" dirty="0"/>
+          </a:p>
+          <a:p>
+            <a:pPr algn="ctr"/>
+            <a:endParaRPr lang="zh-CN" altLang="en-US" dirty="0"/>
+          </a:p>
+          <a:p>
+            <a:pPr algn="ctr"/>
+            <a:endParaRPr lang="zh-CN" altLang="en-US" dirty="0"/>
+          </a:p>
+          <a:p>
+            <a:pPr algn="ctr"/>
+            <a:endParaRPr lang="zh-CN" altLang="en-US" dirty="0"/>
+          </a:p>
+          <a:p>
+            <a:pPr algn="ctr"/>
+            <a:endParaRPr lang="zh-CN" altLang="en-US" dirty="0"/>
+          </a:p>
+          <a:p>
+            <a:pPr algn="ctr"/>
+            <a:endParaRPr lang="zh-CN" altLang="en-US" dirty="0"/>
+          </a:p>
+          <a:p>
+            <a:pPr algn="ctr"/>
+            <a:endParaRPr lang="zh-CN" altLang="en-US" dirty="0"/>
+          </a:p>
+          <a:p>
+            <a:pPr algn="ctr"/>
+            <a:endParaRPr lang="zh-CN" altLang="en-US" dirty="0"/>
+          </a:p>
+          <a:p>
+            <a:pPr algn="ctr"/>
+            <a:endParaRPr lang="zh-CN" altLang="en-US" dirty="0"/>
+          </a:p>
+          <a:p>
+            <a:pPr algn="ctr"/>
+            <a:endParaRPr lang="zh-CN" altLang="en-US" dirty="0"/>
+          </a:p>
+          <a:p>
+            <a:pPr algn="ctr"/>
+            <a:endParaRPr lang="zh-CN" altLang="en-US" dirty="0"/>
+          </a:p>
+          <a:p>
+            <a:pPr algn="ctr"/>
+            <a:endParaRPr lang="zh-CN" altLang="en-US" dirty="0"/>
+          </a:p>
+          <a:p>
+            <a:pPr algn="ctr"/>
+            <a:endParaRPr lang="en-US" altLang="zh-CN" sz="2400" b="1" dirty="0"/>
+          </a:p>
+          <a:p>
+            <a:pPr algn="ctr"/>
+            <a:r>
+              <a:rPr lang="en-US" altLang="zh-CN" sz="3200" b="1" dirty="0"/>
+              <a:t>XXL-JOB</a:t>
+            </a:r>
+            <a:r>
+              <a:rPr lang="zh-CN" altLang="en-US" sz="3200" b="1" dirty="0"/>
+              <a:t>架构图 </a:t>
+            </a:r>
+            <a:r>
+              <a:rPr lang="en-US" altLang="zh-CN" sz="3200" b="1" smtClean="0"/>
+              <a:t>v1.5</a:t>
+            </a:r>
+            <a:endParaRPr lang="en-US" altLang="zh-CN" sz="3200" b="1" dirty="0"/>
+          </a:p>
+        </p:txBody>
+      </p:sp>
+      <p:sp>
+        <p:nvSpPr>
+          <p:cNvPr id="33" name="矩形 32"/>
+          <p:cNvSpPr/>
+          <p:nvPr/>
+        </p:nvSpPr>
+        <p:spPr>
+          <a:xfrm>
+            <a:off x="548005" y="551145"/>
+            <a:ext cx="4619625" cy="5058445"/>
+          </a:xfrm>
+          <a:prstGeom prst="rect">
+            <a:avLst/>
+          </a:prstGeom>
+          <a:solidFill>
+            <a:srgbClr val="FFF5D6"/>
+          </a:solidFill>
+        </p:spPr>
+        <p:style>
+          <a:lnRef idx="1">
+            <a:schemeClr val="accent1"/>
+          </a:lnRef>
+          <a:fillRef idx="2">
+            <a:schemeClr val="accent1"/>
+          </a:fillRef>
+          <a:effectRef idx="1">
+            <a:schemeClr val="accent1"/>
+          </a:effectRef>
+          <a:fontRef idx="minor">
+            <a:schemeClr val="dk1"/>
+          </a:fontRef>
+        </p:style>
+        <p:txBody>
+          <a:bodyPr rtlCol="0" anchor="ctr"/>
+          <a:lstStyle/>
+          <a:p>
+            <a:pPr algn="ctr"/>
+            <a:endParaRPr lang="zh-CN" altLang="en-US" sz="2400" b="1">
+              <a:solidFill>
+                <a:schemeClr val="accent5">
+                  <a:lumMod val="50000"/>
+                </a:schemeClr>
+              </a:solidFill>
+              <a:latin typeface="微软雅黑" charset="0"/>
+              <a:ea typeface="微软雅黑" charset="0"/>
+            </a:endParaRPr>
+          </a:p>
+          <a:p>
+            <a:pPr algn="ctr"/>
+            <a:endParaRPr lang="zh-CN" altLang="en-US" sz="2400" b="1">
+              <a:solidFill>
+                <a:schemeClr val="accent5">
+                  <a:lumMod val="50000"/>
+                </a:schemeClr>
+              </a:solidFill>
+              <a:latin typeface="微软雅黑" charset="0"/>
+              <a:ea typeface="微软雅黑" charset="0"/>
+            </a:endParaRPr>
+          </a:p>
+          <a:p>
+            <a:pPr algn="ctr"/>
+            <a:endParaRPr lang="zh-CN" altLang="en-US" sz="2400" b="1">
+              <a:solidFill>
+                <a:schemeClr val="accent5">
+                  <a:lumMod val="50000"/>
+                </a:schemeClr>
+              </a:solidFill>
+              <a:latin typeface="微软雅黑" charset="0"/>
+              <a:ea typeface="微软雅黑" charset="0"/>
+            </a:endParaRPr>
+          </a:p>
+          <a:p>
+            <a:pPr algn="ctr"/>
+            <a:endParaRPr lang="zh-CN" altLang="en-US" sz="2400" b="1">
+              <a:solidFill>
+                <a:schemeClr val="accent5">
+                  <a:lumMod val="50000"/>
+                </a:schemeClr>
+              </a:solidFill>
+              <a:latin typeface="微软雅黑" charset="0"/>
+              <a:ea typeface="微软雅黑" charset="0"/>
+            </a:endParaRPr>
+          </a:p>
+          <a:p>
+            <a:pPr algn="ctr"/>
+            <a:endParaRPr lang="zh-CN" altLang="en-US" sz="2400" b="1">
+              <a:solidFill>
+                <a:schemeClr val="accent5">
+                  <a:lumMod val="50000"/>
+                </a:schemeClr>
+              </a:solidFill>
+              <a:latin typeface="微软雅黑" charset="0"/>
+              <a:ea typeface="微软雅黑" charset="0"/>
+            </a:endParaRPr>
+          </a:p>
+          <a:p>
+            <a:pPr algn="ctr"/>
+            <a:endParaRPr lang="zh-CN" altLang="en-US" sz="2400" b="1">
+              <a:solidFill>
+                <a:schemeClr val="accent5">
+                  <a:lumMod val="50000"/>
+                </a:schemeClr>
+              </a:solidFill>
+              <a:latin typeface="微软雅黑" charset="0"/>
+              <a:ea typeface="微软雅黑" charset="0"/>
+            </a:endParaRPr>
+          </a:p>
+          <a:p>
+            <a:pPr algn="ctr"/>
+            <a:endParaRPr lang="zh-CN" altLang="en-US" sz="2400" b="1">
+              <a:solidFill>
+                <a:schemeClr val="accent5">
+                  <a:lumMod val="50000"/>
+                </a:schemeClr>
+              </a:solidFill>
+              <a:latin typeface="微软雅黑" charset="0"/>
+              <a:ea typeface="微软雅黑" charset="0"/>
+            </a:endParaRPr>
+          </a:p>
+          <a:p>
+            <a:pPr algn="ctr"/>
+            <a:endParaRPr lang="zh-CN" altLang="en-US" sz="2400" b="1">
+              <a:solidFill>
+                <a:schemeClr val="accent5">
+                  <a:lumMod val="50000"/>
+                </a:schemeClr>
+              </a:solidFill>
+              <a:latin typeface="微软雅黑" charset="0"/>
+              <a:ea typeface="微软雅黑" charset="0"/>
+            </a:endParaRPr>
+          </a:p>
+          <a:p>
+            <a:pPr algn="ctr"/>
+            <a:endParaRPr lang="zh-CN" altLang="en-US" sz="2400" b="1">
+              <a:solidFill>
+                <a:schemeClr val="accent5">
+                  <a:lumMod val="50000"/>
+                </a:schemeClr>
+              </a:solidFill>
+              <a:latin typeface="微软雅黑" charset="0"/>
+              <a:ea typeface="微软雅黑" charset="0"/>
+            </a:endParaRPr>
+          </a:p>
+          <a:p>
+            <a:pPr algn="ctr"/>
+            <a:endParaRPr lang="zh-CN" altLang="en-US" sz="2400" b="1">
+              <a:solidFill>
+                <a:schemeClr val="accent5">
+                  <a:lumMod val="50000"/>
+                </a:schemeClr>
+              </a:solidFill>
+              <a:latin typeface="微软雅黑" charset="0"/>
+              <a:ea typeface="微软雅黑" charset="0"/>
+            </a:endParaRPr>
+          </a:p>
+          <a:p>
+            <a:pPr algn="ctr"/>
+            <a:endParaRPr lang="zh-CN" altLang="en-US" sz="2400" b="1">
+              <a:solidFill>
+                <a:schemeClr val="accent5">
+                  <a:lumMod val="50000"/>
+                </a:schemeClr>
+              </a:solidFill>
+              <a:latin typeface="微软雅黑" charset="0"/>
+              <a:ea typeface="微软雅黑" charset="0"/>
+            </a:endParaRPr>
+          </a:p>
+          <a:p>
+            <a:pPr algn="ctr"/>
+            <a:r>
+              <a:rPr lang="zh-CN" altLang="en-US" sz="2400" b="1">
+                <a:solidFill>
+                  <a:schemeClr val="accent5">
+                    <a:lumMod val="50000"/>
+                  </a:schemeClr>
+                </a:solidFill>
+                <a:latin typeface="微软雅黑" charset="0"/>
+                <a:ea typeface="微软雅黑" charset="0"/>
+              </a:rPr>
+              <a:t>调度中心</a:t>
+            </a:r>
+          </a:p>
+        </p:txBody>
+      </p:sp>
+      <p:sp>
+        <p:nvSpPr>
+          <p:cNvPr id="34" name="矩形 33"/>
+          <p:cNvSpPr/>
+          <p:nvPr/>
+        </p:nvSpPr>
+        <p:spPr>
+          <a:xfrm>
+            <a:off x="705485" y="726510"/>
+            <a:ext cx="1973580" cy="3225730"/>
+          </a:xfrm>
+          <a:prstGeom prst="rect">
+            <a:avLst/>
+          </a:prstGeom>
+          <a:solidFill>
+            <a:schemeClr val="accent2">
+              <a:lumMod val="40000"/>
+              <a:lumOff val="60000"/>
+            </a:schemeClr>
+          </a:solidFill>
+        </p:spPr>
+        <p:style>
+          <a:lnRef idx="1">
+            <a:schemeClr val="accent4"/>
+          </a:lnRef>
+          <a:fillRef idx="2">
+            <a:schemeClr val="accent4"/>
+          </a:fillRef>
+          <a:effectRef idx="1">
+            <a:schemeClr val="accent4"/>
+          </a:effectRef>
+          <a:fontRef idx="minor">
+            <a:schemeClr val="dk1"/>
+          </a:fontRef>
+        </p:style>
+        <p:txBody>
+          <a:bodyPr rtlCol="0" anchor="ctr"/>
+          <a:lstStyle/>
+          <a:p>
+            <a:pPr algn="ctr"/>
+            <a:endParaRPr lang="zh-CN" altLang="en-US" b="1">
+              <a:latin typeface="微软雅黑" charset="0"/>
+              <a:ea typeface="微软雅黑" charset="0"/>
+            </a:endParaRPr>
+          </a:p>
+          <a:p>
+            <a:pPr algn="ctr"/>
+            <a:endParaRPr lang="zh-CN" altLang="en-US" b="1">
+              <a:latin typeface="微软雅黑" charset="0"/>
+              <a:ea typeface="微软雅黑" charset="0"/>
+            </a:endParaRPr>
+          </a:p>
+          <a:p>
+            <a:pPr algn="ctr"/>
+            <a:endParaRPr lang="zh-CN" altLang="en-US" b="1">
+              <a:latin typeface="微软雅黑" charset="0"/>
+              <a:ea typeface="微软雅黑" charset="0"/>
+            </a:endParaRPr>
+          </a:p>
+          <a:p>
+            <a:pPr algn="ctr"/>
+            <a:endParaRPr lang="zh-CN" altLang="en-US" b="1">
+              <a:latin typeface="微软雅黑" charset="0"/>
+              <a:ea typeface="微软雅黑" charset="0"/>
+            </a:endParaRPr>
+          </a:p>
+          <a:p>
+            <a:pPr algn="ctr"/>
+            <a:endParaRPr lang="zh-CN" altLang="en-US" b="1">
+              <a:latin typeface="微软雅黑" charset="0"/>
+              <a:ea typeface="微软雅黑" charset="0"/>
+            </a:endParaRPr>
+          </a:p>
+          <a:p>
+            <a:pPr algn="ctr"/>
+            <a:endParaRPr lang="zh-CN" altLang="en-US" b="1">
+              <a:latin typeface="微软雅黑" charset="0"/>
+              <a:ea typeface="微软雅黑" charset="0"/>
+            </a:endParaRPr>
+          </a:p>
+          <a:p>
+            <a:pPr algn="ctr"/>
+            <a:endParaRPr lang="zh-CN" altLang="en-US" b="1">
+              <a:latin typeface="微软雅黑" charset="0"/>
+              <a:ea typeface="微软雅黑" charset="0"/>
+            </a:endParaRPr>
+          </a:p>
+          <a:p>
+            <a:pPr algn="ctr"/>
+            <a:r>
+              <a:rPr lang="zh-CN" altLang="en-US" b="1">
+                <a:solidFill>
+                  <a:schemeClr val="tx1"/>
+                </a:solidFill>
+                <a:latin typeface="微软雅黑" charset="0"/>
+                <a:ea typeface="微软雅黑" charset="0"/>
+              </a:rPr>
+              <a:t>调度池</a:t>
+            </a:r>
+          </a:p>
+        </p:txBody>
+      </p:sp>
+      <p:sp>
+        <p:nvSpPr>
+          <p:cNvPr id="35" name="矩形 34"/>
+          <p:cNvSpPr/>
+          <p:nvPr/>
+        </p:nvSpPr>
+        <p:spPr>
+          <a:xfrm>
+            <a:off x="856297" y="928370"/>
+            <a:ext cx="1585595" cy="436880"/>
+          </a:xfrm>
+          <a:prstGeom prst="rect">
+            <a:avLst/>
+          </a:prstGeom>
+          <a:solidFill>
+            <a:schemeClr val="accent4">
+              <a:lumMod val="20000"/>
+              <a:lumOff val="80000"/>
+            </a:schemeClr>
+          </a:solidFill>
+        </p:spPr>
+        <p:style>
+          <a:lnRef idx="2">
+            <a:schemeClr val="accent3"/>
+          </a:lnRef>
+          <a:fillRef idx="1">
+            <a:schemeClr val="lt1"/>
+          </a:fillRef>
+          <a:effectRef idx="0">
+            <a:schemeClr val="accent3"/>
+          </a:effectRef>
+          <a:fontRef idx="minor">
+            <a:schemeClr val="dk1"/>
+          </a:fontRef>
+        </p:style>
+        <p:txBody>
+          <a:bodyPr rtlCol="0" anchor="ctr"/>
+          <a:lstStyle/>
+          <a:p>
+            <a:pPr algn="ctr"/>
+            <a:r>
+              <a:rPr lang="zh-CN" altLang="en-US" dirty="0" smtClean="0">
+                <a:latin typeface="微软雅黑" charset="0"/>
+                <a:ea typeface="微软雅黑" charset="0"/>
+              </a:rPr>
+              <a:t>执行器</a:t>
+            </a:r>
+            <a:endParaRPr lang="zh-CN" altLang="en-US" dirty="0">
+              <a:latin typeface="微软雅黑" charset="0"/>
+              <a:ea typeface="微软雅黑" charset="0"/>
+            </a:endParaRPr>
+          </a:p>
+        </p:txBody>
+      </p:sp>
+      <p:sp>
+        <p:nvSpPr>
+          <p:cNvPr id="36" name="矩形 35"/>
+          <p:cNvSpPr/>
+          <p:nvPr/>
+        </p:nvSpPr>
+        <p:spPr>
+          <a:xfrm>
+            <a:off x="704215" y="4278330"/>
+            <a:ext cx="4196080" cy="640715"/>
+          </a:xfrm>
+          <a:prstGeom prst="rect">
+            <a:avLst/>
+          </a:prstGeom>
+          <a:solidFill>
+            <a:schemeClr val="accent4">
+              <a:lumMod val="60000"/>
+              <a:lumOff val="40000"/>
+            </a:schemeClr>
+          </a:solidFill>
+        </p:spPr>
+        <p:style>
+          <a:lnRef idx="1">
+            <a:schemeClr val="accent4"/>
+          </a:lnRef>
+          <a:fillRef idx="2">
+            <a:schemeClr val="accent4"/>
+          </a:fillRef>
+          <a:effectRef idx="1">
+            <a:schemeClr val="accent4"/>
+          </a:effectRef>
+          <a:fontRef idx="minor">
+            <a:schemeClr val="dk1"/>
+          </a:fontRef>
+        </p:style>
+        <p:txBody>
+          <a:bodyPr rtlCol="0" anchor="ctr"/>
+          <a:lstStyle/>
+          <a:p>
+            <a:pPr algn="ctr"/>
+            <a:r>
+              <a:rPr lang="zh-CN" altLang="en-US" b="1">
+                <a:solidFill>
+                  <a:schemeClr val="tx1"/>
+                </a:solidFill>
+                <a:latin typeface="微软雅黑" charset="0"/>
+                <a:ea typeface="微软雅黑" charset="0"/>
+              </a:rPr>
+              <a:t>调度日志 </a:t>
+            </a:r>
+            <a:r>
+              <a:rPr lang="en-US" altLang="zh-CN" b="1">
+                <a:solidFill>
+                  <a:schemeClr val="tx1"/>
+                </a:solidFill>
+                <a:latin typeface="微软雅黑" charset="0"/>
+                <a:ea typeface="微软雅黑" charset="0"/>
+              </a:rPr>
+              <a:t>/ GLUE</a:t>
+            </a:r>
+            <a:r>
+              <a:rPr lang="zh-CN" altLang="en-US" b="1">
+                <a:solidFill>
+                  <a:schemeClr val="tx1"/>
+                </a:solidFill>
+                <a:latin typeface="微软雅黑" charset="0"/>
+                <a:ea typeface="微软雅黑" charset="0"/>
+              </a:rPr>
+              <a:t>日志</a:t>
+            </a:r>
+          </a:p>
+        </p:txBody>
+      </p:sp>
+      <p:sp>
+        <p:nvSpPr>
+          <p:cNvPr id="37" name="矩形 36"/>
+          <p:cNvSpPr/>
+          <p:nvPr/>
+        </p:nvSpPr>
+        <p:spPr>
+          <a:xfrm>
+            <a:off x="6850380" y="551146"/>
+            <a:ext cx="4764405" cy="5005740"/>
+          </a:xfrm>
+          <a:prstGeom prst="rect">
+            <a:avLst/>
+          </a:prstGeom>
+          <a:solidFill>
+            <a:schemeClr val="accent4">
+              <a:lumMod val="20000"/>
+              <a:lumOff val="80000"/>
+            </a:schemeClr>
+          </a:solidFill>
+        </p:spPr>
+        <p:style>
+          <a:lnRef idx="1">
+            <a:schemeClr val="accent1"/>
+          </a:lnRef>
+          <a:fillRef idx="3">
+            <a:schemeClr val="accent1"/>
+          </a:fillRef>
+          <a:effectRef idx="2">
+            <a:schemeClr val="accent1"/>
+          </a:effectRef>
+          <a:fontRef idx="minor">
+            <a:schemeClr val="lt1"/>
+          </a:fontRef>
+        </p:style>
+        <p:txBody>
+          <a:bodyPr rtlCol="0" anchor="ctr"/>
+          <a:lstStyle/>
+          <a:p>
+            <a:pPr algn="ctr"/>
+            <a:endParaRPr lang="zh-CN" altLang="en-US" sz="2400" b="1" dirty="0">
+              <a:latin typeface="微软雅黑" charset="0"/>
+              <a:ea typeface="微软雅黑" charset="0"/>
+            </a:endParaRPr>
+          </a:p>
+          <a:p>
+            <a:pPr algn="ctr"/>
+            <a:endParaRPr lang="zh-CN" altLang="en-US" sz="2400" b="1" dirty="0">
+              <a:latin typeface="微软雅黑" charset="0"/>
+              <a:ea typeface="微软雅黑" charset="0"/>
+            </a:endParaRPr>
+          </a:p>
+          <a:p>
+            <a:pPr algn="ctr"/>
+            <a:endParaRPr lang="zh-CN" altLang="en-US" sz="2400" b="1" dirty="0">
+              <a:latin typeface="微软雅黑" charset="0"/>
+              <a:ea typeface="微软雅黑" charset="0"/>
+            </a:endParaRPr>
+          </a:p>
+          <a:p>
+            <a:pPr algn="ctr"/>
+            <a:endParaRPr lang="zh-CN" altLang="en-US" sz="2400" b="1" dirty="0">
+              <a:latin typeface="微软雅黑" charset="0"/>
+              <a:ea typeface="微软雅黑" charset="0"/>
+            </a:endParaRPr>
+          </a:p>
+          <a:p>
+            <a:pPr algn="ctr"/>
+            <a:endParaRPr lang="zh-CN" altLang="en-US" sz="2400" b="1" dirty="0">
+              <a:latin typeface="微软雅黑" charset="0"/>
+              <a:ea typeface="微软雅黑" charset="0"/>
+            </a:endParaRPr>
+          </a:p>
+          <a:p>
+            <a:pPr algn="ctr"/>
+            <a:endParaRPr lang="zh-CN" altLang="en-US" sz="2400" b="1" dirty="0">
+              <a:latin typeface="微软雅黑" charset="0"/>
+              <a:ea typeface="微软雅黑" charset="0"/>
+            </a:endParaRPr>
+          </a:p>
+          <a:p>
+            <a:pPr algn="ctr"/>
+            <a:endParaRPr lang="zh-CN" altLang="en-US" sz="2400" b="1" dirty="0">
+              <a:latin typeface="微软雅黑" charset="0"/>
+              <a:ea typeface="微软雅黑" charset="0"/>
+            </a:endParaRPr>
+          </a:p>
+          <a:p>
+            <a:pPr algn="ctr"/>
+            <a:endParaRPr lang="zh-CN" altLang="en-US" sz="2400" b="1" dirty="0">
+              <a:latin typeface="微软雅黑" charset="0"/>
+              <a:ea typeface="微软雅黑" charset="0"/>
+            </a:endParaRPr>
+          </a:p>
+          <a:p>
+            <a:pPr algn="ctr"/>
+            <a:endParaRPr lang="zh-CN" altLang="en-US" sz="2400" b="1" dirty="0">
+              <a:latin typeface="微软雅黑" charset="0"/>
+              <a:ea typeface="微软雅黑" charset="0"/>
+            </a:endParaRPr>
+          </a:p>
+          <a:p>
+            <a:pPr algn="ctr"/>
+            <a:endParaRPr lang="zh-CN" altLang="en-US" sz="2400" b="1" dirty="0">
+              <a:latin typeface="微软雅黑" charset="0"/>
+              <a:ea typeface="微软雅黑" charset="0"/>
+            </a:endParaRPr>
+          </a:p>
+          <a:p>
+            <a:pPr algn="ctr"/>
+            <a:endParaRPr lang="zh-CN" altLang="en-US" sz="2400" b="1" dirty="0">
+              <a:latin typeface="微软雅黑" charset="0"/>
+              <a:ea typeface="微软雅黑" charset="0"/>
+            </a:endParaRPr>
+          </a:p>
+          <a:p>
+            <a:pPr algn="ctr"/>
+            <a:r>
+              <a:rPr lang="zh-CN" altLang="en-US" sz="2400" b="1" dirty="0">
+                <a:solidFill>
+                  <a:schemeClr val="accent1">
+                    <a:lumMod val="50000"/>
+                  </a:schemeClr>
+                </a:solidFill>
+                <a:latin typeface="微软雅黑" charset="0"/>
+                <a:ea typeface="微软雅黑" charset="0"/>
+              </a:rPr>
+              <a:t>执行器</a:t>
+            </a:r>
+          </a:p>
+        </p:txBody>
+      </p:sp>
+      <p:sp>
+        <p:nvSpPr>
+          <p:cNvPr id="38" name="矩形 37"/>
+          <p:cNvSpPr/>
+          <p:nvPr/>
+        </p:nvSpPr>
+        <p:spPr>
+          <a:xfrm>
+            <a:off x="836613" y="1558608"/>
+            <a:ext cx="1549400" cy="436880"/>
+          </a:xfrm>
+          <a:prstGeom prst="rect">
+            <a:avLst/>
+          </a:prstGeom>
+          <a:solidFill>
+            <a:schemeClr val="accent4">
+              <a:lumMod val="20000"/>
+              <a:lumOff val="80000"/>
+            </a:schemeClr>
+          </a:solidFill>
+        </p:spPr>
+        <p:style>
+          <a:lnRef idx="1">
+            <a:schemeClr val="accent6"/>
+          </a:lnRef>
+          <a:fillRef idx="2">
+            <a:schemeClr val="accent6"/>
+          </a:fillRef>
+          <a:effectRef idx="1">
+            <a:schemeClr val="accent6"/>
+          </a:effectRef>
+          <a:fontRef idx="minor">
+            <a:schemeClr val="dk1"/>
+          </a:fontRef>
+        </p:style>
+        <p:txBody>
+          <a:bodyPr rtlCol="0" anchor="ctr"/>
+          <a:lstStyle/>
+          <a:p>
+            <a:pPr algn="ctr"/>
+            <a:r>
+              <a:rPr lang="en-US">
+                <a:latin typeface="微软雅黑" charset="0"/>
+                <a:ea typeface="微软雅黑" charset="0"/>
+              </a:rPr>
+              <a:t>JobHandler</a:t>
+            </a:r>
+          </a:p>
+        </p:txBody>
+      </p:sp>
+      <p:sp>
+        <p:nvSpPr>
+          <p:cNvPr id="39" name="矩形 38"/>
+          <p:cNvSpPr/>
+          <p:nvPr/>
+        </p:nvSpPr>
+        <p:spPr>
+          <a:xfrm>
+            <a:off x="850218" y="2166620"/>
+            <a:ext cx="1530350" cy="436880"/>
+          </a:xfrm>
+          <a:prstGeom prst="rect">
+            <a:avLst/>
+          </a:prstGeom>
+          <a:solidFill>
+            <a:schemeClr val="accent4">
+              <a:lumMod val="20000"/>
+              <a:lumOff val="80000"/>
+            </a:schemeClr>
+          </a:solidFill>
+        </p:spPr>
+        <p:style>
+          <a:lnRef idx="1">
+            <a:schemeClr val="accent6"/>
+          </a:lnRef>
+          <a:fillRef idx="2">
+            <a:schemeClr val="accent6"/>
+          </a:fillRef>
+          <a:effectRef idx="1">
+            <a:schemeClr val="accent6"/>
+          </a:effectRef>
+          <a:fontRef idx="minor">
+            <a:schemeClr val="dk1"/>
+          </a:fontRef>
+        </p:style>
+        <p:txBody>
+          <a:bodyPr rtlCol="0" anchor="ctr"/>
+          <a:lstStyle/>
+          <a:p>
+            <a:pPr algn="ctr"/>
+            <a:r>
+              <a:rPr lang="en-US">
+                <a:latin typeface="微软雅黑" charset="0"/>
+                <a:ea typeface="微软雅黑" charset="0"/>
+              </a:rPr>
+              <a:t>……</a:t>
+            </a:r>
+          </a:p>
+        </p:txBody>
+      </p:sp>
+      <p:sp>
+        <p:nvSpPr>
+          <p:cNvPr id="40" name="矩形 39"/>
+          <p:cNvSpPr/>
+          <p:nvPr/>
+        </p:nvSpPr>
+        <p:spPr>
+          <a:xfrm>
+            <a:off x="3652520" y="1896904"/>
+            <a:ext cx="1257935" cy="853440"/>
+          </a:xfrm>
+          <a:prstGeom prst="rect">
+            <a:avLst/>
+          </a:prstGeom>
+        </p:spPr>
+        <p:style>
+          <a:lnRef idx="1">
+            <a:schemeClr val="accent4"/>
+          </a:lnRef>
+          <a:fillRef idx="2">
+            <a:schemeClr val="accent4"/>
+          </a:fillRef>
+          <a:effectRef idx="1">
+            <a:schemeClr val="accent4"/>
+          </a:effectRef>
+          <a:fontRef idx="minor">
+            <a:schemeClr val="dk1"/>
+          </a:fontRef>
+        </p:style>
+        <p:txBody>
+          <a:bodyPr rtlCol="0" anchor="ctr"/>
+          <a:lstStyle/>
+          <a:p>
+            <a:pPr algn="ctr"/>
+            <a:r>
+              <a:rPr lang="zh-CN" altLang="en-US">
+                <a:latin typeface="微软雅黑" charset="0"/>
+                <a:ea typeface="微软雅黑" charset="0"/>
+                <a:sym typeface="+mn-ea"/>
+              </a:rPr>
+              <a:t>调度器</a:t>
+            </a:r>
+          </a:p>
+          <a:p>
+            <a:pPr algn="ctr"/>
+            <a:r>
+              <a:rPr lang="en-US" altLang="zh-CN">
+                <a:latin typeface="微软雅黑" charset="0"/>
+                <a:ea typeface="微软雅黑" charset="0"/>
+              </a:rPr>
+              <a:t>quartz</a:t>
+            </a:r>
+          </a:p>
+        </p:txBody>
+      </p:sp>
+      <p:sp>
+        <p:nvSpPr>
+          <p:cNvPr id="41" name="矩形 40"/>
+          <p:cNvSpPr/>
+          <p:nvPr/>
+        </p:nvSpPr>
+        <p:spPr>
+          <a:xfrm>
+            <a:off x="3642360" y="2940685"/>
+            <a:ext cx="1257935" cy="816610"/>
+          </a:xfrm>
+          <a:prstGeom prst="rect">
+            <a:avLst/>
+          </a:prstGeom>
+        </p:spPr>
+        <p:style>
+          <a:lnRef idx="1">
+            <a:schemeClr val="accent4"/>
+          </a:lnRef>
+          <a:fillRef idx="2">
+            <a:schemeClr val="accent4"/>
+          </a:fillRef>
+          <a:effectRef idx="1">
+            <a:schemeClr val="accent4"/>
+          </a:effectRef>
+          <a:fontRef idx="minor">
+            <a:schemeClr val="dk1"/>
+          </a:fontRef>
+        </p:style>
+        <p:txBody>
+          <a:bodyPr rtlCol="0" anchor="ctr"/>
+          <a:lstStyle/>
+          <a:p>
+            <a:pPr algn="ctr"/>
+            <a:r>
+              <a:rPr lang="zh-CN" altLang="en-US">
+                <a:latin typeface="微软雅黑" charset="0"/>
+                <a:ea typeface="微软雅黑" charset="0"/>
+                <a:sym typeface="+mn-ea"/>
+              </a:rPr>
+              <a:t>回调服务</a:t>
+            </a:r>
+            <a:endParaRPr lang="en-US" altLang="zh-CN">
+              <a:latin typeface="微软雅黑" charset="0"/>
+              <a:ea typeface="微软雅黑" charset="0"/>
+            </a:endParaRPr>
+          </a:p>
+        </p:txBody>
+      </p:sp>
+      <p:sp>
+        <p:nvSpPr>
+          <p:cNvPr id="42" name="上下箭头 41"/>
+          <p:cNvSpPr/>
+          <p:nvPr/>
+        </p:nvSpPr>
+        <p:spPr>
+          <a:xfrm>
+            <a:off x="4123690" y="3780322"/>
+            <a:ext cx="238125" cy="474980"/>
+          </a:xfrm>
+          <a:prstGeom prst="upDownArrow">
+            <a:avLst/>
+          </a:prstGeom>
+          <a:solidFill>
+            <a:schemeClr val="accent4">
+              <a:lumMod val="60000"/>
+              <a:lumOff val="40000"/>
+            </a:schemeClr>
+          </a:solidFill>
+        </p:spPr>
+        <p:style>
+          <a:lnRef idx="2">
+            <a:schemeClr val="accent1">
+              <a:shade val="50000"/>
+            </a:schemeClr>
+          </a:lnRef>
+          <a:fillRef idx="1">
+            <a:schemeClr val="accent1"/>
+          </a:fillRef>
+          <a:effectRef idx="0">
+            <a:schemeClr val="accent1"/>
+          </a:effectRef>
+          <a:fontRef idx="minor">
+            <a:schemeClr val="lt1"/>
+          </a:fontRef>
+        </p:style>
+        <p:txBody>
+          <a:bodyPr rtlCol="0" anchor="ctr"/>
+          <a:lstStyle/>
+          <a:p>
+            <a:pPr algn="ctr"/>
+            <a:endParaRPr lang="zh-CN" altLang="en-US"/>
+          </a:p>
+        </p:txBody>
+      </p:sp>
+      <p:sp>
+        <p:nvSpPr>
+          <p:cNvPr id="43" name="左右箭头 42"/>
+          <p:cNvSpPr/>
+          <p:nvPr/>
+        </p:nvSpPr>
+        <p:spPr>
+          <a:xfrm>
+            <a:off x="2715260" y="2186119"/>
+            <a:ext cx="877570" cy="219075"/>
+          </a:xfrm>
+          <a:prstGeom prst="leftRightArrow">
+            <a:avLst/>
+          </a:prstGeom>
+          <a:solidFill>
+            <a:schemeClr val="accent4">
+              <a:lumMod val="60000"/>
+              <a:lumOff val="40000"/>
+            </a:schemeClr>
+          </a:solidFill>
+        </p:spPr>
+        <p:style>
+          <a:lnRef idx="2">
+            <a:schemeClr val="accent1">
+              <a:shade val="50000"/>
+            </a:schemeClr>
+          </a:lnRef>
+          <a:fillRef idx="1">
+            <a:schemeClr val="accent1"/>
+          </a:fillRef>
+          <a:effectRef idx="0">
+            <a:schemeClr val="accent1"/>
+          </a:effectRef>
+          <a:fontRef idx="minor">
+            <a:schemeClr val="lt1"/>
+          </a:fontRef>
+        </p:style>
+        <p:txBody>
+          <a:bodyPr rtlCol="0" anchor="ctr"/>
+          <a:lstStyle/>
+          <a:p>
+            <a:pPr algn="ctr"/>
+            <a:endParaRPr lang="zh-CN" altLang="en-US"/>
+          </a:p>
+        </p:txBody>
+      </p:sp>
+      <p:sp>
+        <p:nvSpPr>
+          <p:cNvPr id="44" name="左右箭头 43"/>
+          <p:cNvSpPr/>
+          <p:nvPr/>
+        </p:nvSpPr>
+        <p:spPr>
+          <a:xfrm>
+            <a:off x="2726055" y="3249295"/>
+            <a:ext cx="877570" cy="219075"/>
+          </a:xfrm>
+          <a:prstGeom prst="leftRightArrow">
+            <a:avLst/>
+          </a:prstGeom>
+          <a:solidFill>
+            <a:schemeClr val="accent4">
+              <a:lumMod val="60000"/>
+              <a:lumOff val="40000"/>
+            </a:schemeClr>
+          </a:solidFill>
+        </p:spPr>
+        <p:style>
+          <a:lnRef idx="2">
+            <a:schemeClr val="accent1">
+              <a:shade val="50000"/>
+            </a:schemeClr>
+          </a:lnRef>
+          <a:fillRef idx="1">
+            <a:schemeClr val="accent1"/>
+          </a:fillRef>
+          <a:effectRef idx="0">
+            <a:schemeClr val="accent1"/>
+          </a:effectRef>
+          <a:fontRef idx="minor">
+            <a:schemeClr val="lt1"/>
+          </a:fontRef>
+        </p:style>
+        <p:txBody>
+          <a:bodyPr rtlCol="0" anchor="ctr"/>
+          <a:lstStyle/>
+          <a:p>
+            <a:pPr algn="ctr"/>
+            <a:endParaRPr lang="zh-CN" altLang="en-US"/>
+          </a:p>
+        </p:txBody>
+      </p:sp>
+      <p:sp>
+        <p:nvSpPr>
+          <p:cNvPr id="45" name="矩形 44"/>
+          <p:cNvSpPr/>
+          <p:nvPr/>
+        </p:nvSpPr>
+        <p:spPr>
+          <a:xfrm>
+            <a:off x="7119272" y="2009190"/>
+            <a:ext cx="1535430" cy="863174"/>
+          </a:xfrm>
+          <a:prstGeom prst="rect">
+            <a:avLst/>
+          </a:prstGeom>
+          <a:solidFill>
+            <a:schemeClr val="accent4">
+              <a:lumMod val="60000"/>
+              <a:lumOff val="40000"/>
+            </a:schemeClr>
+          </a:solidFill>
+        </p:spPr>
+        <p:style>
+          <a:lnRef idx="2">
+            <a:schemeClr val="accent1">
+              <a:shade val="50000"/>
+            </a:schemeClr>
+          </a:lnRef>
+          <a:fillRef idx="1">
+            <a:schemeClr val="accent1"/>
+          </a:fillRef>
+          <a:effectRef idx="0">
+            <a:schemeClr val="accent1"/>
+          </a:effectRef>
+          <a:fontRef idx="minor">
+            <a:schemeClr val="lt1"/>
+          </a:fontRef>
+        </p:style>
+        <p:txBody>
+          <a:bodyPr rtlCol="0" anchor="ctr"/>
+          <a:lstStyle/>
+          <a:p>
+            <a:pPr algn="ctr"/>
+            <a:r>
+              <a:rPr lang="zh-CN" altLang="en-US">
+                <a:solidFill>
+                  <a:schemeClr val="tx1"/>
+                </a:solidFill>
+              </a:rPr>
+              <a:t>执行器服务</a:t>
+            </a:r>
+          </a:p>
+          <a:p>
+            <a:pPr algn="ctr"/>
+            <a:r>
+              <a:rPr lang="en-US" altLang="zh-CN">
+                <a:solidFill>
+                  <a:schemeClr val="tx1"/>
+                </a:solidFill>
+              </a:rPr>
+              <a:t>jetty</a:t>
+            </a:r>
+          </a:p>
+        </p:txBody>
+      </p:sp>
+      <p:cxnSp>
+        <p:nvCxnSpPr>
+          <p:cNvPr id="46" name="直接箭头连接符 11"/>
+          <p:cNvCxnSpPr/>
+          <p:nvPr/>
+        </p:nvCxnSpPr>
+        <p:spPr>
+          <a:xfrm>
+            <a:off x="5227320" y="2374792"/>
+            <a:ext cx="1571625" cy="0"/>
+          </a:xfrm>
+          <a:prstGeom prst="straightConnector1">
+            <a:avLst/>
+          </a:prstGeom>
+          <a:ln w="44450" cmpd="sng">
+            <a:solidFill>
+              <a:schemeClr val="accent1">
+                <a:shade val="50000"/>
+              </a:schemeClr>
+            </a:solidFill>
+            <a:prstDash val="dash"/>
+            <a:tailEnd type="arrow"/>
+          </a:ln>
+        </p:spPr>
+        <p:style>
+          <a:lnRef idx="1">
+            <a:schemeClr val="accent1"/>
+          </a:lnRef>
+          <a:fillRef idx="0">
+            <a:schemeClr val="accent1"/>
+          </a:fillRef>
+          <a:effectRef idx="0">
+            <a:schemeClr val="accent1"/>
+          </a:effectRef>
+          <a:fontRef idx="minor">
+            <a:schemeClr val="tx1"/>
+          </a:fontRef>
+        </p:style>
+      </p:cxnSp>
+      <p:cxnSp>
+        <p:nvCxnSpPr>
+          <p:cNvPr id="47" name="直接箭头连接符 12"/>
+          <p:cNvCxnSpPr/>
+          <p:nvPr/>
+        </p:nvCxnSpPr>
+        <p:spPr>
+          <a:xfrm flipH="1">
+            <a:off x="5227320" y="3468370"/>
+            <a:ext cx="1571625" cy="0"/>
+          </a:xfrm>
+          <a:prstGeom prst="straightConnector1">
+            <a:avLst/>
+          </a:prstGeom>
+          <a:ln w="44450" cmpd="sng">
+            <a:solidFill>
+              <a:schemeClr val="accent1">
+                <a:shade val="50000"/>
+              </a:schemeClr>
+            </a:solidFill>
+            <a:prstDash val="dash"/>
+            <a:tailEnd type="arrow"/>
+          </a:ln>
+        </p:spPr>
+        <p:style>
+          <a:lnRef idx="1">
+            <a:schemeClr val="accent1"/>
+          </a:lnRef>
+          <a:fillRef idx="0">
+            <a:schemeClr val="accent1"/>
+          </a:fillRef>
+          <a:effectRef idx="0">
+            <a:schemeClr val="accent1"/>
+          </a:effectRef>
+          <a:fontRef idx="minor">
+            <a:schemeClr val="tx1"/>
+          </a:fontRef>
+        </p:style>
+      </p:cxnSp>
+      <p:sp>
+        <p:nvSpPr>
+          <p:cNvPr id="48" name="圆柱形 15"/>
+          <p:cNvSpPr/>
+          <p:nvPr/>
+        </p:nvSpPr>
+        <p:spPr>
+          <a:xfrm>
+            <a:off x="7128510" y="3296340"/>
+            <a:ext cx="1570990" cy="1316829"/>
+          </a:xfrm>
+          <a:prstGeom prst="can">
+            <a:avLst/>
+          </a:prstGeom>
+          <a:solidFill>
+            <a:schemeClr val="accent2">
+              <a:lumMod val="60000"/>
+              <a:lumOff val="40000"/>
+            </a:schemeClr>
+          </a:solidFill>
+        </p:spPr>
+        <p:style>
+          <a:lnRef idx="2">
+            <a:schemeClr val="accent1">
+              <a:shade val="50000"/>
+            </a:schemeClr>
+          </a:lnRef>
+          <a:fillRef idx="1">
+            <a:schemeClr val="accent1"/>
+          </a:fillRef>
+          <a:effectRef idx="0">
+            <a:schemeClr val="accent1"/>
+          </a:effectRef>
+          <a:fontRef idx="minor">
+            <a:schemeClr val="lt1"/>
+          </a:fontRef>
+        </p:style>
+        <p:txBody>
+          <a:bodyPr rtlCol="0" anchor="ctr"/>
+          <a:lstStyle/>
+          <a:p>
+            <a:pPr algn="ctr"/>
+            <a:r>
+              <a:rPr lang="zh-CN" altLang="en-US">
+                <a:solidFill>
+                  <a:schemeClr val="tx1"/>
+                </a:solidFill>
+                <a:sym typeface="+mn-ea"/>
+              </a:rPr>
+              <a:t>回调日志</a:t>
+            </a:r>
+          </a:p>
+          <a:p>
+            <a:pPr algn="ctr"/>
+            <a:r>
+              <a:rPr lang="en-US" altLang="zh-CN">
+                <a:solidFill>
+                  <a:schemeClr val="tx1"/>
+                </a:solidFill>
+              </a:rPr>
+              <a:t>queue</a:t>
+            </a:r>
+          </a:p>
+        </p:txBody>
+      </p:sp>
+      <p:sp>
+        <p:nvSpPr>
+          <p:cNvPr id="49" name="矩形 48"/>
+          <p:cNvSpPr/>
+          <p:nvPr/>
+        </p:nvSpPr>
+        <p:spPr>
+          <a:xfrm>
+            <a:off x="9273096" y="811360"/>
+            <a:ext cx="2157095" cy="3856673"/>
+          </a:xfrm>
+          <a:prstGeom prst="rect">
+            <a:avLst/>
+          </a:prstGeom>
+          <a:solidFill>
+            <a:schemeClr val="accent4">
+              <a:lumMod val="60000"/>
+              <a:lumOff val="40000"/>
+            </a:schemeClr>
+          </a:solidFill>
+        </p:spPr>
+        <p:style>
+          <a:lnRef idx="2">
+            <a:schemeClr val="accent1">
+              <a:shade val="50000"/>
+            </a:schemeClr>
+          </a:lnRef>
+          <a:fillRef idx="1">
+            <a:schemeClr val="accent1"/>
+          </a:fillRef>
+          <a:effectRef idx="0">
+            <a:schemeClr val="accent1"/>
+          </a:effectRef>
+          <a:fontRef idx="minor">
+            <a:schemeClr val="lt1"/>
+          </a:fontRef>
+        </p:style>
+        <p:txBody>
+          <a:bodyPr rtlCol="0" anchor="ctr"/>
+          <a:lstStyle/>
+          <a:p>
+            <a:pPr algn="ctr"/>
+            <a:endParaRPr lang="zh-CN" altLang="en-US" dirty="0" smtClean="0">
+              <a:solidFill>
+                <a:schemeClr val="tx1"/>
+              </a:solidFill>
+            </a:endParaRPr>
+          </a:p>
+          <a:p>
+            <a:pPr algn="ctr"/>
+            <a:endParaRPr lang="zh-CN" altLang="en-US" dirty="0">
+              <a:solidFill>
+                <a:schemeClr val="tx1"/>
+              </a:solidFill>
+            </a:endParaRPr>
+          </a:p>
+          <a:p>
+            <a:pPr algn="ctr"/>
+            <a:endParaRPr lang="zh-CN" altLang="en-US" dirty="0" smtClean="0">
+              <a:solidFill>
+                <a:schemeClr val="tx1"/>
+              </a:solidFill>
+            </a:endParaRPr>
+          </a:p>
+          <a:p>
+            <a:pPr algn="ctr"/>
+            <a:endParaRPr lang="en-US" altLang="zh-CN" dirty="0">
+              <a:solidFill>
+                <a:schemeClr val="tx1"/>
+              </a:solidFill>
+            </a:endParaRPr>
+          </a:p>
+          <a:p>
+            <a:pPr algn="ctr"/>
+            <a:endParaRPr lang="en-US" altLang="zh-CN" dirty="0">
+              <a:solidFill>
+                <a:schemeClr val="tx1"/>
+              </a:solidFill>
+            </a:endParaRPr>
+          </a:p>
+          <a:p>
+            <a:pPr algn="ctr"/>
+            <a:endParaRPr lang="en-US" altLang="zh-CN" dirty="0">
+              <a:solidFill>
+                <a:schemeClr val="tx1"/>
+              </a:solidFill>
+            </a:endParaRPr>
+          </a:p>
+          <a:p>
+            <a:pPr algn="ctr"/>
+            <a:endParaRPr lang="en-US" altLang="zh-CN" dirty="0">
+              <a:solidFill>
+                <a:schemeClr val="tx1"/>
+              </a:solidFill>
+            </a:endParaRPr>
+          </a:p>
+          <a:p>
+            <a:pPr algn="ctr"/>
+            <a:endParaRPr lang="en-US" altLang="zh-CN" dirty="0">
+              <a:solidFill>
+                <a:schemeClr val="tx1"/>
+              </a:solidFill>
+            </a:endParaRPr>
+          </a:p>
+          <a:p>
+            <a:pPr algn="ctr"/>
+            <a:endParaRPr lang="en-US" altLang="zh-CN" dirty="0">
+              <a:solidFill>
+                <a:schemeClr val="tx1"/>
+              </a:solidFill>
+            </a:endParaRPr>
+          </a:p>
+          <a:p>
+            <a:pPr algn="ctr"/>
+            <a:endParaRPr lang="en-US" altLang="zh-CN" dirty="0">
+              <a:solidFill>
+                <a:schemeClr val="tx1"/>
+              </a:solidFill>
+            </a:endParaRPr>
+          </a:p>
+          <a:p>
+            <a:pPr algn="ctr"/>
+            <a:endParaRPr lang="en-US" altLang="zh-CN" dirty="0">
+              <a:solidFill>
+                <a:schemeClr val="tx1"/>
+              </a:solidFill>
+            </a:endParaRPr>
+          </a:p>
+          <a:p>
+            <a:pPr algn="ctr"/>
+            <a:endParaRPr lang="zh-CN" altLang="en-US" dirty="0">
+              <a:solidFill>
+                <a:schemeClr val="tx1"/>
+              </a:solidFill>
+            </a:endParaRPr>
+          </a:p>
+          <a:p>
+            <a:pPr algn="ctr"/>
+            <a:r>
+              <a:rPr lang="zh-CN" altLang="en-US" dirty="0">
+                <a:solidFill>
+                  <a:schemeClr val="tx1"/>
+                </a:solidFill>
+              </a:rPr>
+              <a:t>任务</a:t>
+            </a:r>
+          </a:p>
+        </p:txBody>
+      </p:sp>
+      <p:cxnSp>
+        <p:nvCxnSpPr>
+          <p:cNvPr id="50" name="直接箭头连接符 18"/>
+          <p:cNvCxnSpPr/>
+          <p:nvPr/>
+        </p:nvCxnSpPr>
+        <p:spPr>
+          <a:xfrm flipV="1">
+            <a:off x="8712613" y="2431252"/>
+            <a:ext cx="528955" cy="9525"/>
+          </a:xfrm>
+          <a:prstGeom prst="straightConnector1">
+            <a:avLst/>
+          </a:prstGeom>
+          <a:ln w="25400" cmpd="sng">
+            <a:solidFill>
+              <a:schemeClr val="accent1">
+                <a:shade val="50000"/>
+              </a:schemeClr>
+            </a:solidFill>
+            <a:prstDash val="dash"/>
+            <a:tailEnd type="arrow"/>
+          </a:ln>
+        </p:spPr>
+        <p:style>
+          <a:lnRef idx="1">
+            <a:schemeClr val="accent1"/>
+          </a:lnRef>
+          <a:fillRef idx="0">
+            <a:schemeClr val="accent1"/>
+          </a:fillRef>
+          <a:effectRef idx="0">
+            <a:schemeClr val="accent1"/>
+          </a:effectRef>
+          <a:fontRef idx="minor">
+            <a:schemeClr val="tx1"/>
+          </a:fontRef>
+        </p:style>
+      </p:cxnSp>
+      <p:cxnSp>
+        <p:nvCxnSpPr>
+          <p:cNvPr id="51" name="直接箭头连接符 19"/>
+          <p:cNvCxnSpPr/>
+          <p:nvPr/>
+        </p:nvCxnSpPr>
+        <p:spPr>
+          <a:xfrm flipH="1">
+            <a:off x="8699500" y="3952240"/>
+            <a:ext cx="510540" cy="0"/>
+          </a:xfrm>
+          <a:prstGeom prst="straightConnector1">
+            <a:avLst/>
+          </a:prstGeom>
+          <a:ln w="25400" cmpd="sng">
+            <a:solidFill>
+              <a:schemeClr val="accent1">
+                <a:shade val="50000"/>
+              </a:schemeClr>
+            </a:solidFill>
+            <a:prstDash val="dash"/>
+            <a:tailEnd type="arrow"/>
+          </a:ln>
+        </p:spPr>
+        <p:style>
+          <a:lnRef idx="1">
+            <a:schemeClr val="accent1"/>
+          </a:lnRef>
+          <a:fillRef idx="0">
+            <a:schemeClr val="accent1"/>
+          </a:fillRef>
+          <a:effectRef idx="0">
+            <a:schemeClr val="accent1"/>
+          </a:effectRef>
+          <a:fontRef idx="minor">
+            <a:schemeClr val="tx1"/>
+          </a:fontRef>
+        </p:style>
+      </p:cxnSp>
+      <p:sp>
+        <p:nvSpPr>
+          <p:cNvPr id="52" name="圆柱形 20"/>
+          <p:cNvSpPr/>
+          <p:nvPr/>
+        </p:nvSpPr>
+        <p:spPr>
+          <a:xfrm>
+            <a:off x="9532176" y="1325537"/>
+            <a:ext cx="1554480" cy="935355"/>
+          </a:xfrm>
+          <a:prstGeom prst="can">
+            <a:avLst/>
+          </a:prstGeom>
+          <a:solidFill>
+            <a:schemeClr val="accent2">
+              <a:lumMod val="60000"/>
+              <a:lumOff val="40000"/>
+            </a:schemeClr>
+          </a:solidFill>
+        </p:spPr>
+        <p:style>
+          <a:lnRef idx="2">
+            <a:schemeClr val="accent1">
+              <a:shade val="50000"/>
+            </a:schemeClr>
+          </a:lnRef>
+          <a:fillRef idx="1">
+            <a:schemeClr val="accent1"/>
+          </a:fillRef>
+          <a:effectRef idx="0">
+            <a:schemeClr val="accent1"/>
+          </a:effectRef>
+          <a:fontRef idx="minor">
+            <a:schemeClr val="lt1"/>
+          </a:fontRef>
+        </p:style>
+        <p:txBody>
+          <a:bodyPr rtlCol="0" anchor="ctr"/>
+          <a:lstStyle/>
+          <a:p>
+            <a:pPr algn="ctr"/>
+            <a:r>
+              <a:rPr lang="zh-CN" altLang="en-US">
+                <a:solidFill>
+                  <a:schemeClr val="tx1"/>
+                </a:solidFill>
+                <a:sym typeface="+mn-ea"/>
+              </a:rPr>
+              <a:t>调度请求</a:t>
+            </a:r>
+            <a:r>
+              <a:rPr lang="en-US" altLang="zh-CN">
+                <a:solidFill>
+                  <a:schemeClr val="tx1"/>
+                </a:solidFill>
+              </a:rPr>
+              <a:t>queue</a:t>
+            </a:r>
+          </a:p>
+        </p:txBody>
+      </p:sp>
+      <p:sp>
+        <p:nvSpPr>
+          <p:cNvPr id="53" name="矩形 52"/>
+          <p:cNvSpPr/>
+          <p:nvPr/>
+        </p:nvSpPr>
+        <p:spPr>
+          <a:xfrm>
+            <a:off x="9626126" y="3250097"/>
+            <a:ext cx="1517015" cy="767715"/>
+          </a:xfrm>
+          <a:prstGeom prst="rect">
+            <a:avLst/>
+          </a:prstGeom>
+          <a:solidFill>
+            <a:schemeClr val="accent2">
+              <a:lumMod val="40000"/>
+              <a:lumOff val="60000"/>
+            </a:schemeClr>
+          </a:solidFill>
+        </p:spPr>
+        <p:style>
+          <a:lnRef idx="2">
+            <a:schemeClr val="accent1">
+              <a:shade val="50000"/>
+            </a:schemeClr>
+          </a:lnRef>
+          <a:fillRef idx="1">
+            <a:schemeClr val="accent1"/>
+          </a:fillRef>
+          <a:effectRef idx="0">
+            <a:schemeClr val="accent1"/>
+          </a:effectRef>
+          <a:fontRef idx="minor">
+            <a:schemeClr val="lt1"/>
+          </a:fontRef>
+        </p:style>
+        <p:txBody>
+          <a:bodyPr rtlCol="0" anchor="ctr"/>
+          <a:lstStyle/>
+          <a:p>
+            <a:pPr algn="ctr"/>
+            <a:r>
+              <a:rPr lang="zh-CN" altLang="en-US" dirty="0">
+                <a:solidFill>
+                  <a:schemeClr val="tx1"/>
+                </a:solidFill>
+              </a:rPr>
+              <a:t>执行线程</a:t>
+            </a:r>
+          </a:p>
+        </p:txBody>
+      </p:sp>
+      <p:sp>
+        <p:nvSpPr>
+          <p:cNvPr id="54" name="上下箭头 53"/>
+          <p:cNvSpPr/>
+          <p:nvPr/>
+        </p:nvSpPr>
+        <p:spPr>
+          <a:xfrm>
+            <a:off x="10228100" y="2374792"/>
+            <a:ext cx="247086" cy="816451"/>
+          </a:xfrm>
+          <a:prstGeom prst="upDownArrow">
+            <a:avLst/>
+          </a:prstGeom>
+          <a:solidFill>
+            <a:schemeClr val="accent4">
+              <a:lumMod val="60000"/>
+              <a:lumOff val="40000"/>
+            </a:schemeClr>
+          </a:solidFill>
+        </p:spPr>
+        <p:style>
+          <a:lnRef idx="2">
+            <a:schemeClr val="accent1">
+              <a:shade val="50000"/>
+            </a:schemeClr>
+          </a:lnRef>
+          <a:fillRef idx="1">
+            <a:schemeClr val="accent1"/>
+          </a:fillRef>
+          <a:effectRef idx="0">
+            <a:schemeClr val="accent1"/>
+          </a:effectRef>
+          <a:fontRef idx="minor">
+            <a:schemeClr val="lt1"/>
+          </a:fontRef>
+        </p:style>
+        <p:txBody>
+          <a:bodyPr rtlCol="0" anchor="ctr"/>
+          <a:lstStyle/>
+          <a:p>
+            <a:pPr algn="ctr"/>
+            <a:endParaRPr lang="zh-CN" altLang="en-US"/>
+          </a:p>
+        </p:txBody>
+      </p:sp>
+      <p:sp>
+        <p:nvSpPr>
+          <p:cNvPr id="55" name="矩形 54"/>
+          <p:cNvSpPr/>
+          <p:nvPr/>
+        </p:nvSpPr>
+        <p:spPr>
+          <a:xfrm>
+            <a:off x="3642360" y="826718"/>
+            <a:ext cx="1257935" cy="809042"/>
+          </a:xfrm>
+          <a:prstGeom prst="rect">
+            <a:avLst/>
+          </a:prstGeom>
+        </p:spPr>
+        <p:style>
+          <a:lnRef idx="1">
+            <a:schemeClr val="accent4"/>
+          </a:lnRef>
+          <a:fillRef idx="2">
+            <a:schemeClr val="accent4"/>
+          </a:fillRef>
+          <a:effectRef idx="1">
+            <a:schemeClr val="accent4"/>
+          </a:effectRef>
+          <a:fontRef idx="minor">
+            <a:schemeClr val="dk1"/>
+          </a:fontRef>
+        </p:style>
+        <p:txBody>
+          <a:bodyPr rtlCol="0" anchor="ctr"/>
+          <a:lstStyle/>
+          <a:p>
+            <a:pPr algn="ctr"/>
+            <a:r>
+              <a:rPr lang="zh-CN" altLang="en-US" dirty="0" smtClean="0">
+                <a:latin typeface="微软雅黑" charset="0"/>
+                <a:ea typeface="微软雅黑" charset="0"/>
+                <a:sym typeface="+mn-ea"/>
+              </a:rPr>
+              <a:t>注册模块</a:t>
+            </a:r>
+            <a:endParaRPr lang="en-US" altLang="zh-CN" dirty="0">
+              <a:latin typeface="微软雅黑" charset="0"/>
+              <a:ea typeface="微软雅黑" charset="0"/>
+            </a:endParaRPr>
+          </a:p>
+        </p:txBody>
+      </p:sp>
+      <p:sp>
+        <p:nvSpPr>
+          <p:cNvPr id="56" name="矩形 55"/>
+          <p:cNvSpPr/>
+          <p:nvPr/>
+        </p:nvSpPr>
+        <p:spPr>
+          <a:xfrm>
+            <a:off x="7128510" y="826718"/>
+            <a:ext cx="1535430" cy="830074"/>
+          </a:xfrm>
+          <a:prstGeom prst="rect">
+            <a:avLst/>
+          </a:prstGeom>
+          <a:solidFill>
+            <a:schemeClr val="accent4">
+              <a:lumMod val="60000"/>
+              <a:lumOff val="40000"/>
+            </a:schemeClr>
+          </a:solidFill>
+        </p:spPr>
+        <p:style>
+          <a:lnRef idx="2">
+            <a:schemeClr val="accent1">
+              <a:shade val="50000"/>
+            </a:schemeClr>
+          </a:lnRef>
+          <a:fillRef idx="1">
+            <a:schemeClr val="accent1"/>
+          </a:fillRef>
+          <a:effectRef idx="0">
+            <a:schemeClr val="accent1"/>
+          </a:effectRef>
+          <a:fontRef idx="minor">
+            <a:schemeClr val="lt1"/>
+          </a:fontRef>
+        </p:style>
+        <p:txBody>
+          <a:bodyPr rtlCol="0" anchor="ctr"/>
+          <a:lstStyle/>
+          <a:p>
+            <a:pPr algn="ctr"/>
+            <a:r>
+              <a:rPr lang="zh-CN" altLang="en-US" dirty="0" smtClean="0">
+                <a:solidFill>
+                  <a:schemeClr val="tx1"/>
+                </a:solidFill>
+              </a:rPr>
+              <a:t>注册模块</a:t>
+            </a:r>
+            <a:endParaRPr lang="en-US" altLang="zh-CN" dirty="0">
+              <a:solidFill>
+                <a:schemeClr val="tx1"/>
+              </a:solidFill>
+            </a:endParaRPr>
+          </a:p>
+        </p:txBody>
+      </p:sp>
+      <p:sp>
+        <p:nvSpPr>
+          <p:cNvPr id="57" name="左右箭头 56"/>
+          <p:cNvSpPr/>
+          <p:nvPr/>
+        </p:nvSpPr>
+        <p:spPr>
+          <a:xfrm>
+            <a:off x="2707692" y="1105852"/>
+            <a:ext cx="877570" cy="219075"/>
+          </a:xfrm>
+          <a:prstGeom prst="leftRightArrow">
+            <a:avLst/>
+          </a:prstGeom>
+          <a:solidFill>
+            <a:schemeClr val="accent4">
+              <a:lumMod val="60000"/>
+              <a:lumOff val="40000"/>
+            </a:schemeClr>
+          </a:solidFill>
+        </p:spPr>
+        <p:style>
+          <a:lnRef idx="2">
+            <a:schemeClr val="accent1">
+              <a:shade val="50000"/>
+            </a:schemeClr>
+          </a:lnRef>
+          <a:fillRef idx="1">
+            <a:schemeClr val="accent1"/>
+          </a:fillRef>
+          <a:effectRef idx="0">
+            <a:schemeClr val="accent1"/>
+          </a:effectRef>
+          <a:fontRef idx="minor">
+            <a:schemeClr val="lt1"/>
+          </a:fontRef>
+        </p:style>
+        <p:txBody>
+          <a:bodyPr rtlCol="0" anchor="ctr"/>
+          <a:lstStyle/>
+          <a:p>
+            <a:pPr algn="ctr"/>
+            <a:endParaRPr lang="zh-CN" altLang="en-US"/>
+          </a:p>
+        </p:txBody>
+      </p:sp>
+      <p:cxnSp>
+        <p:nvCxnSpPr>
+          <p:cNvPr id="59" name="直接箭头连接符 12"/>
+          <p:cNvCxnSpPr/>
+          <p:nvPr/>
+        </p:nvCxnSpPr>
+        <p:spPr>
+          <a:xfrm flipH="1">
+            <a:off x="5227319" y="1300623"/>
+            <a:ext cx="1571625" cy="0"/>
+          </a:xfrm>
+          <a:prstGeom prst="straightConnector1">
+            <a:avLst/>
+          </a:prstGeom>
+          <a:ln w="44450" cmpd="sng">
+            <a:solidFill>
+              <a:schemeClr val="accent1">
+                <a:shade val="50000"/>
+              </a:schemeClr>
+            </a:solidFill>
+            <a:prstDash val="dash"/>
+            <a:tailEnd type="arrow"/>
+          </a:ln>
+        </p:spPr>
+        <p:style>
+          <a:lnRef idx="1">
+            <a:schemeClr val="accent1"/>
+          </a:lnRef>
+          <a:fillRef idx="0">
+            <a:schemeClr val="accent1"/>
+          </a:fillRef>
+          <a:effectRef idx="0">
+            <a:schemeClr val="accent1"/>
+          </a:effectRef>
+          <a:fontRef idx="minor">
+            <a:schemeClr val="tx1"/>
+          </a:fontRef>
+        </p:style>
+      </p:cxnSp>
+    </p:spTree>
+    <p:extLst>
+      <p:ext uri="{BB962C8B-B14F-4D97-AF65-F5344CB8AC3E}">
+        <p14:creationId xmlns:p14="http://schemas.microsoft.com/office/powerpoint/2010/main" val="1369775701"/>
+      </p:ext>
+    </p:extLst>
   </p:cSld>
   <p:clrMapOvr>
     <a:masterClrMapping/>

--- a/doc/架构图.pptx
+++ b/doc/架构图.pptx
@@ -5,12 +5,13 @@
     <p:sldMasterId id="2147483648" r:id="rId1"/>
   </p:sldMasterIdLst>
   <p:notesMasterIdLst>
-    <p:notesMasterId r:id="rId5"/>
+    <p:notesMasterId r:id="rId6"/>
   </p:notesMasterIdLst>
   <p:sldIdLst>
     <p:sldId id="259" r:id="rId2"/>
     <p:sldId id="258" r:id="rId3"/>
     <p:sldId id="260" r:id="rId4"/>
+    <p:sldId id="261" r:id="rId5"/>
   </p:sldIdLst>
   <p:sldSz cx="12192000" cy="6858000"/>
   <p:notesSz cx="6858000" cy="9144000"/>
@@ -199,7 +200,7 @@
           <a:p>
             <a:fld id="{D2A48B96-639E-45A3-A0BA-2464DFDB1FAA}" type="datetimeFigureOut">
               <a:rPr lang="zh-CN" altLang="en-US" smtClean="0"/>
-              <a:t>16/10/3</a:t>
+              <a:t>17/5/7</a:t>
             </a:fld>
             <a:endParaRPr lang="zh-CN" altLang="en-US"/>
           </a:p>
@@ -612,6 +613,267 @@
 </p:notes>
 </file>
 
+<file path=ppt/notesSlides/notesSlide3.xml><?xml version="1.0" encoding="utf-8"?>
+<p:notes xmlns:a="http://schemas.openxmlformats.org/drawingml/2006/main" xmlns:r="http://schemas.openxmlformats.org/officeDocument/2006/relationships" xmlns:p="http://schemas.openxmlformats.org/presentationml/2006/main">
+  <p:cSld>
+    <p:spTree>
+      <p:nvGrpSpPr>
+        <p:cNvPr id="1" name=""/>
+        <p:cNvGrpSpPr/>
+        <p:nvPr/>
+      </p:nvGrpSpPr>
+      <p:grpSpPr>
+        <a:xfrm>
+          <a:off x="0" y="0"/>
+          <a:ext cx="0" cy="0"/>
+          <a:chOff x="0" y="0"/>
+          <a:chExt cx="0" cy="0"/>
+        </a:xfrm>
+      </p:grpSpPr>
+      <p:sp>
+        <p:nvSpPr>
+          <p:cNvPr id="8193" name="幻灯片图像占位符 1"/>
+          <p:cNvSpPr>
+            <a:spLocks noGrp="1" noRot="1" noChangeAspect="1" noTextEdit="1"/>
+          </p:cNvSpPr>
+          <p:nvPr>
+            <p:ph type="sldImg"/>
+          </p:nvPr>
+        </p:nvSpPr>
+        <p:spPr bwMode="auto">
+          <a:noFill/>
+          <a:ln>
+            <a:solidFill>
+              <a:srgbClr val="000000"/>
+            </a:solidFill>
+            <a:miter lim="800000"/>
+            <a:headEnd/>
+            <a:tailEnd/>
+          </a:ln>
+          <a:extLst>
+            <a:ext uri="{909E8E84-426E-40DD-AFC4-6F175D3DCCD1}">
+              <a14:hiddenFill xmlns:a14="http://schemas.microsoft.com/office/drawing/2010/main">
+                <a:solidFill>
+                  <a:srgbClr val="FFFFFF"/>
+                </a:solidFill>
+              </a14:hiddenFill>
+            </a:ext>
+            <a:ext uri="{FAA26D3D-D897-4be2-8F04-BA451C77F1D7}">
+              <ma14:placeholderFlag xmlns:ma14="http://schemas.microsoft.com/office/mac/drawingml/2011/main" val="1"/>
+            </a:ext>
+          </a:extLst>
+        </p:spPr>
+      </p:sp>
+      <p:sp>
+        <p:nvSpPr>
+          <p:cNvPr id="8194" name="备注占位符 2"/>
+          <p:cNvSpPr>
+            <a:spLocks noGrp="1"/>
+          </p:cNvSpPr>
+          <p:nvPr>
+            <p:ph type="body" idx="1"/>
+          </p:nvPr>
+        </p:nvSpPr>
+        <p:spPr bwMode="auto">
+          <a:noFill/>
+          <a:extLst>
+            <a:ext uri="{909E8E84-426E-40DD-AFC4-6F175D3DCCD1}">
+              <a14:hiddenFill xmlns:a14="http://schemas.microsoft.com/office/drawing/2010/main">
+                <a:solidFill>
+                  <a:srgbClr val="FFFFFF"/>
+                </a:solidFill>
+              </a14:hiddenFill>
+            </a:ext>
+            <a:ext uri="{91240B29-F687-4F45-9708-019B960494DF}">
+              <a14:hiddenLine xmlns:a14="http://schemas.microsoft.com/office/drawing/2010/main" w="9525">
+                <a:solidFill>
+                  <a:srgbClr val="000000"/>
+                </a:solidFill>
+                <a:miter lim="800000"/>
+                <a:headEnd/>
+                <a:tailEnd/>
+              </a14:hiddenLine>
+            </a:ext>
+            <a:ext uri="{FAA26D3D-D897-4be2-8F04-BA451C77F1D7}">
+              <ma14:placeholderFlag xmlns:ma14="http://schemas.microsoft.com/office/mac/drawingml/2011/main" val="1"/>
+            </a:ext>
+          </a:extLst>
+        </p:spPr>
+        <p:txBody>
+          <a:bodyPr/>
+          <a:lstStyle/>
+          <a:p>
+            <a:endParaRPr kumimoji="0" lang="zh-CN" altLang="en-US" dirty="0">
+              <a:latin typeface="Arial" charset="0"/>
+              <a:ea typeface="ＭＳ Ｐゴシック" charset="-128"/>
+            </a:endParaRPr>
+          </a:p>
+        </p:txBody>
+      </p:sp>
+      <p:sp>
+        <p:nvSpPr>
+          <p:cNvPr id="8195" name="灯片编号占位符 3"/>
+          <p:cNvSpPr>
+            <a:spLocks noGrp="1"/>
+          </p:cNvSpPr>
+          <p:nvPr>
+            <p:ph type="sldNum" sz="quarter" idx="5"/>
+          </p:nvPr>
+        </p:nvSpPr>
+        <p:spPr bwMode="auto">
+          <a:noFill/>
+          <a:extLst>
+            <a:ext uri="{909E8E84-426E-40DD-AFC4-6F175D3DCCD1}">
+              <a14:hiddenFill xmlns:a14="http://schemas.microsoft.com/office/drawing/2010/main">
+                <a:solidFill>
+                  <a:srgbClr val="FFFFFF"/>
+                </a:solidFill>
+              </a14:hiddenFill>
+            </a:ext>
+            <a:ext uri="{91240B29-F687-4F45-9708-019B960494DF}">
+              <a14:hiddenLine xmlns:a14="http://schemas.microsoft.com/office/drawing/2010/main" w="9525">
+                <a:solidFill>
+                  <a:srgbClr val="000000"/>
+                </a:solidFill>
+                <a:miter lim="800000"/>
+                <a:headEnd/>
+                <a:tailEnd/>
+              </a14:hiddenLine>
+            </a:ext>
+          </a:extLst>
+        </p:spPr>
+        <p:txBody>
+          <a:bodyPr/>
+          <a:lstStyle>
+            <a:lvl1pPr>
+              <a:defRPr sz="2400">
+                <a:solidFill>
+                  <a:schemeClr val="tx1"/>
+                </a:solidFill>
+                <a:latin typeface="Arial" charset="0"/>
+                <a:ea typeface="宋体" charset="0"/>
+              </a:defRPr>
+            </a:lvl1pPr>
+            <a:lvl2pPr marL="742950" indent="-285750">
+              <a:defRPr sz="2400">
+                <a:solidFill>
+                  <a:schemeClr val="tx1"/>
+                </a:solidFill>
+                <a:latin typeface="Arial" charset="0"/>
+                <a:ea typeface="宋体" charset="0"/>
+              </a:defRPr>
+            </a:lvl2pPr>
+            <a:lvl3pPr marL="1143000" indent="-228600">
+              <a:defRPr sz="2400">
+                <a:solidFill>
+                  <a:schemeClr val="tx1"/>
+                </a:solidFill>
+                <a:latin typeface="Arial" charset="0"/>
+                <a:ea typeface="宋体" charset="0"/>
+              </a:defRPr>
+            </a:lvl3pPr>
+            <a:lvl4pPr marL="1600200" indent="-228600">
+              <a:defRPr sz="2400">
+                <a:solidFill>
+                  <a:schemeClr val="tx1"/>
+                </a:solidFill>
+                <a:latin typeface="Arial" charset="0"/>
+                <a:ea typeface="宋体" charset="0"/>
+              </a:defRPr>
+            </a:lvl4pPr>
+            <a:lvl5pPr marL="2057400" indent="-228600">
+              <a:defRPr sz="2400">
+                <a:solidFill>
+                  <a:schemeClr val="tx1"/>
+                </a:solidFill>
+                <a:latin typeface="Arial" charset="0"/>
+                <a:ea typeface="宋体" charset="0"/>
+              </a:defRPr>
+            </a:lvl5pPr>
+            <a:lvl6pPr marL="2514600" indent="-228600" eaLnBrk="0" fontAlgn="base" hangingPunct="0">
+              <a:spcBef>
+                <a:spcPct val="0"/>
+              </a:spcBef>
+              <a:spcAft>
+                <a:spcPct val="0"/>
+              </a:spcAft>
+              <a:defRPr sz="2400">
+                <a:solidFill>
+                  <a:schemeClr val="tx1"/>
+                </a:solidFill>
+                <a:latin typeface="Arial" charset="0"/>
+                <a:ea typeface="宋体" charset="0"/>
+              </a:defRPr>
+            </a:lvl6pPr>
+            <a:lvl7pPr marL="2971800" indent="-228600" eaLnBrk="0" fontAlgn="base" hangingPunct="0">
+              <a:spcBef>
+                <a:spcPct val="0"/>
+              </a:spcBef>
+              <a:spcAft>
+                <a:spcPct val="0"/>
+              </a:spcAft>
+              <a:defRPr sz="2400">
+                <a:solidFill>
+                  <a:schemeClr val="tx1"/>
+                </a:solidFill>
+                <a:latin typeface="Arial" charset="0"/>
+                <a:ea typeface="宋体" charset="0"/>
+              </a:defRPr>
+            </a:lvl7pPr>
+            <a:lvl8pPr marL="3429000" indent="-228600" eaLnBrk="0" fontAlgn="base" hangingPunct="0">
+              <a:spcBef>
+                <a:spcPct val="0"/>
+              </a:spcBef>
+              <a:spcAft>
+                <a:spcPct val="0"/>
+              </a:spcAft>
+              <a:defRPr sz="2400">
+                <a:solidFill>
+                  <a:schemeClr val="tx1"/>
+                </a:solidFill>
+                <a:latin typeface="Arial" charset="0"/>
+                <a:ea typeface="宋体" charset="0"/>
+              </a:defRPr>
+            </a:lvl8pPr>
+            <a:lvl9pPr marL="3886200" indent="-228600" eaLnBrk="0" fontAlgn="base" hangingPunct="0">
+              <a:spcBef>
+                <a:spcPct val="0"/>
+              </a:spcBef>
+              <a:spcAft>
+                <a:spcPct val="0"/>
+              </a:spcAft>
+              <a:defRPr sz="2400">
+                <a:solidFill>
+                  <a:schemeClr val="tx1"/>
+                </a:solidFill>
+                <a:latin typeface="Arial" charset="0"/>
+                <a:ea typeface="宋体" charset="0"/>
+              </a:defRPr>
+            </a:lvl9pPr>
+          </a:lstStyle>
+          <a:p>
+            <a:fld id="{80DF3984-D036-8146-80F3-60605DE9315C}" type="slidenum">
+              <a:rPr lang="zh-CN" altLang="en-US" sz="1200"/>
+              <a:pPr/>
+              <a:t>4</a:t>
+            </a:fld>
+            <a:endParaRPr lang="zh-CN" altLang="en-US" sz="1200"/>
+          </a:p>
+        </p:txBody>
+      </p:sp>
+    </p:spTree>
+    <p:extLst>
+      <p:ext uri="{BB962C8B-B14F-4D97-AF65-F5344CB8AC3E}">
+        <p14:creationId xmlns:p14="http://schemas.microsoft.com/office/powerpoint/2010/main" val="1595650032"/>
+      </p:ext>
+    </p:extLst>
+  </p:cSld>
+  <p:clrMapOvr>
+    <a:masterClrMapping/>
+  </p:clrMapOvr>
+</p:notes>
+</file>
+
 <file path=ppt/slideLayouts/slideLayout1.xml><?xml version="1.0" encoding="utf-8"?>
 <p:sldLayout xmlns:a="http://schemas.openxmlformats.org/drawingml/2006/main" xmlns:r="http://schemas.openxmlformats.org/officeDocument/2006/relationships" xmlns:p="http://schemas.openxmlformats.org/presentationml/2006/main" type="title" preserve="1">
   <p:cSld name="标题幻灯片">
@@ -743,7 +1005,7 @@
           <a:p>
             <a:fld id="{D997B5FA-0921-464F-AAE1-844C04324D75}" type="datetimeFigureOut">
               <a:rPr lang="zh-CN" altLang="en-US" smtClean="0"/>
-              <a:t>16/10/3</a:t>
+              <a:t>17/5/7</a:t>
             </a:fld>
             <a:endParaRPr lang="zh-CN" altLang="en-US"/>
           </a:p>
@@ -908,7 +1170,7 @@
           <a:p>
             <a:fld id="{D997B5FA-0921-464F-AAE1-844C04324D75}" type="datetimeFigureOut">
               <a:rPr lang="zh-CN" altLang="en-US" smtClean="0"/>
-              <a:t>16/10/3</a:t>
+              <a:t>17/5/7</a:t>
             </a:fld>
             <a:endParaRPr lang="zh-CN" altLang="en-US"/>
           </a:p>
@@ -1083,7 +1345,7 @@
           <a:p>
             <a:fld id="{D997B5FA-0921-464F-AAE1-844C04324D75}" type="datetimeFigureOut">
               <a:rPr lang="zh-CN" altLang="en-US" smtClean="0"/>
-              <a:t>16/10/3</a:t>
+              <a:t>17/5/7</a:t>
             </a:fld>
             <a:endParaRPr lang="zh-CN" altLang="en-US"/>
           </a:p>
@@ -1248,7 +1510,7 @@
           <a:p>
             <a:fld id="{D997B5FA-0921-464F-AAE1-844C04324D75}" type="datetimeFigureOut">
               <a:rPr lang="zh-CN" altLang="en-US" smtClean="0"/>
-              <a:t>16/10/3</a:t>
+              <a:t>17/5/7</a:t>
             </a:fld>
             <a:endParaRPr lang="zh-CN" altLang="en-US"/>
           </a:p>
@@ -1489,7 +1751,7 @@
           <a:p>
             <a:fld id="{D997B5FA-0921-464F-AAE1-844C04324D75}" type="datetimeFigureOut">
               <a:rPr lang="zh-CN" altLang="en-US" smtClean="0"/>
-              <a:t>16/10/3</a:t>
+              <a:t>17/5/7</a:t>
             </a:fld>
             <a:endParaRPr lang="zh-CN" altLang="en-US"/>
           </a:p>
@@ -1716,7 +1978,7 @@
           <a:p>
             <a:fld id="{D997B5FA-0921-464F-AAE1-844C04324D75}" type="datetimeFigureOut">
               <a:rPr lang="zh-CN" altLang="en-US" smtClean="0"/>
-              <a:t>16/10/3</a:t>
+              <a:t>17/5/7</a:t>
             </a:fld>
             <a:endParaRPr lang="zh-CN" altLang="en-US"/>
           </a:p>
@@ -2078,7 +2340,7 @@
           <a:p>
             <a:fld id="{D997B5FA-0921-464F-AAE1-844C04324D75}" type="datetimeFigureOut">
               <a:rPr lang="zh-CN" altLang="en-US" smtClean="0"/>
-              <a:t>16/10/3</a:t>
+              <a:t>17/5/7</a:t>
             </a:fld>
             <a:endParaRPr lang="zh-CN" altLang="en-US"/>
           </a:p>
@@ -2191,7 +2453,7 @@
           <a:p>
             <a:fld id="{D997B5FA-0921-464F-AAE1-844C04324D75}" type="datetimeFigureOut">
               <a:rPr lang="zh-CN" altLang="en-US" smtClean="0"/>
-              <a:t>16/10/3</a:t>
+              <a:t>17/5/7</a:t>
             </a:fld>
             <a:endParaRPr lang="zh-CN" altLang="en-US"/>
           </a:p>
@@ -2281,7 +2543,7 @@
           <a:p>
             <a:fld id="{D997B5FA-0921-464F-AAE1-844C04324D75}" type="datetimeFigureOut">
               <a:rPr lang="zh-CN" altLang="en-US" smtClean="0"/>
-              <a:t>16/10/3</a:t>
+              <a:t>17/5/7</a:t>
             </a:fld>
             <a:endParaRPr lang="zh-CN" altLang="en-US"/>
           </a:p>
@@ -2553,7 +2815,7 @@
           <a:p>
             <a:fld id="{D997B5FA-0921-464F-AAE1-844C04324D75}" type="datetimeFigureOut">
               <a:rPr lang="zh-CN" altLang="en-US" smtClean="0"/>
-              <a:t>16/10/3</a:t>
+              <a:t>17/5/7</a:t>
             </a:fld>
             <a:endParaRPr lang="zh-CN" altLang="en-US"/>
           </a:p>
@@ -2801,7 +3063,7 @@
           <a:p>
             <a:fld id="{D997B5FA-0921-464F-AAE1-844C04324D75}" type="datetimeFigureOut">
               <a:rPr lang="zh-CN" altLang="en-US" smtClean="0"/>
-              <a:t>16/10/3</a:t>
+              <a:t>17/5/7</a:t>
             </a:fld>
             <a:endParaRPr lang="zh-CN" altLang="en-US"/>
           </a:p>
@@ -3009,7 +3271,7 @@
           <a:p>
             <a:fld id="{D997B5FA-0921-464F-AAE1-844C04324D75}" type="datetimeFigureOut">
               <a:rPr lang="zh-CN" altLang="en-US" smtClean="0"/>
-              <a:t>16/10/3</a:t>
+              <a:t>17/5/7</a:t>
             </a:fld>
             <a:endParaRPr lang="zh-CN" altLang="en-US"/>
           </a:p>
@@ -7313,7 +7575,7 @@
           <a:p>
             <a:pPr algn="ctr"/>
             <a:r>
-              <a:rPr lang="zh-CN" altLang="en-US">
+              <a:rPr lang="zh-CN" altLang="en-US" dirty="0">
                 <a:latin typeface="微软雅黑" charset="0"/>
                 <a:ea typeface="微软雅黑" charset="0"/>
                 <a:sym typeface="+mn-ea"/>
@@ -7324,7 +7586,7 @@
           <a:p>
             <a:pPr algn="ctr"/>
             <a:r>
-              <a:rPr lang="en-US" altLang="zh-CN">
+              <a:rPr lang="en-US" altLang="zh-CN" dirty="0">
                 <a:latin typeface="微软雅黑" charset="0"/>
                 <a:ea typeface="微软雅黑" charset="0"/>
               </a:rPr>
@@ -7368,14 +7630,14 @@
           <a:p>
             <a:pPr algn="ctr"/>
             <a:r>
-              <a:rPr lang="zh-CN" altLang="en-US">
+              <a:rPr lang="zh-CN" altLang="en-US" dirty="0">
                 <a:latin typeface="微软雅黑" charset="0"/>
                 <a:ea typeface="微软雅黑" charset="0"/>
                 <a:sym typeface="+mn-ea"/>
               </a:rPr>
               <a:t>回调服务</a:t>
             </a:r>
-            <a:endParaRPr lang="en-US" altLang="zh-CN">
+            <a:endParaRPr lang="en-US" altLang="zh-CN" dirty="0">
               <a:latin typeface="微软雅黑" charset="0"/>
               <a:ea typeface="微软雅黑" charset="0"/>
             </a:endParaRPr>
@@ -7705,7 +7967,7 @@
           <a:p>
             <a:pPr algn="ctr"/>
             <a:r>
-              <a:rPr lang="zh-CN" altLang="en-US">
+              <a:rPr lang="zh-CN" altLang="en-US" dirty="0">
                 <a:solidFill>
                   <a:schemeClr val="tx1"/>
                 </a:solidFill>
@@ -7717,7 +7979,7 @@
           <a:p>
             <a:pPr algn="ctr"/>
             <a:r>
-              <a:rPr lang="en-US" altLang="zh-CN">
+              <a:rPr lang="en-US" altLang="zh-CN" dirty="0">
                 <a:solidFill>
                   <a:schemeClr val="tx1"/>
                 </a:solidFill>
@@ -8317,6 +8579,2748 @@
   <p:clrMapOvr>
     <a:masterClrMapping/>
   </p:clrMapOvr>
+</p:sld>
+</file>
+
+<file path=ppt/slides/slide4.xml><?xml version="1.0" encoding="utf-8"?>
+<p:sld xmlns:a="http://schemas.openxmlformats.org/drawingml/2006/main" xmlns:r="http://schemas.openxmlformats.org/officeDocument/2006/relationships" xmlns:p="http://schemas.openxmlformats.org/presentationml/2006/main">
+  <p:cSld>
+    <p:spTree>
+      <p:nvGrpSpPr>
+        <p:cNvPr id="1" name=""/>
+        <p:cNvGrpSpPr/>
+        <p:nvPr/>
+      </p:nvGrpSpPr>
+      <p:grpSpPr>
+        <a:xfrm>
+          <a:off x="0" y="0"/>
+          <a:ext cx="0" cy="0"/>
+          <a:chOff x="0" y="0"/>
+          <a:chExt cx="0" cy="0"/>
+        </a:xfrm>
+      </p:grpSpPr>
+      <p:sp>
+        <p:nvSpPr>
+          <p:cNvPr id="49" name="矩形 48"/>
+          <p:cNvSpPr/>
+          <p:nvPr/>
+        </p:nvSpPr>
+        <p:spPr>
+          <a:xfrm>
+            <a:off x="363855" y="355600"/>
+            <a:ext cx="11457940" cy="6147435"/>
+          </a:xfrm>
+          <a:prstGeom prst="rect">
+            <a:avLst/>
+          </a:prstGeom>
+          <a:pattFill prst="pct5">
+            <a:fgClr>
+              <a:schemeClr val="accent1"/>
+            </a:fgClr>
+            <a:bgClr>
+              <a:schemeClr val="bg1"/>
+            </a:bgClr>
+          </a:pattFill>
+          <a:ln w="28575" cmpd="sng">
+            <a:noFill/>
+            <a:prstDash val="dash"/>
+          </a:ln>
+        </p:spPr>
+        <p:style>
+          <a:lnRef idx="2">
+            <a:schemeClr val="accent3"/>
+          </a:lnRef>
+          <a:fillRef idx="1">
+            <a:schemeClr val="lt1"/>
+          </a:fillRef>
+          <a:effectRef idx="0">
+            <a:schemeClr val="accent3"/>
+          </a:effectRef>
+          <a:fontRef idx="minor">
+            <a:schemeClr val="dk1"/>
+          </a:fontRef>
+        </p:style>
+        <p:txBody>
+          <a:bodyPr rtlCol="0" anchor="b"/>
+          <a:lstStyle/>
+          <a:p>
+            <a:pPr algn="ctr"/>
+            <a:r>
+              <a:rPr lang="en-US" altLang="zh-CN" sz="3200" b="1" dirty="0" smtClean="0"/>
+              <a:t>XXL-JOB</a:t>
+            </a:r>
+            <a:r>
+              <a:rPr lang="zh-CN" altLang="en-US" sz="3200" b="1" dirty="0"/>
+              <a:t>架构图 </a:t>
+            </a:r>
+            <a:r>
+              <a:rPr lang="en-US" altLang="zh-CN" sz="3200" b="1" dirty="0" smtClean="0"/>
+              <a:t>v1.7</a:t>
+            </a:r>
+            <a:endParaRPr lang="en-US" altLang="zh-CN" sz="3200" b="1" dirty="0"/>
+          </a:p>
+        </p:txBody>
+      </p:sp>
+      <p:sp>
+        <p:nvSpPr>
+          <p:cNvPr id="14" name="矩形 13"/>
+          <p:cNvSpPr/>
+          <p:nvPr/>
+        </p:nvSpPr>
+        <p:spPr>
+          <a:xfrm>
+            <a:off x="622491" y="576163"/>
+            <a:ext cx="5778309" cy="4592737"/>
+          </a:xfrm>
+          <a:prstGeom prst="rect">
+            <a:avLst/>
+          </a:prstGeom>
+          <a:solidFill>
+            <a:srgbClr val="9FC2E8"/>
+          </a:solidFill>
+          <a:ln>
+            <a:noFill/>
+          </a:ln>
+        </p:spPr>
+        <p:style>
+          <a:lnRef idx="2">
+            <a:schemeClr val="accent1">
+              <a:shade val="50000"/>
+            </a:schemeClr>
+          </a:lnRef>
+          <a:fillRef idx="1">
+            <a:schemeClr val="accent1"/>
+          </a:fillRef>
+          <a:effectRef idx="0">
+            <a:schemeClr val="accent1"/>
+          </a:effectRef>
+          <a:fontRef idx="minor">
+            <a:schemeClr val="lt1"/>
+          </a:fontRef>
+        </p:style>
+        <p:txBody>
+          <a:bodyPr anchor="b"/>
+          <a:lstStyle/>
+          <a:p>
+            <a:pPr algn="ctr">
+              <a:defRPr/>
+            </a:pPr>
+            <a:r>
+              <a:rPr kumimoji="1" lang="zh-CN" altLang="en-US" sz="1600" b="1" dirty="0">
+                <a:solidFill>
+                  <a:schemeClr val="tx1"/>
+                </a:solidFill>
+                <a:latin typeface="Heiti SC Light" charset="-122"/>
+                <a:ea typeface="Heiti SC Light" charset="-122"/>
+                <a:cs typeface="Heiti SC Light" charset="-122"/>
+              </a:rPr>
+              <a:t>调度中心</a:t>
+            </a:r>
+          </a:p>
+        </p:txBody>
+      </p:sp>
+      <p:sp>
+        <p:nvSpPr>
+          <p:cNvPr id="7" name="进程 6"/>
+          <p:cNvSpPr/>
+          <p:nvPr/>
+        </p:nvSpPr>
+        <p:spPr>
+          <a:xfrm>
+            <a:off x="622491" y="5165865"/>
+            <a:ext cx="10959909" cy="586628"/>
+          </a:xfrm>
+          <a:prstGeom prst="flowChartProcess">
+            <a:avLst/>
+          </a:prstGeom>
+          <a:solidFill>
+            <a:srgbClr val="FFDCBB"/>
+          </a:solidFill>
+          <a:ln>
+            <a:noFill/>
+          </a:ln>
+        </p:spPr>
+        <p:style>
+          <a:lnRef idx="1">
+            <a:schemeClr val="accent2"/>
+          </a:lnRef>
+          <a:fillRef idx="2">
+            <a:schemeClr val="accent2"/>
+          </a:fillRef>
+          <a:effectRef idx="1">
+            <a:schemeClr val="accent2"/>
+          </a:effectRef>
+          <a:fontRef idx="minor">
+            <a:schemeClr val="dk1"/>
+          </a:fontRef>
+        </p:style>
+        <p:txBody>
+          <a:bodyPr anchor="ctr"/>
+          <a:lstStyle/>
+          <a:p>
+            <a:pPr algn="ctr">
+              <a:defRPr/>
+            </a:pPr>
+            <a:r>
+              <a:rPr kumimoji="1" lang="zh-CN" altLang="en-US" sz="1600" b="1" dirty="0" smtClean="0">
+                <a:latin typeface="Heiti SC Light" charset="-122"/>
+                <a:ea typeface="Heiti SC Light" charset="-122"/>
+                <a:cs typeface="Heiti SC Light" charset="-122"/>
+              </a:rPr>
+              <a:t>数据中心</a:t>
+            </a:r>
+            <a:endParaRPr kumimoji="1" lang="zh-CN" altLang="en-US" sz="1600" b="1" dirty="0">
+              <a:latin typeface="Heiti SC Light" charset="-122"/>
+              <a:ea typeface="Heiti SC Light" charset="-122"/>
+              <a:cs typeface="Heiti SC Light" charset="-122"/>
+            </a:endParaRPr>
+          </a:p>
+        </p:txBody>
+      </p:sp>
+      <p:sp>
+        <p:nvSpPr>
+          <p:cNvPr id="9" name="矩形 8"/>
+          <p:cNvSpPr/>
+          <p:nvPr/>
+        </p:nvSpPr>
+        <p:spPr>
+          <a:xfrm>
+            <a:off x="5931089" y="7076091"/>
+            <a:ext cx="2920811" cy="841124"/>
+          </a:xfrm>
+          <a:prstGeom prst="rect">
+            <a:avLst/>
+          </a:prstGeom>
+          <a:solidFill>
+            <a:srgbClr val="E8DDF4"/>
+          </a:solidFill>
+          <a:ln>
+            <a:noFill/>
+          </a:ln>
+        </p:spPr>
+        <p:style>
+          <a:lnRef idx="1">
+            <a:schemeClr val="accent1"/>
+          </a:lnRef>
+          <a:fillRef idx="2">
+            <a:schemeClr val="accent1"/>
+          </a:fillRef>
+          <a:effectRef idx="1">
+            <a:schemeClr val="accent1"/>
+          </a:effectRef>
+          <a:fontRef idx="minor">
+            <a:schemeClr val="dk1"/>
+          </a:fontRef>
+        </p:style>
+        <p:txBody>
+          <a:bodyPr anchor="b"/>
+          <a:lstStyle/>
+          <a:p>
+            <a:pPr algn="ctr">
+              <a:defRPr/>
+            </a:pPr>
+            <a:r>
+              <a:rPr kumimoji="1" lang="zh-CN" altLang="en-US" sz="1600" b="1" dirty="0" smtClean="0">
+                <a:latin typeface="Heiti SC Light" charset="-122"/>
+                <a:ea typeface="Heiti SC Light" charset="-122"/>
+                <a:cs typeface="Heiti SC Light" charset="-122"/>
+              </a:rPr>
+              <a:t>注册中心</a:t>
+            </a:r>
+            <a:endParaRPr kumimoji="1" lang="zh-CN" altLang="en-US" sz="1600" b="1" dirty="0">
+              <a:latin typeface="Heiti SC Light" charset="-122"/>
+              <a:ea typeface="Heiti SC Light" charset="-122"/>
+              <a:cs typeface="Heiti SC Light" charset="-122"/>
+            </a:endParaRPr>
+          </a:p>
+        </p:txBody>
+      </p:sp>
+      <p:sp>
+        <p:nvSpPr>
+          <p:cNvPr id="29" name="可选流程 28"/>
+          <p:cNvSpPr/>
+          <p:nvPr/>
+        </p:nvSpPr>
+        <p:spPr>
+          <a:xfrm>
+            <a:off x="4271676" y="4014619"/>
+            <a:ext cx="1659412" cy="572325"/>
+          </a:xfrm>
+          <a:prstGeom prst="flowChartAlternateProcess">
+            <a:avLst/>
+          </a:prstGeom>
+          <a:solidFill>
+            <a:srgbClr val="9379B3"/>
+          </a:solidFill>
+        </p:spPr>
+        <p:style>
+          <a:lnRef idx="0">
+            <a:schemeClr val="accent1"/>
+          </a:lnRef>
+          <a:fillRef idx="3">
+            <a:schemeClr val="accent1"/>
+          </a:fillRef>
+          <a:effectRef idx="3">
+            <a:schemeClr val="accent1"/>
+          </a:effectRef>
+          <a:fontRef idx="minor">
+            <a:schemeClr val="lt1"/>
+          </a:fontRef>
+        </p:style>
+        <p:txBody>
+          <a:bodyPr anchor="ctr"/>
+          <a:lstStyle/>
+          <a:p>
+            <a:pPr algn="ctr">
+              <a:defRPr/>
+            </a:pPr>
+            <a:r>
+              <a:rPr kumimoji="1" lang="zh-CN" altLang="en-US" sz="1400" dirty="0" smtClean="0">
+                <a:latin typeface="Heiti SC Light" charset="-122"/>
+                <a:ea typeface="Heiti SC Light" charset="-122"/>
+                <a:cs typeface="Heiti SC Light" charset="-122"/>
+              </a:rPr>
+              <a:t>自动注册</a:t>
+            </a:r>
+          </a:p>
+          <a:p>
+            <a:pPr algn="ctr">
+              <a:defRPr/>
+            </a:pPr>
+            <a:r>
+              <a:rPr kumimoji="1" lang="en-US" altLang="zh-CN" sz="1400" dirty="0" smtClean="0">
+                <a:latin typeface="Heiti SC Light" charset="-122"/>
+                <a:ea typeface="Heiti SC Light" charset="-122"/>
+                <a:cs typeface="Heiti SC Light" charset="-122"/>
+              </a:rPr>
+              <a:t>(</a:t>
+            </a:r>
+            <a:r>
+              <a:rPr kumimoji="1" lang="zh-CN" altLang="en-US" sz="1400" dirty="0">
+                <a:latin typeface="Heiti SC Light" charset="-122"/>
+                <a:ea typeface="Heiti SC Light" charset="-122"/>
+                <a:cs typeface="Heiti SC Light" charset="-122"/>
+              </a:rPr>
+              <a:t>调度中心</a:t>
+            </a:r>
+            <a:r>
+              <a:rPr kumimoji="1" lang="en-US" altLang="zh-CN" sz="1400" dirty="0" smtClean="0">
+                <a:latin typeface="Heiti SC Light" charset="-122"/>
+                <a:ea typeface="Heiti SC Light" charset="-122"/>
+                <a:cs typeface="Heiti SC Light" charset="-122"/>
+              </a:rPr>
+              <a:t>)</a:t>
+            </a:r>
+            <a:endParaRPr kumimoji="1" lang="zh-CN" altLang="en-US" sz="1400" dirty="0">
+              <a:latin typeface="Heiti SC Light" charset="-122"/>
+              <a:ea typeface="Heiti SC Light" charset="-122"/>
+              <a:cs typeface="Heiti SC Light" charset="-122"/>
+            </a:endParaRPr>
+          </a:p>
+        </p:txBody>
+      </p:sp>
+      <p:sp>
+        <p:nvSpPr>
+          <p:cNvPr id="4" name="矩形 3"/>
+          <p:cNvSpPr/>
+          <p:nvPr/>
+        </p:nvSpPr>
+        <p:spPr>
+          <a:xfrm>
+            <a:off x="720867" y="688297"/>
+            <a:ext cx="1672839" cy="1961502"/>
+          </a:xfrm>
+          <a:prstGeom prst="rect">
+            <a:avLst/>
+          </a:prstGeom>
+          <a:solidFill>
+            <a:srgbClr val="E0EBFF"/>
+          </a:solidFill>
+          <a:ln>
+            <a:noFill/>
+          </a:ln>
+        </p:spPr>
+        <p:style>
+          <a:lnRef idx="1">
+            <a:schemeClr val="accent1"/>
+          </a:lnRef>
+          <a:fillRef idx="2">
+            <a:schemeClr val="accent1"/>
+          </a:fillRef>
+          <a:effectRef idx="1">
+            <a:schemeClr val="accent1"/>
+          </a:effectRef>
+          <a:fontRef idx="minor">
+            <a:schemeClr val="dk1"/>
+          </a:fontRef>
+        </p:style>
+        <p:txBody>
+          <a:bodyPr anchor="t"/>
+          <a:lstStyle/>
+          <a:p>
+            <a:pPr algn="ctr">
+              <a:defRPr/>
+            </a:pPr>
+            <a:r>
+              <a:rPr kumimoji="1" lang="zh-CN" altLang="en-US" sz="1400" dirty="0" smtClean="0">
+                <a:latin typeface="Heiti SC Light" charset="-122"/>
+                <a:ea typeface="Heiti SC Light" charset="-122"/>
+                <a:cs typeface="Heiti SC Light" charset="-122"/>
+              </a:rPr>
+              <a:t>任务管理</a:t>
+            </a:r>
+            <a:endParaRPr kumimoji="1" lang="zh-CN" altLang="en-US" sz="1400" dirty="0">
+              <a:latin typeface="Heiti SC Light" charset="-122"/>
+              <a:ea typeface="Heiti SC Light" charset="-122"/>
+              <a:cs typeface="Heiti SC Light" charset="-122"/>
+            </a:endParaRPr>
+          </a:p>
+        </p:txBody>
+      </p:sp>
+      <p:sp>
+        <p:nvSpPr>
+          <p:cNvPr id="5" name="可选流程 4"/>
+          <p:cNvSpPr/>
+          <p:nvPr/>
+        </p:nvSpPr>
+        <p:spPr>
+          <a:xfrm>
+            <a:off x="799893" y="1015627"/>
+            <a:ext cx="1535914" cy="251629"/>
+          </a:xfrm>
+          <a:prstGeom prst="flowChartAlternateProcess">
+            <a:avLst/>
+          </a:prstGeom>
+          <a:solidFill>
+            <a:srgbClr val="6095C9"/>
+          </a:solidFill>
+        </p:spPr>
+        <p:style>
+          <a:lnRef idx="0">
+            <a:schemeClr val="accent1"/>
+          </a:lnRef>
+          <a:fillRef idx="3">
+            <a:schemeClr val="accent1"/>
+          </a:fillRef>
+          <a:effectRef idx="3">
+            <a:schemeClr val="accent1"/>
+          </a:effectRef>
+          <a:fontRef idx="minor">
+            <a:schemeClr val="lt1"/>
+          </a:fontRef>
+        </p:style>
+        <p:txBody>
+          <a:bodyPr anchor="ctr"/>
+          <a:lstStyle/>
+          <a:p>
+            <a:pPr>
+              <a:defRPr/>
+            </a:pPr>
+            <a:r>
+              <a:rPr kumimoji="1" lang="zh-CN" altLang="en-US" sz="1400" dirty="0" smtClean="0">
+                <a:latin typeface="Heiti SC Light" charset="-122"/>
+                <a:ea typeface="Heiti SC Light" charset="-122"/>
+                <a:cs typeface="Heiti SC Light" charset="-122"/>
+              </a:rPr>
+              <a:t>执行器</a:t>
+            </a:r>
+            <a:endParaRPr kumimoji="1" lang="zh-CN" altLang="en-US" sz="1400" dirty="0">
+              <a:latin typeface="Heiti SC Light" charset="-122"/>
+              <a:ea typeface="Heiti SC Light" charset="-122"/>
+              <a:cs typeface="Heiti SC Light" charset="-122"/>
+            </a:endParaRPr>
+          </a:p>
+        </p:txBody>
+      </p:sp>
+      <p:sp>
+        <p:nvSpPr>
+          <p:cNvPr id="60" name="可选流程 59"/>
+          <p:cNvSpPr/>
+          <p:nvPr/>
+        </p:nvSpPr>
+        <p:spPr>
+          <a:xfrm>
+            <a:off x="799893" y="1406309"/>
+            <a:ext cx="1535914" cy="281598"/>
+          </a:xfrm>
+          <a:prstGeom prst="flowChartAlternateProcess">
+            <a:avLst/>
+          </a:prstGeom>
+          <a:solidFill>
+            <a:srgbClr val="6095C9"/>
+          </a:solidFill>
+        </p:spPr>
+        <p:style>
+          <a:lnRef idx="0">
+            <a:schemeClr val="accent1"/>
+          </a:lnRef>
+          <a:fillRef idx="3">
+            <a:schemeClr val="accent1"/>
+          </a:fillRef>
+          <a:effectRef idx="3">
+            <a:schemeClr val="accent1"/>
+          </a:effectRef>
+          <a:fontRef idx="minor">
+            <a:schemeClr val="lt1"/>
+          </a:fontRef>
+        </p:style>
+        <p:txBody>
+          <a:bodyPr anchor="ctr"/>
+          <a:lstStyle/>
+          <a:p>
+            <a:pPr>
+              <a:defRPr/>
+            </a:pPr>
+            <a:r>
+              <a:rPr kumimoji="1" lang="zh-CN" altLang="en-US" sz="1400" dirty="0">
+                <a:latin typeface="Heiti SC Light" charset="-122"/>
+                <a:ea typeface="Heiti SC Light" charset="-122"/>
+                <a:cs typeface="Heiti SC Light" charset="-122"/>
+              </a:rPr>
+              <a:t>任务</a:t>
+            </a:r>
+            <a:r>
+              <a:rPr kumimoji="1" lang="zh-CN" altLang="en-US" sz="1400" dirty="0" smtClean="0">
+                <a:latin typeface="Heiti SC Light" charset="-122"/>
+                <a:ea typeface="Heiti SC Light" charset="-122"/>
+                <a:cs typeface="Heiti SC Light" charset="-122"/>
+              </a:rPr>
+              <a:t>模式</a:t>
+            </a:r>
+            <a:endParaRPr kumimoji="1" lang="zh-CN" altLang="en-US" sz="1400" dirty="0">
+              <a:latin typeface="Heiti SC Light" charset="-122"/>
+              <a:ea typeface="Heiti SC Light" charset="-122"/>
+              <a:cs typeface="Heiti SC Light" charset="-122"/>
+            </a:endParaRPr>
+          </a:p>
+        </p:txBody>
+      </p:sp>
+      <p:sp>
+        <p:nvSpPr>
+          <p:cNvPr id="62" name="可选流程 61"/>
+          <p:cNvSpPr/>
+          <p:nvPr/>
+        </p:nvSpPr>
+        <p:spPr>
+          <a:xfrm>
+            <a:off x="799893" y="1830646"/>
+            <a:ext cx="1535914" cy="255324"/>
+          </a:xfrm>
+          <a:prstGeom prst="flowChartAlternateProcess">
+            <a:avLst/>
+          </a:prstGeom>
+          <a:solidFill>
+            <a:srgbClr val="6095C9"/>
+          </a:solidFill>
+        </p:spPr>
+        <p:style>
+          <a:lnRef idx="0">
+            <a:schemeClr val="accent1"/>
+          </a:lnRef>
+          <a:fillRef idx="3">
+            <a:schemeClr val="accent1"/>
+          </a:fillRef>
+          <a:effectRef idx="3">
+            <a:schemeClr val="accent1"/>
+          </a:effectRef>
+          <a:fontRef idx="minor">
+            <a:schemeClr val="lt1"/>
+          </a:fontRef>
+        </p:style>
+        <p:txBody>
+          <a:bodyPr anchor="ctr"/>
+          <a:lstStyle/>
+          <a:p>
+            <a:pPr>
+              <a:defRPr/>
+            </a:pPr>
+            <a:r>
+              <a:rPr kumimoji="1" lang="en-US" altLang="zh-CN" sz="1400" dirty="0" err="1">
+                <a:latin typeface="Heiti SC Light" charset="-122"/>
+                <a:ea typeface="Heiti SC Light" charset="-122"/>
+                <a:cs typeface="Heiti SC Light" charset="-122"/>
+              </a:rPr>
+              <a:t>JobHandler</a:t>
+            </a:r>
+            <a:endParaRPr kumimoji="1" lang="zh-CN" altLang="en-US" sz="1400" dirty="0">
+              <a:latin typeface="Heiti SC Light" charset="-122"/>
+              <a:ea typeface="Heiti SC Light" charset="-122"/>
+              <a:cs typeface="Heiti SC Light" charset="-122"/>
+            </a:endParaRPr>
+          </a:p>
+        </p:txBody>
+      </p:sp>
+      <p:sp>
+        <p:nvSpPr>
+          <p:cNvPr id="63" name="可选流程 62"/>
+          <p:cNvSpPr/>
+          <p:nvPr/>
+        </p:nvSpPr>
+        <p:spPr>
+          <a:xfrm>
+            <a:off x="799893" y="2206727"/>
+            <a:ext cx="1535914" cy="274201"/>
+          </a:xfrm>
+          <a:prstGeom prst="flowChartAlternateProcess">
+            <a:avLst/>
+          </a:prstGeom>
+          <a:solidFill>
+            <a:srgbClr val="6095C9"/>
+          </a:solidFill>
+        </p:spPr>
+        <p:style>
+          <a:lnRef idx="0">
+            <a:schemeClr val="accent1"/>
+          </a:lnRef>
+          <a:fillRef idx="3">
+            <a:schemeClr val="accent1"/>
+          </a:fillRef>
+          <a:effectRef idx="3">
+            <a:schemeClr val="accent1"/>
+          </a:effectRef>
+          <a:fontRef idx="minor">
+            <a:schemeClr val="lt1"/>
+          </a:fontRef>
+        </p:style>
+        <p:txBody>
+          <a:bodyPr anchor="ctr"/>
+          <a:lstStyle/>
+          <a:p>
+            <a:pPr>
+              <a:defRPr/>
+            </a:pPr>
+            <a:r>
+              <a:rPr kumimoji="1" lang="en-US" altLang="zh-CN" sz="1400" dirty="0" smtClean="0">
+                <a:latin typeface="Heiti SC Light" charset="-122"/>
+                <a:ea typeface="Heiti SC Light" charset="-122"/>
+                <a:cs typeface="Heiti SC Light" charset="-122"/>
+              </a:rPr>
+              <a:t>……</a:t>
+            </a:r>
+            <a:endParaRPr kumimoji="1" lang="zh-CN" altLang="en-US" sz="1400" dirty="0">
+              <a:latin typeface="Heiti SC Light" charset="-122"/>
+              <a:ea typeface="Heiti SC Light" charset="-122"/>
+              <a:cs typeface="Heiti SC Light" charset="-122"/>
+            </a:endParaRPr>
+          </a:p>
+        </p:txBody>
+      </p:sp>
+      <p:sp>
+        <p:nvSpPr>
+          <p:cNvPr id="10" name="矩形 9"/>
+          <p:cNvSpPr/>
+          <p:nvPr/>
+        </p:nvSpPr>
+        <p:spPr>
+          <a:xfrm>
+            <a:off x="2388914" y="688297"/>
+            <a:ext cx="1668047" cy="1961502"/>
+          </a:xfrm>
+          <a:prstGeom prst="rect">
+            <a:avLst/>
+          </a:prstGeom>
+          <a:solidFill>
+            <a:srgbClr val="DEF7FF"/>
+          </a:solidFill>
+          <a:ln>
+            <a:noFill/>
+          </a:ln>
+        </p:spPr>
+        <p:style>
+          <a:lnRef idx="1">
+            <a:schemeClr val="accent1"/>
+          </a:lnRef>
+          <a:fillRef idx="2">
+            <a:schemeClr val="accent1"/>
+          </a:fillRef>
+          <a:effectRef idx="1">
+            <a:schemeClr val="accent1"/>
+          </a:effectRef>
+          <a:fontRef idx="minor">
+            <a:schemeClr val="dk1"/>
+          </a:fontRef>
+        </p:style>
+        <p:txBody>
+          <a:bodyPr anchor="t"/>
+          <a:lstStyle/>
+          <a:p>
+            <a:pPr algn="ctr">
+              <a:defRPr/>
+            </a:pPr>
+            <a:r>
+              <a:rPr kumimoji="1" lang="zh-CN" altLang="en-US" sz="1400" b="1" dirty="0" smtClean="0">
+                <a:latin typeface="Heiti SC Light" charset="-122"/>
+                <a:ea typeface="Heiti SC Light" charset="-122"/>
+                <a:cs typeface="Heiti SC Light" charset="-122"/>
+              </a:rPr>
+              <a:t>执行器</a:t>
+            </a:r>
+            <a:r>
+              <a:rPr kumimoji="1" lang="zh-CN" altLang="en-US" sz="1400" b="1" dirty="0" smtClean="0">
+                <a:latin typeface="Heiti SC Light" charset="-122"/>
+                <a:ea typeface="Heiti SC Light" charset="-122"/>
+                <a:cs typeface="Heiti SC Light" charset="-122"/>
+              </a:rPr>
+              <a:t>管理</a:t>
+            </a:r>
+            <a:endParaRPr kumimoji="1" lang="zh-CN" altLang="en-US" sz="1400" b="1" dirty="0">
+              <a:latin typeface="Heiti SC Light" charset="-122"/>
+              <a:ea typeface="Heiti SC Light" charset="-122"/>
+              <a:cs typeface="Heiti SC Light" charset="-122"/>
+            </a:endParaRPr>
+          </a:p>
+        </p:txBody>
+      </p:sp>
+      <p:sp>
+        <p:nvSpPr>
+          <p:cNvPr id="40" name="可选流程 39"/>
+          <p:cNvSpPr/>
+          <p:nvPr/>
+        </p:nvSpPr>
+        <p:spPr>
+          <a:xfrm>
+            <a:off x="2491980" y="1009669"/>
+            <a:ext cx="1432847" cy="272004"/>
+          </a:xfrm>
+          <a:prstGeom prst="flowChartAlternateProcess">
+            <a:avLst/>
+          </a:prstGeom>
+          <a:solidFill>
+            <a:srgbClr val="4BACC6"/>
+          </a:solidFill>
+        </p:spPr>
+        <p:style>
+          <a:lnRef idx="0">
+            <a:schemeClr val="accent1"/>
+          </a:lnRef>
+          <a:fillRef idx="3">
+            <a:schemeClr val="accent1"/>
+          </a:fillRef>
+          <a:effectRef idx="3">
+            <a:schemeClr val="accent1"/>
+          </a:effectRef>
+          <a:fontRef idx="minor">
+            <a:schemeClr val="lt1"/>
+          </a:fontRef>
+        </p:style>
+        <p:txBody>
+          <a:bodyPr anchor="ctr"/>
+          <a:lstStyle/>
+          <a:p>
+            <a:pPr>
+              <a:defRPr/>
+            </a:pPr>
+            <a:r>
+              <a:rPr kumimoji="1" lang="zh-CN" altLang="en-US" sz="1400" dirty="0" smtClean="0">
+                <a:latin typeface="Heiti SC Light" charset="-122"/>
+                <a:ea typeface="Heiti SC Light" charset="-122"/>
+                <a:cs typeface="Heiti SC Light" charset="-122"/>
+              </a:rPr>
+              <a:t>注册方式</a:t>
+            </a:r>
+            <a:endParaRPr kumimoji="1" lang="zh-CN" altLang="en-US" sz="1400" dirty="0">
+              <a:latin typeface="Heiti SC Light" charset="-122"/>
+              <a:ea typeface="Heiti SC Light" charset="-122"/>
+              <a:cs typeface="Heiti SC Light" charset="-122"/>
+            </a:endParaRPr>
+          </a:p>
+        </p:txBody>
+      </p:sp>
+      <p:sp>
+        <p:nvSpPr>
+          <p:cNvPr id="66" name="可选流程 65"/>
+          <p:cNvSpPr/>
+          <p:nvPr/>
+        </p:nvSpPr>
+        <p:spPr>
+          <a:xfrm>
+            <a:off x="2491979" y="1400460"/>
+            <a:ext cx="1432847" cy="275832"/>
+          </a:xfrm>
+          <a:prstGeom prst="flowChartAlternateProcess">
+            <a:avLst/>
+          </a:prstGeom>
+          <a:solidFill>
+            <a:srgbClr val="4BACC6"/>
+          </a:solidFill>
+        </p:spPr>
+        <p:style>
+          <a:lnRef idx="0">
+            <a:schemeClr val="accent1"/>
+          </a:lnRef>
+          <a:fillRef idx="3">
+            <a:schemeClr val="accent1"/>
+          </a:fillRef>
+          <a:effectRef idx="3">
+            <a:schemeClr val="accent1"/>
+          </a:effectRef>
+          <a:fontRef idx="minor">
+            <a:schemeClr val="lt1"/>
+          </a:fontRef>
+        </p:style>
+        <p:txBody>
+          <a:bodyPr anchor="ctr"/>
+          <a:lstStyle/>
+          <a:p>
+            <a:pPr>
+              <a:defRPr/>
+            </a:pPr>
+            <a:r>
+              <a:rPr kumimoji="1" lang="en-US" altLang="zh-CN" sz="1400" dirty="0" err="1" smtClean="0">
+                <a:latin typeface="Heiti SC Light" charset="-122"/>
+                <a:ea typeface="Heiti SC Light" charset="-122"/>
+                <a:cs typeface="Heiti SC Light" charset="-122"/>
+              </a:rPr>
+              <a:t>AppName</a:t>
+            </a:r>
+            <a:endParaRPr kumimoji="1" lang="zh-CN" altLang="en-US" sz="1400" dirty="0">
+              <a:latin typeface="Heiti SC Light" charset="-122"/>
+              <a:ea typeface="Heiti SC Light" charset="-122"/>
+              <a:cs typeface="Heiti SC Light" charset="-122"/>
+            </a:endParaRPr>
+          </a:p>
+        </p:txBody>
+      </p:sp>
+      <p:sp>
+        <p:nvSpPr>
+          <p:cNvPr id="67" name="可选流程 66"/>
+          <p:cNvSpPr/>
+          <p:nvPr/>
+        </p:nvSpPr>
+        <p:spPr>
+          <a:xfrm>
+            <a:off x="2491978" y="1834820"/>
+            <a:ext cx="1432847" cy="263850"/>
+          </a:xfrm>
+          <a:prstGeom prst="flowChartAlternateProcess">
+            <a:avLst/>
+          </a:prstGeom>
+          <a:solidFill>
+            <a:srgbClr val="4BACC6"/>
+          </a:solidFill>
+        </p:spPr>
+        <p:style>
+          <a:lnRef idx="0">
+            <a:schemeClr val="accent1"/>
+          </a:lnRef>
+          <a:fillRef idx="3">
+            <a:schemeClr val="accent1"/>
+          </a:fillRef>
+          <a:effectRef idx="3">
+            <a:schemeClr val="accent1"/>
+          </a:effectRef>
+          <a:fontRef idx="minor">
+            <a:schemeClr val="lt1"/>
+          </a:fontRef>
+        </p:style>
+        <p:txBody>
+          <a:bodyPr anchor="ctr"/>
+          <a:lstStyle/>
+          <a:p>
+            <a:pPr>
+              <a:defRPr/>
+            </a:pPr>
+            <a:r>
+              <a:rPr kumimoji="1" lang="zh-CN" altLang="en-US" sz="1400" dirty="0" smtClean="0">
+                <a:latin typeface="Heiti SC Light" charset="-122"/>
+                <a:ea typeface="Heiti SC Light" charset="-122"/>
+                <a:cs typeface="Heiti SC Light" charset="-122"/>
+              </a:rPr>
+              <a:t>机器地址列表</a:t>
+            </a:r>
+            <a:endParaRPr kumimoji="1" lang="zh-CN" altLang="en-US" sz="1400" dirty="0">
+              <a:latin typeface="Heiti SC Light" charset="-122"/>
+              <a:ea typeface="Heiti SC Light" charset="-122"/>
+              <a:cs typeface="Heiti SC Light" charset="-122"/>
+            </a:endParaRPr>
+          </a:p>
+        </p:txBody>
+      </p:sp>
+      <p:sp>
+        <p:nvSpPr>
+          <p:cNvPr id="68" name="可选流程 67"/>
+          <p:cNvSpPr/>
+          <p:nvPr/>
+        </p:nvSpPr>
+        <p:spPr>
+          <a:xfrm>
+            <a:off x="2491977" y="2217078"/>
+            <a:ext cx="1432847" cy="263850"/>
+          </a:xfrm>
+          <a:prstGeom prst="flowChartAlternateProcess">
+            <a:avLst/>
+          </a:prstGeom>
+          <a:solidFill>
+            <a:srgbClr val="4BACC6"/>
+          </a:solidFill>
+        </p:spPr>
+        <p:style>
+          <a:lnRef idx="0">
+            <a:schemeClr val="accent1"/>
+          </a:lnRef>
+          <a:fillRef idx="3">
+            <a:schemeClr val="accent1"/>
+          </a:fillRef>
+          <a:effectRef idx="3">
+            <a:schemeClr val="accent1"/>
+          </a:effectRef>
+          <a:fontRef idx="minor">
+            <a:schemeClr val="lt1"/>
+          </a:fontRef>
+        </p:style>
+        <p:txBody>
+          <a:bodyPr anchor="ctr"/>
+          <a:lstStyle/>
+          <a:p>
+            <a:pPr>
+              <a:defRPr/>
+            </a:pPr>
+            <a:r>
+              <a:rPr kumimoji="1" lang="en-US" altLang="zh-CN" sz="1400" dirty="0" smtClean="0">
+                <a:latin typeface="Heiti SC Light" charset="-122"/>
+                <a:ea typeface="Heiti SC Light" charset="-122"/>
+                <a:cs typeface="Heiti SC Light" charset="-122"/>
+              </a:rPr>
+              <a:t>……</a:t>
+            </a:r>
+            <a:endParaRPr kumimoji="1" lang="zh-CN" altLang="en-US" sz="1400" dirty="0">
+              <a:latin typeface="Heiti SC Light" charset="-122"/>
+              <a:ea typeface="Heiti SC Light" charset="-122"/>
+              <a:cs typeface="Heiti SC Light" charset="-122"/>
+            </a:endParaRPr>
+          </a:p>
+        </p:txBody>
+      </p:sp>
+      <p:cxnSp>
+        <p:nvCxnSpPr>
+          <p:cNvPr id="86" name="直线箭头连接符 85"/>
+          <p:cNvCxnSpPr/>
+          <p:nvPr/>
+        </p:nvCxnSpPr>
+        <p:spPr>
+          <a:xfrm>
+            <a:off x="11955553" y="7258143"/>
+            <a:ext cx="9228" cy="410923"/>
+          </a:xfrm>
+          <a:prstGeom prst="straightConnector1">
+            <a:avLst/>
+          </a:prstGeom>
+          <a:ln w="28575">
+            <a:prstDash val="dash"/>
+            <a:headEnd type="none" w="med" len="med"/>
+            <a:tailEnd type="arrow" w="med" len="med"/>
+          </a:ln>
+        </p:spPr>
+        <p:style>
+          <a:lnRef idx="1">
+            <a:schemeClr val="accent1"/>
+          </a:lnRef>
+          <a:fillRef idx="0">
+            <a:schemeClr val="accent1"/>
+          </a:fillRef>
+          <a:effectRef idx="0">
+            <a:schemeClr val="accent1"/>
+          </a:effectRef>
+          <a:fontRef idx="minor">
+            <a:schemeClr val="tx1"/>
+          </a:fontRef>
+        </p:style>
+      </p:cxnSp>
+      <p:cxnSp>
+        <p:nvCxnSpPr>
+          <p:cNvPr id="87" name="直线箭头连接符 86"/>
+          <p:cNvCxnSpPr/>
+          <p:nvPr/>
+        </p:nvCxnSpPr>
+        <p:spPr>
+          <a:xfrm flipV="1">
+            <a:off x="12192000" y="7245443"/>
+            <a:ext cx="0" cy="417180"/>
+          </a:xfrm>
+          <a:prstGeom prst="straightConnector1">
+            <a:avLst/>
+          </a:prstGeom>
+          <a:ln w="28575">
+            <a:prstDash val="dash"/>
+            <a:headEnd type="none" w="med" len="med"/>
+            <a:tailEnd type="arrow" w="med" len="med"/>
+          </a:ln>
+        </p:spPr>
+        <p:style>
+          <a:lnRef idx="1">
+            <a:schemeClr val="accent1"/>
+          </a:lnRef>
+          <a:fillRef idx="0">
+            <a:schemeClr val="accent1"/>
+          </a:fillRef>
+          <a:effectRef idx="0">
+            <a:schemeClr val="accent1"/>
+          </a:effectRef>
+          <a:fontRef idx="minor">
+            <a:schemeClr val="tx1"/>
+          </a:fontRef>
+        </p:style>
+      </p:cxnSp>
+      <p:sp>
+        <p:nvSpPr>
+          <p:cNvPr id="101" name="矩形 100"/>
+          <p:cNvSpPr/>
+          <p:nvPr/>
+        </p:nvSpPr>
+        <p:spPr>
+          <a:xfrm>
+            <a:off x="6400801" y="576164"/>
+            <a:ext cx="5181600" cy="4592736"/>
+          </a:xfrm>
+          <a:prstGeom prst="rect">
+            <a:avLst/>
+          </a:prstGeom>
+          <a:ln>
+            <a:noFill/>
+          </a:ln>
+        </p:spPr>
+        <p:style>
+          <a:lnRef idx="1">
+            <a:schemeClr val="accent6"/>
+          </a:lnRef>
+          <a:fillRef idx="2">
+            <a:schemeClr val="accent6"/>
+          </a:fillRef>
+          <a:effectRef idx="1">
+            <a:schemeClr val="accent6"/>
+          </a:effectRef>
+          <a:fontRef idx="minor">
+            <a:schemeClr val="dk1"/>
+          </a:fontRef>
+        </p:style>
+        <p:txBody>
+          <a:bodyPr anchor="b"/>
+          <a:lstStyle/>
+          <a:p>
+            <a:pPr algn="ctr">
+              <a:defRPr/>
+            </a:pPr>
+            <a:r>
+              <a:rPr kumimoji="1" lang="zh-CN" altLang="en-US" sz="1600" b="1" dirty="0" smtClean="0">
+                <a:latin typeface="Heiti SC Light" charset="-122"/>
+                <a:ea typeface="Heiti SC Light" charset="-122"/>
+                <a:cs typeface="Heiti SC Light" charset="-122"/>
+              </a:rPr>
+              <a:t>执行器</a:t>
+            </a:r>
+            <a:endParaRPr kumimoji="1" lang="zh-CN" altLang="en-US" sz="1600" b="1" dirty="0">
+              <a:latin typeface="Heiti SC Light" charset="-122"/>
+              <a:ea typeface="Heiti SC Light" charset="-122"/>
+              <a:cs typeface="Heiti SC Light" charset="-122"/>
+            </a:endParaRPr>
+          </a:p>
+        </p:txBody>
+      </p:sp>
+      <p:cxnSp>
+        <p:nvCxnSpPr>
+          <p:cNvPr id="133" name="直线箭头连接符 132"/>
+          <p:cNvCxnSpPr/>
+          <p:nvPr/>
+        </p:nvCxnSpPr>
+        <p:spPr>
+          <a:xfrm>
+            <a:off x="12476487" y="7419060"/>
+            <a:ext cx="413345" cy="1"/>
+          </a:xfrm>
+          <a:prstGeom prst="straightConnector1">
+            <a:avLst/>
+          </a:prstGeom>
+          <a:ln w="28575">
+            <a:prstDash val="dash"/>
+            <a:headEnd type="none" w="med" len="med"/>
+            <a:tailEnd type="arrow" w="med" len="med"/>
+          </a:ln>
+        </p:spPr>
+        <p:style>
+          <a:lnRef idx="1">
+            <a:schemeClr val="accent1"/>
+          </a:lnRef>
+          <a:fillRef idx="0">
+            <a:schemeClr val="accent1"/>
+          </a:fillRef>
+          <a:effectRef idx="0">
+            <a:schemeClr val="accent1"/>
+          </a:effectRef>
+          <a:fontRef idx="minor">
+            <a:schemeClr val="tx1"/>
+          </a:fontRef>
+        </p:style>
+      </p:cxnSp>
+      <p:cxnSp>
+        <p:nvCxnSpPr>
+          <p:cNvPr id="134" name="直线箭头连接符 133"/>
+          <p:cNvCxnSpPr/>
+          <p:nvPr/>
+        </p:nvCxnSpPr>
+        <p:spPr>
+          <a:xfrm flipH="1">
+            <a:off x="12434527" y="7662622"/>
+            <a:ext cx="429217" cy="1"/>
+          </a:xfrm>
+          <a:prstGeom prst="straightConnector1">
+            <a:avLst/>
+          </a:prstGeom>
+          <a:ln w="28575">
+            <a:prstDash val="dash"/>
+            <a:headEnd type="none" w="med" len="med"/>
+            <a:tailEnd type="arrow" w="med" len="med"/>
+          </a:ln>
+        </p:spPr>
+        <p:style>
+          <a:lnRef idx="1">
+            <a:schemeClr val="accent1"/>
+          </a:lnRef>
+          <a:fillRef idx="0">
+            <a:schemeClr val="accent1"/>
+          </a:fillRef>
+          <a:effectRef idx="0">
+            <a:schemeClr val="accent1"/>
+          </a:effectRef>
+          <a:fontRef idx="minor">
+            <a:schemeClr val="tx1"/>
+          </a:fontRef>
+        </p:style>
+      </p:cxnSp>
+      <p:sp>
+        <p:nvSpPr>
+          <p:cNvPr id="3" name="圆角矩形 2"/>
+          <p:cNvSpPr/>
+          <p:nvPr/>
+        </p:nvSpPr>
+        <p:spPr>
+          <a:xfrm>
+            <a:off x="4275163" y="870785"/>
+            <a:ext cx="1655926" cy="586589"/>
+          </a:xfrm>
+          <a:prstGeom prst="roundRect">
+            <a:avLst/>
+          </a:prstGeom>
+        </p:spPr>
+        <p:style>
+          <a:lnRef idx="0">
+            <a:schemeClr val="accent2"/>
+          </a:lnRef>
+          <a:fillRef idx="3">
+            <a:schemeClr val="accent2"/>
+          </a:fillRef>
+          <a:effectRef idx="3">
+            <a:schemeClr val="accent2"/>
+          </a:effectRef>
+          <a:fontRef idx="minor">
+            <a:schemeClr val="lt1"/>
+          </a:fontRef>
+        </p:style>
+        <p:txBody>
+          <a:bodyPr anchor="ctr"/>
+          <a:lstStyle/>
+          <a:p>
+            <a:pPr algn="ctr">
+              <a:defRPr/>
+            </a:pPr>
+            <a:r>
+              <a:rPr kumimoji="1" lang="zh-CN" altLang="en-US" sz="1400" dirty="0" smtClean="0">
+                <a:latin typeface="Heiti SC Light" charset="-122"/>
+                <a:ea typeface="Heiti SC Light" charset="-122"/>
+                <a:cs typeface="Heiti SC Light" charset="-122"/>
+              </a:rPr>
+              <a:t>调度器</a:t>
+            </a:r>
+          </a:p>
+          <a:p>
+            <a:pPr algn="ctr">
+              <a:defRPr/>
+            </a:pPr>
+            <a:r>
+              <a:rPr kumimoji="1" lang="en-US" altLang="zh-CN" sz="1400" dirty="0" smtClean="0">
+                <a:latin typeface="Heiti SC Light" charset="-122"/>
+                <a:ea typeface="Heiti SC Light" charset="-122"/>
+                <a:cs typeface="Heiti SC Light" charset="-122"/>
+              </a:rPr>
+              <a:t>(quartz)</a:t>
+            </a:r>
+            <a:endParaRPr kumimoji="1" lang="zh-CN" altLang="en-US" sz="1400" dirty="0">
+              <a:latin typeface="Heiti SC Light" charset="-122"/>
+              <a:ea typeface="Heiti SC Light" charset="-122"/>
+              <a:cs typeface="Heiti SC Light" charset="-122"/>
+            </a:endParaRPr>
+          </a:p>
+        </p:txBody>
+      </p:sp>
+      <p:sp>
+        <p:nvSpPr>
+          <p:cNvPr id="74" name="圆角矩形 73"/>
+          <p:cNvSpPr/>
+          <p:nvPr/>
+        </p:nvSpPr>
+        <p:spPr>
+          <a:xfrm>
+            <a:off x="4275906" y="2893988"/>
+            <a:ext cx="1655182" cy="585805"/>
+          </a:xfrm>
+          <a:prstGeom prst="roundRect">
+            <a:avLst/>
+          </a:prstGeom>
+          <a:solidFill>
+            <a:srgbClr val="58B8D1"/>
+          </a:solidFill>
+        </p:spPr>
+        <p:style>
+          <a:lnRef idx="0">
+            <a:schemeClr val="accent1"/>
+          </a:lnRef>
+          <a:fillRef idx="3">
+            <a:schemeClr val="accent1"/>
+          </a:fillRef>
+          <a:effectRef idx="3">
+            <a:schemeClr val="accent1"/>
+          </a:effectRef>
+          <a:fontRef idx="minor">
+            <a:schemeClr val="lt1"/>
+          </a:fontRef>
+        </p:style>
+        <p:txBody>
+          <a:bodyPr anchor="ctr"/>
+          <a:lstStyle/>
+          <a:p>
+            <a:pPr algn="ctr">
+              <a:defRPr/>
+            </a:pPr>
+            <a:r>
+              <a:rPr kumimoji="1" lang="en-US" altLang="zh-CN" sz="1400" dirty="0">
+                <a:latin typeface="Heiti SC Light" charset="-122"/>
+                <a:ea typeface="Heiti SC Light" charset="-122"/>
+                <a:cs typeface="Heiti SC Light" charset="-122"/>
+              </a:rPr>
+              <a:t>Rolling</a:t>
+            </a:r>
+            <a:r>
+              <a:rPr kumimoji="1" lang="zh-CN" altLang="en-US" sz="1400" dirty="0" smtClean="0">
+                <a:latin typeface="Heiti SC Light" charset="-122"/>
+                <a:ea typeface="Heiti SC Light" charset="-122"/>
+                <a:cs typeface="Heiti SC Light" charset="-122"/>
+              </a:rPr>
+              <a:t>日志</a:t>
+            </a:r>
+          </a:p>
+          <a:p>
+            <a:pPr algn="ctr">
+              <a:defRPr/>
+            </a:pPr>
+            <a:r>
+              <a:rPr kumimoji="1" lang="en-US" altLang="zh-CN" sz="1400" dirty="0" smtClean="0">
+                <a:latin typeface="Heiti SC Light" charset="-122"/>
+                <a:ea typeface="Heiti SC Light" charset="-122"/>
+                <a:cs typeface="Heiti SC Light" charset="-122"/>
+              </a:rPr>
+              <a:t>(</a:t>
+            </a:r>
+            <a:r>
+              <a:rPr kumimoji="1" lang="zh-CN" altLang="en-US" sz="1400" dirty="0" smtClean="0">
+                <a:latin typeface="Heiti SC Light" charset="-122"/>
+                <a:ea typeface="Heiti SC Light" charset="-122"/>
+                <a:cs typeface="Heiti SC Light" charset="-122"/>
+              </a:rPr>
+              <a:t>实时</a:t>
+            </a:r>
+            <a:r>
+              <a:rPr kumimoji="1" lang="en-US" altLang="zh-CN" sz="1400" dirty="0" smtClean="0">
+                <a:latin typeface="Heiti SC Light" charset="-122"/>
+                <a:ea typeface="Heiti SC Light" charset="-122"/>
+                <a:cs typeface="Heiti SC Light" charset="-122"/>
+              </a:rPr>
+              <a:t>)</a:t>
+            </a:r>
+            <a:endParaRPr kumimoji="1" lang="zh-CN" altLang="en-US" sz="1400" dirty="0">
+              <a:latin typeface="Heiti SC Light" charset="-122"/>
+              <a:ea typeface="Heiti SC Light" charset="-122"/>
+              <a:cs typeface="Heiti SC Light" charset="-122"/>
+            </a:endParaRPr>
+          </a:p>
+        </p:txBody>
+      </p:sp>
+      <p:sp>
+        <p:nvSpPr>
+          <p:cNvPr id="139" name="圆角矩形 138"/>
+          <p:cNvSpPr/>
+          <p:nvPr/>
+        </p:nvSpPr>
+        <p:spPr>
+          <a:xfrm>
+            <a:off x="4271675" y="1887699"/>
+            <a:ext cx="1659413" cy="574484"/>
+          </a:xfrm>
+          <a:prstGeom prst="roundRect">
+            <a:avLst/>
+          </a:prstGeom>
+          <a:solidFill>
+            <a:srgbClr val="58B8D1"/>
+          </a:solidFill>
+        </p:spPr>
+        <p:style>
+          <a:lnRef idx="0">
+            <a:schemeClr val="accent1"/>
+          </a:lnRef>
+          <a:fillRef idx="3">
+            <a:schemeClr val="accent1"/>
+          </a:fillRef>
+          <a:effectRef idx="3">
+            <a:schemeClr val="accent1"/>
+          </a:effectRef>
+          <a:fontRef idx="minor">
+            <a:schemeClr val="lt1"/>
+          </a:fontRef>
+        </p:style>
+        <p:txBody>
+          <a:bodyPr anchor="ctr"/>
+          <a:lstStyle/>
+          <a:p>
+            <a:pPr algn="ctr">
+              <a:defRPr/>
+            </a:pPr>
+            <a:r>
+              <a:rPr kumimoji="1" lang="zh-CN" altLang="en-US" sz="1400" dirty="0">
+                <a:latin typeface="Heiti SC Light" charset="-122"/>
+                <a:ea typeface="Heiti SC Light" charset="-122"/>
+                <a:cs typeface="Heiti SC Light" charset="-122"/>
+              </a:rPr>
+              <a:t>回调</a:t>
+            </a:r>
+            <a:r>
+              <a:rPr kumimoji="1" lang="zh-CN" altLang="en-US" sz="1400" dirty="0" smtClean="0">
+                <a:latin typeface="Heiti SC Light" charset="-122"/>
+                <a:ea typeface="Heiti SC Light" charset="-122"/>
+                <a:cs typeface="Heiti SC Light" charset="-122"/>
+              </a:rPr>
+              <a:t>服务</a:t>
+            </a:r>
+          </a:p>
+          <a:p>
+            <a:pPr algn="ctr">
+              <a:defRPr/>
+            </a:pPr>
+            <a:r>
+              <a:rPr kumimoji="1" lang="en-US" altLang="zh-CN" sz="1400" dirty="0" smtClean="0">
+                <a:latin typeface="Heiti SC Light" charset="-122"/>
+                <a:ea typeface="Heiti SC Light" charset="-122"/>
+                <a:cs typeface="Heiti SC Light" charset="-122"/>
+              </a:rPr>
+              <a:t>(</a:t>
+            </a:r>
+            <a:r>
+              <a:rPr kumimoji="1" lang="en-US" altLang="zh-CN" sz="1400" dirty="0">
+                <a:latin typeface="Heiti SC Light" charset="-122"/>
+                <a:ea typeface="Heiti SC Light" charset="-122"/>
+                <a:cs typeface="Heiti SC Light" charset="-122"/>
+              </a:rPr>
+              <a:t>jetty)</a:t>
+            </a:r>
+            <a:endParaRPr kumimoji="1" lang="zh-CN" altLang="en-US" sz="1400" dirty="0">
+              <a:latin typeface="Heiti SC Light" charset="-122"/>
+              <a:ea typeface="Heiti SC Light" charset="-122"/>
+              <a:cs typeface="Heiti SC Light" charset="-122"/>
+            </a:endParaRPr>
+          </a:p>
+        </p:txBody>
+      </p:sp>
+      <p:sp>
+        <p:nvSpPr>
+          <p:cNvPr id="153" name="矩形 152"/>
+          <p:cNvSpPr/>
+          <p:nvPr/>
+        </p:nvSpPr>
+        <p:spPr>
+          <a:xfrm>
+            <a:off x="720867" y="2657780"/>
+            <a:ext cx="1668047" cy="1961502"/>
+          </a:xfrm>
+          <a:prstGeom prst="rect">
+            <a:avLst/>
+          </a:prstGeom>
+          <a:solidFill>
+            <a:srgbClr val="DEF7FF"/>
+          </a:solidFill>
+          <a:ln>
+            <a:noFill/>
+          </a:ln>
+        </p:spPr>
+        <p:style>
+          <a:lnRef idx="1">
+            <a:schemeClr val="accent1"/>
+          </a:lnRef>
+          <a:fillRef idx="2">
+            <a:schemeClr val="accent1"/>
+          </a:fillRef>
+          <a:effectRef idx="1">
+            <a:schemeClr val="accent1"/>
+          </a:effectRef>
+          <a:fontRef idx="minor">
+            <a:schemeClr val="dk1"/>
+          </a:fontRef>
+        </p:style>
+        <p:txBody>
+          <a:bodyPr anchor="t"/>
+          <a:lstStyle/>
+          <a:p>
+            <a:pPr algn="ctr">
+              <a:defRPr/>
+            </a:pPr>
+            <a:r>
+              <a:rPr kumimoji="1" lang="zh-CN" altLang="en-US" sz="1400" b="1" dirty="0">
+                <a:latin typeface="Heiti SC Light" charset="-122"/>
+                <a:ea typeface="Heiti SC Light" charset="-122"/>
+                <a:cs typeface="Heiti SC Light" charset="-122"/>
+              </a:rPr>
+              <a:t>日志管理</a:t>
+            </a:r>
+            <a:endParaRPr kumimoji="1" lang="zh-CN" altLang="en-US" sz="1400" b="1" dirty="0">
+              <a:latin typeface="Heiti SC Light" charset="-122"/>
+              <a:ea typeface="Heiti SC Light" charset="-122"/>
+              <a:cs typeface="Heiti SC Light" charset="-122"/>
+            </a:endParaRPr>
+          </a:p>
+        </p:txBody>
+      </p:sp>
+      <p:sp>
+        <p:nvSpPr>
+          <p:cNvPr id="154" name="可选流程 153"/>
+          <p:cNvSpPr/>
+          <p:nvPr/>
+        </p:nvSpPr>
+        <p:spPr>
+          <a:xfrm>
+            <a:off x="823933" y="2979152"/>
+            <a:ext cx="1432847" cy="272004"/>
+          </a:xfrm>
+          <a:prstGeom prst="flowChartAlternateProcess">
+            <a:avLst/>
+          </a:prstGeom>
+          <a:solidFill>
+            <a:srgbClr val="4BACC6"/>
+          </a:solidFill>
+        </p:spPr>
+        <p:style>
+          <a:lnRef idx="0">
+            <a:schemeClr val="accent1"/>
+          </a:lnRef>
+          <a:fillRef idx="3">
+            <a:schemeClr val="accent1"/>
+          </a:fillRef>
+          <a:effectRef idx="3">
+            <a:schemeClr val="accent1"/>
+          </a:effectRef>
+          <a:fontRef idx="minor">
+            <a:schemeClr val="lt1"/>
+          </a:fontRef>
+        </p:style>
+        <p:txBody>
+          <a:bodyPr anchor="ctr"/>
+          <a:lstStyle/>
+          <a:p>
+            <a:pPr>
+              <a:defRPr/>
+            </a:pPr>
+            <a:r>
+              <a:rPr kumimoji="1" lang="zh-CN" altLang="en-US" sz="1400" dirty="0">
+                <a:latin typeface="Heiti SC Light" charset="-122"/>
+                <a:ea typeface="Heiti SC Light" charset="-122"/>
+                <a:cs typeface="Heiti SC Light" charset="-122"/>
+              </a:rPr>
+              <a:t>调度日志</a:t>
+            </a:r>
+            <a:endParaRPr kumimoji="1" lang="zh-CN" altLang="en-US" sz="1400" dirty="0">
+              <a:latin typeface="Heiti SC Light" charset="-122"/>
+              <a:ea typeface="Heiti SC Light" charset="-122"/>
+              <a:cs typeface="Heiti SC Light" charset="-122"/>
+            </a:endParaRPr>
+          </a:p>
+        </p:txBody>
+      </p:sp>
+      <p:sp>
+        <p:nvSpPr>
+          <p:cNvPr id="155" name="可选流程 154"/>
+          <p:cNvSpPr/>
+          <p:nvPr/>
+        </p:nvSpPr>
+        <p:spPr>
+          <a:xfrm>
+            <a:off x="823932" y="3369943"/>
+            <a:ext cx="1432847" cy="275832"/>
+          </a:xfrm>
+          <a:prstGeom prst="flowChartAlternateProcess">
+            <a:avLst/>
+          </a:prstGeom>
+          <a:solidFill>
+            <a:srgbClr val="4BACC6"/>
+          </a:solidFill>
+        </p:spPr>
+        <p:style>
+          <a:lnRef idx="0">
+            <a:schemeClr val="accent1"/>
+          </a:lnRef>
+          <a:fillRef idx="3">
+            <a:schemeClr val="accent1"/>
+          </a:fillRef>
+          <a:effectRef idx="3">
+            <a:schemeClr val="accent1"/>
+          </a:effectRef>
+          <a:fontRef idx="minor">
+            <a:schemeClr val="lt1"/>
+          </a:fontRef>
+        </p:style>
+        <p:txBody>
+          <a:bodyPr anchor="ctr"/>
+          <a:lstStyle/>
+          <a:p>
+            <a:pPr>
+              <a:defRPr/>
+            </a:pPr>
+            <a:r>
+              <a:rPr kumimoji="1" lang="en-US" altLang="zh-CN" sz="1400" dirty="0">
+                <a:latin typeface="Heiti SC Light" charset="-122"/>
+                <a:ea typeface="Heiti SC Light" charset="-122"/>
+                <a:cs typeface="Heiti SC Light" charset="-122"/>
+              </a:rPr>
+              <a:t>Rolling</a:t>
+            </a:r>
+            <a:r>
+              <a:rPr kumimoji="1" lang="zh-CN" altLang="en-US" sz="1400" dirty="0">
+                <a:latin typeface="Heiti SC Light" charset="-122"/>
+                <a:ea typeface="Heiti SC Light" charset="-122"/>
+                <a:cs typeface="Heiti SC Light" charset="-122"/>
+              </a:rPr>
+              <a:t>日志</a:t>
+            </a:r>
+            <a:endParaRPr kumimoji="1" lang="zh-CN" altLang="en-US" sz="1400" dirty="0">
+              <a:latin typeface="Heiti SC Light" charset="-122"/>
+              <a:ea typeface="Heiti SC Light" charset="-122"/>
+              <a:cs typeface="Heiti SC Light" charset="-122"/>
+            </a:endParaRPr>
+          </a:p>
+        </p:txBody>
+      </p:sp>
+      <p:sp>
+        <p:nvSpPr>
+          <p:cNvPr id="156" name="可选流程 155"/>
+          <p:cNvSpPr/>
+          <p:nvPr/>
+        </p:nvSpPr>
+        <p:spPr>
+          <a:xfrm>
+            <a:off x="823931" y="3804303"/>
+            <a:ext cx="1432847" cy="263850"/>
+          </a:xfrm>
+          <a:prstGeom prst="flowChartAlternateProcess">
+            <a:avLst/>
+          </a:prstGeom>
+          <a:solidFill>
+            <a:srgbClr val="4BACC6"/>
+          </a:solidFill>
+        </p:spPr>
+        <p:style>
+          <a:lnRef idx="0">
+            <a:schemeClr val="accent1"/>
+          </a:lnRef>
+          <a:fillRef idx="3">
+            <a:schemeClr val="accent1"/>
+          </a:fillRef>
+          <a:effectRef idx="3">
+            <a:schemeClr val="accent1"/>
+          </a:effectRef>
+          <a:fontRef idx="minor">
+            <a:schemeClr val="lt1"/>
+          </a:fontRef>
+        </p:style>
+        <p:txBody>
+          <a:bodyPr anchor="ctr"/>
+          <a:lstStyle/>
+          <a:p>
+            <a:pPr>
+              <a:defRPr/>
+            </a:pPr>
+            <a:r>
+              <a:rPr kumimoji="1" lang="en-US" altLang="zh-CN" sz="1400" dirty="0">
+                <a:latin typeface="Heiti SC Light" charset="-122"/>
+                <a:ea typeface="Heiti SC Light" charset="-122"/>
+                <a:cs typeface="Heiti SC Light" charset="-122"/>
+              </a:rPr>
+              <a:t>GLUE</a:t>
+            </a:r>
+            <a:r>
+              <a:rPr kumimoji="1" lang="zh-CN" altLang="en-US" sz="1400" dirty="0">
+                <a:latin typeface="Heiti SC Light" charset="-122"/>
+                <a:ea typeface="Heiti SC Light" charset="-122"/>
+                <a:cs typeface="Heiti SC Light" charset="-122"/>
+              </a:rPr>
+              <a:t>版本日志</a:t>
+            </a:r>
+            <a:endParaRPr kumimoji="1" lang="zh-CN" altLang="en-US" sz="1400" dirty="0">
+              <a:latin typeface="Heiti SC Light" charset="-122"/>
+              <a:ea typeface="Heiti SC Light" charset="-122"/>
+              <a:cs typeface="Heiti SC Light" charset="-122"/>
+            </a:endParaRPr>
+          </a:p>
+        </p:txBody>
+      </p:sp>
+      <p:sp>
+        <p:nvSpPr>
+          <p:cNvPr id="157" name="可选流程 156"/>
+          <p:cNvSpPr/>
+          <p:nvPr/>
+        </p:nvSpPr>
+        <p:spPr>
+          <a:xfrm>
+            <a:off x="823930" y="4186561"/>
+            <a:ext cx="1432847" cy="263850"/>
+          </a:xfrm>
+          <a:prstGeom prst="flowChartAlternateProcess">
+            <a:avLst/>
+          </a:prstGeom>
+          <a:solidFill>
+            <a:srgbClr val="4BACC6"/>
+          </a:solidFill>
+        </p:spPr>
+        <p:style>
+          <a:lnRef idx="0">
+            <a:schemeClr val="accent1"/>
+          </a:lnRef>
+          <a:fillRef idx="3">
+            <a:schemeClr val="accent1"/>
+          </a:fillRef>
+          <a:effectRef idx="3">
+            <a:schemeClr val="accent1"/>
+          </a:effectRef>
+          <a:fontRef idx="minor">
+            <a:schemeClr val="lt1"/>
+          </a:fontRef>
+        </p:style>
+        <p:txBody>
+          <a:bodyPr anchor="ctr"/>
+          <a:lstStyle/>
+          <a:p>
+            <a:pPr>
+              <a:defRPr/>
+            </a:pPr>
+            <a:r>
+              <a:rPr kumimoji="1" lang="en-US" altLang="zh-CN" sz="1400" dirty="0" smtClean="0">
+                <a:latin typeface="Heiti SC Light" charset="-122"/>
+                <a:ea typeface="Heiti SC Light" charset="-122"/>
+                <a:cs typeface="Heiti SC Light" charset="-122"/>
+              </a:rPr>
+              <a:t>……</a:t>
+            </a:r>
+            <a:endParaRPr kumimoji="1" lang="zh-CN" altLang="en-US" sz="1400" dirty="0">
+              <a:latin typeface="Heiti SC Light" charset="-122"/>
+              <a:ea typeface="Heiti SC Light" charset="-122"/>
+              <a:cs typeface="Heiti SC Light" charset="-122"/>
+            </a:endParaRPr>
+          </a:p>
+        </p:txBody>
+      </p:sp>
+      <p:sp>
+        <p:nvSpPr>
+          <p:cNvPr id="158" name="矩形 157"/>
+          <p:cNvSpPr/>
+          <p:nvPr/>
+        </p:nvSpPr>
+        <p:spPr>
+          <a:xfrm>
+            <a:off x="2384122" y="2645252"/>
+            <a:ext cx="1672839" cy="1974030"/>
+          </a:xfrm>
+          <a:prstGeom prst="rect">
+            <a:avLst/>
+          </a:prstGeom>
+          <a:solidFill>
+            <a:srgbClr val="E0EBFF"/>
+          </a:solidFill>
+          <a:ln>
+            <a:noFill/>
+          </a:ln>
+        </p:spPr>
+        <p:style>
+          <a:lnRef idx="1">
+            <a:schemeClr val="accent1"/>
+          </a:lnRef>
+          <a:fillRef idx="2">
+            <a:schemeClr val="accent1"/>
+          </a:fillRef>
+          <a:effectRef idx="1">
+            <a:schemeClr val="accent1"/>
+          </a:effectRef>
+          <a:fontRef idx="minor">
+            <a:schemeClr val="dk1"/>
+          </a:fontRef>
+        </p:style>
+        <p:txBody>
+          <a:bodyPr anchor="t"/>
+          <a:lstStyle/>
+          <a:p>
+            <a:pPr algn="ctr">
+              <a:defRPr/>
+            </a:pPr>
+            <a:r>
+              <a:rPr kumimoji="1" lang="zh-CN" altLang="en-US" sz="1400" dirty="0" smtClean="0">
+                <a:latin typeface="Heiti SC Light" charset="-122"/>
+                <a:ea typeface="Heiti SC Light" charset="-122"/>
+                <a:cs typeface="Heiti SC Light" charset="-122"/>
+              </a:rPr>
+              <a:t>其他</a:t>
+            </a:r>
+            <a:endParaRPr kumimoji="1" lang="zh-CN" altLang="en-US" sz="1400" dirty="0">
+              <a:latin typeface="Heiti SC Light" charset="-122"/>
+              <a:ea typeface="Heiti SC Light" charset="-122"/>
+              <a:cs typeface="Heiti SC Light" charset="-122"/>
+            </a:endParaRPr>
+          </a:p>
+        </p:txBody>
+      </p:sp>
+      <p:sp>
+        <p:nvSpPr>
+          <p:cNvPr id="159" name="可选流程 158"/>
+          <p:cNvSpPr/>
+          <p:nvPr/>
+        </p:nvSpPr>
+        <p:spPr>
+          <a:xfrm>
+            <a:off x="2463148" y="2972582"/>
+            <a:ext cx="1535914" cy="251629"/>
+          </a:xfrm>
+          <a:prstGeom prst="flowChartAlternateProcess">
+            <a:avLst/>
+          </a:prstGeom>
+          <a:solidFill>
+            <a:srgbClr val="6095C9"/>
+          </a:solidFill>
+        </p:spPr>
+        <p:style>
+          <a:lnRef idx="0">
+            <a:schemeClr val="accent1"/>
+          </a:lnRef>
+          <a:fillRef idx="3">
+            <a:schemeClr val="accent1"/>
+          </a:fillRef>
+          <a:effectRef idx="3">
+            <a:schemeClr val="accent1"/>
+          </a:effectRef>
+          <a:fontRef idx="minor">
+            <a:schemeClr val="lt1"/>
+          </a:fontRef>
+        </p:style>
+        <p:txBody>
+          <a:bodyPr anchor="ctr"/>
+          <a:lstStyle/>
+          <a:p>
+            <a:pPr>
+              <a:defRPr/>
+            </a:pPr>
+            <a:r>
+              <a:rPr kumimoji="1" lang="zh-CN" altLang="en-US" sz="1400" dirty="0" smtClean="0">
+                <a:latin typeface="Heiti SC Light" charset="-122"/>
+                <a:ea typeface="Heiti SC Light" charset="-122"/>
+                <a:cs typeface="Heiti SC Light" charset="-122"/>
+              </a:rPr>
+              <a:t>运行报表</a:t>
+            </a:r>
+            <a:endParaRPr kumimoji="1" lang="zh-CN" altLang="en-US" sz="1400" dirty="0">
+              <a:latin typeface="Heiti SC Light" charset="-122"/>
+              <a:ea typeface="Heiti SC Light" charset="-122"/>
+              <a:cs typeface="Heiti SC Light" charset="-122"/>
+            </a:endParaRPr>
+          </a:p>
+        </p:txBody>
+      </p:sp>
+      <p:sp>
+        <p:nvSpPr>
+          <p:cNvPr id="160" name="可选流程 159"/>
+          <p:cNvSpPr/>
+          <p:nvPr/>
+        </p:nvSpPr>
+        <p:spPr>
+          <a:xfrm>
+            <a:off x="2463148" y="3363264"/>
+            <a:ext cx="1535914" cy="281598"/>
+          </a:xfrm>
+          <a:prstGeom prst="flowChartAlternateProcess">
+            <a:avLst/>
+          </a:prstGeom>
+          <a:solidFill>
+            <a:srgbClr val="6095C9"/>
+          </a:solidFill>
+        </p:spPr>
+        <p:style>
+          <a:lnRef idx="0">
+            <a:schemeClr val="accent1"/>
+          </a:lnRef>
+          <a:fillRef idx="3">
+            <a:schemeClr val="accent1"/>
+          </a:fillRef>
+          <a:effectRef idx="3">
+            <a:schemeClr val="accent1"/>
+          </a:effectRef>
+          <a:fontRef idx="minor">
+            <a:schemeClr val="lt1"/>
+          </a:fontRef>
+        </p:style>
+        <p:txBody>
+          <a:bodyPr anchor="ctr"/>
+          <a:lstStyle/>
+          <a:p>
+            <a:pPr>
+              <a:defRPr/>
+            </a:pPr>
+            <a:r>
+              <a:rPr kumimoji="1" lang="zh-CN" altLang="en-US" sz="1400" dirty="0" smtClean="0">
+                <a:latin typeface="Heiti SC Light" charset="-122"/>
+                <a:ea typeface="Heiti SC Light" charset="-122"/>
+                <a:cs typeface="Heiti SC Light" charset="-122"/>
+              </a:rPr>
+              <a:t>失败告警</a:t>
+            </a:r>
+            <a:endParaRPr kumimoji="1" lang="zh-CN" altLang="en-US" sz="1400" dirty="0">
+              <a:latin typeface="Heiti SC Light" charset="-122"/>
+              <a:ea typeface="Heiti SC Light" charset="-122"/>
+              <a:cs typeface="Heiti SC Light" charset="-122"/>
+            </a:endParaRPr>
+          </a:p>
+        </p:txBody>
+      </p:sp>
+      <p:sp>
+        <p:nvSpPr>
+          <p:cNvPr id="161" name="可选流程 160"/>
+          <p:cNvSpPr/>
+          <p:nvPr/>
+        </p:nvSpPr>
+        <p:spPr>
+          <a:xfrm>
+            <a:off x="2463148" y="3787601"/>
+            <a:ext cx="1535914" cy="255324"/>
+          </a:xfrm>
+          <a:prstGeom prst="flowChartAlternateProcess">
+            <a:avLst/>
+          </a:prstGeom>
+          <a:solidFill>
+            <a:srgbClr val="6095C9"/>
+          </a:solidFill>
+        </p:spPr>
+        <p:style>
+          <a:lnRef idx="0">
+            <a:schemeClr val="accent1"/>
+          </a:lnRef>
+          <a:fillRef idx="3">
+            <a:schemeClr val="accent1"/>
+          </a:fillRef>
+          <a:effectRef idx="3">
+            <a:schemeClr val="accent1"/>
+          </a:effectRef>
+          <a:fontRef idx="minor">
+            <a:schemeClr val="lt1"/>
+          </a:fontRef>
+        </p:style>
+        <p:txBody>
+          <a:bodyPr anchor="ctr"/>
+          <a:lstStyle/>
+          <a:p>
+            <a:pPr>
+              <a:defRPr/>
+            </a:pPr>
+            <a:r>
+              <a:rPr kumimoji="1" lang="zh-CN" altLang="en-US" sz="1400" dirty="0" smtClean="0">
+                <a:latin typeface="Heiti SC Light" charset="-122"/>
+                <a:ea typeface="Heiti SC Light" charset="-122"/>
+                <a:cs typeface="Heiti SC Light" charset="-122"/>
+              </a:rPr>
+              <a:t>任务依赖</a:t>
+            </a:r>
+            <a:endParaRPr kumimoji="1" lang="zh-CN" altLang="en-US" sz="1400" dirty="0">
+              <a:latin typeface="Heiti SC Light" charset="-122"/>
+              <a:ea typeface="Heiti SC Light" charset="-122"/>
+              <a:cs typeface="Heiti SC Light" charset="-122"/>
+            </a:endParaRPr>
+          </a:p>
+        </p:txBody>
+      </p:sp>
+      <p:sp>
+        <p:nvSpPr>
+          <p:cNvPr id="162" name="可选流程 161"/>
+          <p:cNvSpPr/>
+          <p:nvPr/>
+        </p:nvSpPr>
+        <p:spPr>
+          <a:xfrm>
+            <a:off x="2463148" y="4163682"/>
+            <a:ext cx="1535914" cy="274201"/>
+          </a:xfrm>
+          <a:prstGeom prst="flowChartAlternateProcess">
+            <a:avLst/>
+          </a:prstGeom>
+          <a:solidFill>
+            <a:srgbClr val="6095C9"/>
+          </a:solidFill>
+        </p:spPr>
+        <p:style>
+          <a:lnRef idx="0">
+            <a:schemeClr val="accent1"/>
+          </a:lnRef>
+          <a:fillRef idx="3">
+            <a:schemeClr val="accent1"/>
+          </a:fillRef>
+          <a:effectRef idx="3">
+            <a:schemeClr val="accent1"/>
+          </a:effectRef>
+          <a:fontRef idx="minor">
+            <a:schemeClr val="lt1"/>
+          </a:fontRef>
+        </p:style>
+        <p:txBody>
+          <a:bodyPr anchor="ctr"/>
+          <a:lstStyle/>
+          <a:p>
+            <a:pPr>
+              <a:defRPr/>
+            </a:pPr>
+            <a:r>
+              <a:rPr kumimoji="1" lang="en-US" altLang="zh-CN" sz="1400" dirty="0" smtClean="0">
+                <a:latin typeface="Heiti SC Light" charset="-122"/>
+                <a:ea typeface="Heiti SC Light" charset="-122"/>
+                <a:cs typeface="Heiti SC Light" charset="-122"/>
+              </a:rPr>
+              <a:t>……</a:t>
+            </a:r>
+            <a:endParaRPr kumimoji="1" lang="zh-CN" altLang="en-US" sz="1400" dirty="0">
+              <a:latin typeface="Heiti SC Light" charset="-122"/>
+              <a:ea typeface="Heiti SC Light" charset="-122"/>
+              <a:cs typeface="Heiti SC Light" charset="-122"/>
+            </a:endParaRPr>
+          </a:p>
+        </p:txBody>
+      </p:sp>
+      <p:sp>
+        <p:nvSpPr>
+          <p:cNvPr id="30" name="可选流程 29"/>
+          <p:cNvSpPr/>
+          <p:nvPr/>
+        </p:nvSpPr>
+        <p:spPr>
+          <a:xfrm>
+            <a:off x="7014110" y="4032079"/>
+            <a:ext cx="4447045" cy="572813"/>
+          </a:xfrm>
+          <a:prstGeom prst="flowChartAlternateProcess">
+            <a:avLst/>
+          </a:prstGeom>
+          <a:solidFill>
+            <a:srgbClr val="9379B3"/>
+          </a:solidFill>
+        </p:spPr>
+        <p:style>
+          <a:lnRef idx="0">
+            <a:schemeClr val="accent1"/>
+          </a:lnRef>
+          <a:fillRef idx="3">
+            <a:schemeClr val="accent1"/>
+          </a:fillRef>
+          <a:effectRef idx="3">
+            <a:schemeClr val="accent1"/>
+          </a:effectRef>
+          <a:fontRef idx="minor">
+            <a:schemeClr val="lt1"/>
+          </a:fontRef>
+        </p:style>
+        <p:txBody>
+          <a:bodyPr anchor="ctr"/>
+          <a:lstStyle/>
+          <a:p>
+            <a:pPr algn="ctr">
+              <a:defRPr/>
+            </a:pPr>
+            <a:r>
+              <a:rPr kumimoji="1" lang="zh-CN" altLang="en-US" sz="1400" dirty="0">
+                <a:latin typeface="Heiti SC Light" charset="-122"/>
+                <a:ea typeface="Heiti SC Light" charset="-122"/>
+                <a:cs typeface="Heiti SC Light" charset="-122"/>
+              </a:rPr>
+              <a:t>自动注册</a:t>
+            </a:r>
+          </a:p>
+          <a:p>
+            <a:pPr algn="ctr">
+              <a:defRPr/>
+            </a:pPr>
+            <a:r>
+              <a:rPr kumimoji="1" lang="en-US" altLang="zh-CN" sz="1400" dirty="0" smtClean="0">
+                <a:latin typeface="Heiti SC Light" charset="-122"/>
+                <a:ea typeface="Heiti SC Light" charset="-122"/>
+                <a:cs typeface="Heiti SC Light" charset="-122"/>
+              </a:rPr>
+              <a:t>(</a:t>
+            </a:r>
+            <a:r>
+              <a:rPr kumimoji="1" lang="zh-CN" altLang="en-US" sz="1400" dirty="0">
+                <a:latin typeface="Heiti SC Light" charset="-122"/>
+                <a:ea typeface="Heiti SC Light" charset="-122"/>
+                <a:cs typeface="Heiti SC Light" charset="-122"/>
+              </a:rPr>
+              <a:t>执行器</a:t>
+            </a:r>
+            <a:r>
+              <a:rPr kumimoji="1" lang="en-US" altLang="zh-CN" sz="1400" dirty="0" smtClean="0">
+                <a:latin typeface="Heiti SC Light" charset="-122"/>
+                <a:ea typeface="Heiti SC Light" charset="-122"/>
+                <a:cs typeface="Heiti SC Light" charset="-122"/>
+              </a:rPr>
+              <a:t>)</a:t>
+            </a:r>
+            <a:endParaRPr kumimoji="1" lang="zh-CN" altLang="en-US" sz="1400" dirty="0">
+              <a:latin typeface="Heiti SC Light" charset="-122"/>
+              <a:ea typeface="Heiti SC Light" charset="-122"/>
+              <a:cs typeface="Heiti SC Light" charset="-122"/>
+            </a:endParaRPr>
+          </a:p>
+        </p:txBody>
+      </p:sp>
+      <p:sp>
+        <p:nvSpPr>
+          <p:cNvPr id="97" name="可选流程 96"/>
+          <p:cNvSpPr/>
+          <p:nvPr/>
+        </p:nvSpPr>
+        <p:spPr>
+          <a:xfrm>
+            <a:off x="6989368" y="857386"/>
+            <a:ext cx="2444679" cy="586589"/>
+          </a:xfrm>
+          <a:prstGeom prst="flowChartAlternateProcess">
+            <a:avLst/>
+          </a:prstGeom>
+        </p:spPr>
+        <p:style>
+          <a:lnRef idx="0">
+            <a:schemeClr val="accent2"/>
+          </a:lnRef>
+          <a:fillRef idx="3">
+            <a:schemeClr val="accent2"/>
+          </a:fillRef>
+          <a:effectRef idx="3">
+            <a:schemeClr val="accent2"/>
+          </a:effectRef>
+          <a:fontRef idx="minor">
+            <a:schemeClr val="lt1"/>
+          </a:fontRef>
+        </p:style>
+        <p:txBody>
+          <a:bodyPr rtlCol="0" anchor="ctr"/>
+          <a:lstStyle/>
+          <a:p>
+            <a:pPr algn="ctr"/>
+            <a:r>
+              <a:rPr kumimoji="1" lang="zh-CN" altLang="en-US" sz="1400" dirty="0" smtClean="0">
+                <a:latin typeface="Heiti SC Light" charset="-122"/>
+                <a:ea typeface="Heiti SC Light" charset="-122"/>
+                <a:cs typeface="Heiti SC Light" charset="-122"/>
+              </a:rPr>
+              <a:t>执行器服务</a:t>
+            </a:r>
+            <a:r>
+              <a:rPr kumimoji="1" lang="en-US" altLang="zh-CN" sz="1400" dirty="0" smtClean="0">
+                <a:latin typeface="Heiti SC Light" charset="-122"/>
+                <a:ea typeface="Heiti SC Light" charset="-122"/>
+                <a:cs typeface="Heiti SC Light" charset="-122"/>
+              </a:rPr>
+              <a:t>(jetty)</a:t>
+            </a:r>
+            <a:endParaRPr kumimoji="1" lang="zh-CN" altLang="en-US" sz="1400" dirty="0">
+              <a:latin typeface="Heiti SC Light" charset="-122"/>
+              <a:ea typeface="Heiti SC Light" charset="-122"/>
+              <a:cs typeface="Heiti SC Light" charset="-122"/>
+            </a:endParaRPr>
+          </a:p>
+        </p:txBody>
+      </p:sp>
+      <p:cxnSp>
+        <p:nvCxnSpPr>
+          <p:cNvPr id="99" name="直线箭头连接符 98"/>
+          <p:cNvCxnSpPr>
+            <a:stCxn id="3" idx="3"/>
+          </p:cNvCxnSpPr>
+          <p:nvPr/>
+        </p:nvCxnSpPr>
+        <p:spPr>
+          <a:xfrm flipV="1">
+            <a:off x="5931089" y="1161234"/>
+            <a:ext cx="1041621" cy="2846"/>
+          </a:xfrm>
+          <a:prstGeom prst="straightConnector1">
+            <a:avLst/>
+          </a:prstGeom>
+          <a:ln w="28575">
+            <a:prstDash val="sysDash"/>
+            <a:headEnd type="none" w="med" len="med"/>
+            <a:tailEnd type="arrow" w="med" len="med"/>
+          </a:ln>
+        </p:spPr>
+        <p:style>
+          <a:lnRef idx="2">
+            <a:schemeClr val="accent1"/>
+          </a:lnRef>
+          <a:fillRef idx="0">
+            <a:schemeClr val="accent1"/>
+          </a:fillRef>
+          <a:effectRef idx="1">
+            <a:schemeClr val="accent1"/>
+          </a:effectRef>
+          <a:fontRef idx="minor">
+            <a:schemeClr val="tx1"/>
+          </a:fontRef>
+        </p:style>
+      </p:cxnSp>
+      <p:sp>
+        <p:nvSpPr>
+          <p:cNvPr id="169" name="矩形 168"/>
+          <p:cNvSpPr/>
+          <p:nvPr/>
+        </p:nvSpPr>
+        <p:spPr>
+          <a:xfrm>
+            <a:off x="9895204" y="688297"/>
+            <a:ext cx="1588645" cy="1867343"/>
+          </a:xfrm>
+          <a:prstGeom prst="rect">
+            <a:avLst/>
+          </a:prstGeom>
+          <a:solidFill>
+            <a:srgbClr val="DEF7FF"/>
+          </a:solidFill>
+          <a:ln>
+            <a:noFill/>
+          </a:ln>
+        </p:spPr>
+        <p:style>
+          <a:lnRef idx="1">
+            <a:schemeClr val="accent1"/>
+          </a:lnRef>
+          <a:fillRef idx="2">
+            <a:schemeClr val="accent1"/>
+          </a:fillRef>
+          <a:effectRef idx="1">
+            <a:schemeClr val="accent1"/>
+          </a:effectRef>
+          <a:fontRef idx="minor">
+            <a:schemeClr val="dk1"/>
+          </a:fontRef>
+        </p:style>
+        <p:txBody>
+          <a:bodyPr anchor="b"/>
+          <a:lstStyle/>
+          <a:p>
+            <a:pPr algn="ctr">
+              <a:defRPr/>
+            </a:pPr>
+            <a:endParaRPr kumimoji="1" lang="zh-CN" altLang="en-US" sz="1600" b="1" dirty="0">
+              <a:latin typeface="Heiti SC Light" charset="-122"/>
+              <a:ea typeface="Heiti SC Light" charset="-122"/>
+              <a:cs typeface="Heiti SC Light" charset="-122"/>
+            </a:endParaRPr>
+          </a:p>
+        </p:txBody>
+      </p:sp>
+      <p:cxnSp>
+        <p:nvCxnSpPr>
+          <p:cNvPr id="171" name="直线箭头连接符 170"/>
+          <p:cNvCxnSpPr/>
+          <p:nvPr/>
+        </p:nvCxnSpPr>
+        <p:spPr>
+          <a:xfrm>
+            <a:off x="9450705" y="1164079"/>
+            <a:ext cx="444499" cy="0"/>
+          </a:xfrm>
+          <a:prstGeom prst="straightConnector1">
+            <a:avLst/>
+          </a:prstGeom>
+          <a:ln w="28575">
+            <a:prstDash val="sysDash"/>
+            <a:headEnd type="none" w="med" len="med"/>
+            <a:tailEnd type="arrow" w="med" len="med"/>
+          </a:ln>
+        </p:spPr>
+        <p:style>
+          <a:lnRef idx="2">
+            <a:schemeClr val="accent1"/>
+          </a:lnRef>
+          <a:fillRef idx="0">
+            <a:schemeClr val="accent1"/>
+          </a:fillRef>
+          <a:effectRef idx="1">
+            <a:schemeClr val="accent1"/>
+          </a:effectRef>
+          <a:fontRef idx="minor">
+            <a:schemeClr val="tx1"/>
+          </a:fontRef>
+        </p:style>
+      </p:cxnSp>
+      <p:sp>
+        <p:nvSpPr>
+          <p:cNvPr id="177" name="矩形 176"/>
+          <p:cNvSpPr/>
+          <p:nvPr/>
+        </p:nvSpPr>
+        <p:spPr>
+          <a:xfrm>
+            <a:off x="7014562" y="1699038"/>
+            <a:ext cx="2531675" cy="856602"/>
+          </a:xfrm>
+          <a:prstGeom prst="rect">
+            <a:avLst/>
+          </a:prstGeom>
+          <a:solidFill>
+            <a:srgbClr val="E0EBFF"/>
+          </a:solidFill>
+          <a:ln>
+            <a:solidFill>
+              <a:srgbClr val="FFF2CD"/>
+            </a:solidFill>
+          </a:ln>
+        </p:spPr>
+        <p:style>
+          <a:lnRef idx="1">
+            <a:schemeClr val="accent1"/>
+          </a:lnRef>
+          <a:fillRef idx="2">
+            <a:schemeClr val="accent1"/>
+          </a:fillRef>
+          <a:effectRef idx="1">
+            <a:schemeClr val="accent1"/>
+          </a:effectRef>
+          <a:fontRef idx="minor">
+            <a:schemeClr val="dk1"/>
+          </a:fontRef>
+        </p:style>
+        <p:txBody>
+          <a:bodyPr anchor="b"/>
+          <a:lstStyle/>
+          <a:p>
+            <a:pPr algn="ctr">
+              <a:defRPr/>
+            </a:pPr>
+            <a:endParaRPr kumimoji="1" lang="zh-CN" altLang="en-US" sz="1600" b="1" dirty="0">
+              <a:latin typeface="Heiti SC Light" charset="-122"/>
+              <a:ea typeface="Heiti SC Light" charset="-122"/>
+              <a:cs typeface="Heiti SC Light" charset="-122"/>
+            </a:endParaRPr>
+          </a:p>
+        </p:txBody>
+      </p:sp>
+      <p:sp>
+        <p:nvSpPr>
+          <p:cNvPr id="178" name="磁盘 177"/>
+          <p:cNvSpPr/>
+          <p:nvPr/>
+        </p:nvSpPr>
+        <p:spPr>
+          <a:xfrm>
+            <a:off x="7126524" y="1789337"/>
+            <a:ext cx="1128362" cy="644066"/>
+          </a:xfrm>
+          <a:prstGeom prst="flowChartMagneticDisk">
+            <a:avLst/>
+          </a:prstGeom>
+        </p:spPr>
+        <p:style>
+          <a:lnRef idx="1">
+            <a:schemeClr val="accent4"/>
+          </a:lnRef>
+          <a:fillRef idx="2">
+            <a:schemeClr val="accent4"/>
+          </a:fillRef>
+          <a:effectRef idx="1">
+            <a:schemeClr val="accent4"/>
+          </a:effectRef>
+          <a:fontRef idx="minor">
+            <a:schemeClr val="dk1"/>
+          </a:fontRef>
+        </p:style>
+        <p:txBody>
+          <a:bodyPr rtlCol="0" anchor="ctr"/>
+          <a:lstStyle/>
+          <a:p>
+            <a:pPr algn="ctr"/>
+            <a:r>
+              <a:rPr kumimoji="1" lang="zh-CN" altLang="en-US" sz="1400" dirty="0" smtClean="0">
+                <a:latin typeface="Heiti SC Light" charset="-122"/>
+                <a:ea typeface="Heiti SC Light" charset="-122"/>
+                <a:cs typeface="Heiti SC Light" charset="-122"/>
+              </a:rPr>
+              <a:t>调度结果</a:t>
+            </a:r>
+          </a:p>
+          <a:p>
+            <a:pPr algn="ctr"/>
+            <a:r>
+              <a:rPr kumimoji="1" lang="en-US" altLang="zh-CN" sz="1400" dirty="0" smtClean="0">
+                <a:latin typeface="Heiti SC Light" charset="-122"/>
+                <a:ea typeface="Heiti SC Light" charset="-122"/>
+                <a:cs typeface="Heiti SC Light" charset="-122"/>
+              </a:rPr>
+              <a:t>(queue)</a:t>
+            </a:r>
+            <a:endParaRPr kumimoji="1" lang="zh-CN" altLang="en-US" sz="1400" dirty="0">
+              <a:latin typeface="Heiti SC Light" charset="-122"/>
+              <a:ea typeface="Heiti SC Light" charset="-122"/>
+              <a:cs typeface="Heiti SC Light" charset="-122"/>
+            </a:endParaRPr>
+          </a:p>
+        </p:txBody>
+      </p:sp>
+      <p:cxnSp>
+        <p:nvCxnSpPr>
+          <p:cNvPr id="182" name="直线箭头连接符 181"/>
+          <p:cNvCxnSpPr/>
+          <p:nvPr/>
+        </p:nvCxnSpPr>
+        <p:spPr>
+          <a:xfrm flipH="1" flipV="1">
+            <a:off x="9533537" y="2187570"/>
+            <a:ext cx="361667" cy="1"/>
+          </a:xfrm>
+          <a:prstGeom prst="straightConnector1">
+            <a:avLst/>
+          </a:prstGeom>
+          <a:ln w="28575">
+            <a:prstDash val="sysDash"/>
+            <a:headEnd type="none" w="med" len="med"/>
+            <a:tailEnd type="arrow" w="med" len="med"/>
+          </a:ln>
+        </p:spPr>
+        <p:style>
+          <a:lnRef idx="2">
+            <a:schemeClr val="accent1"/>
+          </a:lnRef>
+          <a:fillRef idx="0">
+            <a:schemeClr val="accent1"/>
+          </a:fillRef>
+          <a:effectRef idx="1">
+            <a:schemeClr val="accent1"/>
+          </a:effectRef>
+          <a:fontRef idx="minor">
+            <a:schemeClr val="tx1"/>
+          </a:fontRef>
+        </p:style>
+      </p:cxnSp>
+      <p:cxnSp>
+        <p:nvCxnSpPr>
+          <p:cNvPr id="185" name="直线箭头连接符 184"/>
+          <p:cNvCxnSpPr/>
+          <p:nvPr/>
+        </p:nvCxnSpPr>
+        <p:spPr>
+          <a:xfrm flipH="1">
+            <a:off x="5931088" y="2183395"/>
+            <a:ext cx="1083023" cy="11672"/>
+          </a:xfrm>
+          <a:prstGeom prst="straightConnector1">
+            <a:avLst/>
+          </a:prstGeom>
+          <a:ln w="28575">
+            <a:prstDash val="sysDash"/>
+            <a:headEnd type="none" w="med" len="med"/>
+            <a:tailEnd type="arrow" w="med" len="med"/>
+          </a:ln>
+        </p:spPr>
+        <p:style>
+          <a:lnRef idx="2">
+            <a:schemeClr val="accent1"/>
+          </a:lnRef>
+          <a:fillRef idx="0">
+            <a:schemeClr val="accent1"/>
+          </a:fillRef>
+          <a:effectRef idx="1">
+            <a:schemeClr val="accent1"/>
+          </a:effectRef>
+          <a:fontRef idx="minor">
+            <a:schemeClr val="tx1"/>
+          </a:fontRef>
+        </p:style>
+      </p:cxnSp>
+      <p:sp>
+        <p:nvSpPr>
+          <p:cNvPr id="194" name="可选流程 193"/>
+          <p:cNvSpPr/>
+          <p:nvPr/>
+        </p:nvSpPr>
+        <p:spPr>
+          <a:xfrm>
+            <a:off x="10032571" y="1561883"/>
+            <a:ext cx="1295671" cy="376213"/>
+          </a:xfrm>
+          <a:prstGeom prst="flowChartAlternateProcess">
+            <a:avLst/>
+          </a:prstGeom>
+          <a:solidFill>
+            <a:srgbClr val="4BACC6"/>
+          </a:solidFill>
+        </p:spPr>
+        <p:style>
+          <a:lnRef idx="0">
+            <a:schemeClr val="accent1"/>
+          </a:lnRef>
+          <a:fillRef idx="3">
+            <a:schemeClr val="accent1"/>
+          </a:fillRef>
+          <a:effectRef idx="3">
+            <a:schemeClr val="accent1"/>
+          </a:effectRef>
+          <a:fontRef idx="minor">
+            <a:schemeClr val="lt1"/>
+          </a:fontRef>
+        </p:style>
+        <p:txBody>
+          <a:bodyPr anchor="ctr"/>
+          <a:lstStyle/>
+          <a:p>
+            <a:pPr algn="ctr"/>
+            <a:r>
+              <a:rPr kumimoji="1" lang="en-US" altLang="zh-CN" sz="1400" dirty="0" err="1">
+                <a:latin typeface="Heiti SC Light" charset="-122"/>
+                <a:ea typeface="Heiti SC Light" charset="-122"/>
+                <a:cs typeface="Heiti SC Light" charset="-122"/>
+              </a:rPr>
+              <a:t>JobHandler</a:t>
+            </a:r>
+            <a:endParaRPr kumimoji="1" lang="zh-CN" altLang="en-US" sz="1400" dirty="0">
+              <a:latin typeface="Heiti SC Light" charset="-122"/>
+              <a:ea typeface="Heiti SC Light" charset="-122"/>
+              <a:cs typeface="Heiti SC Light" charset="-122"/>
+            </a:endParaRPr>
+          </a:p>
+        </p:txBody>
+      </p:sp>
+      <p:sp>
+        <p:nvSpPr>
+          <p:cNvPr id="195" name="可选流程 194"/>
+          <p:cNvSpPr/>
+          <p:nvPr/>
+        </p:nvSpPr>
+        <p:spPr>
+          <a:xfrm>
+            <a:off x="10032570" y="2077827"/>
+            <a:ext cx="1295671" cy="376213"/>
+          </a:xfrm>
+          <a:prstGeom prst="flowChartAlternateProcess">
+            <a:avLst/>
+          </a:prstGeom>
+          <a:solidFill>
+            <a:srgbClr val="4BACC6"/>
+          </a:solidFill>
+        </p:spPr>
+        <p:style>
+          <a:lnRef idx="0">
+            <a:schemeClr val="accent1"/>
+          </a:lnRef>
+          <a:fillRef idx="3">
+            <a:schemeClr val="accent1"/>
+          </a:fillRef>
+          <a:effectRef idx="3">
+            <a:schemeClr val="accent1"/>
+          </a:effectRef>
+          <a:fontRef idx="minor">
+            <a:schemeClr val="lt1"/>
+          </a:fontRef>
+        </p:style>
+        <p:txBody>
+          <a:bodyPr anchor="ctr"/>
+          <a:lstStyle/>
+          <a:p>
+            <a:pPr algn="ctr"/>
+            <a:r>
+              <a:rPr kumimoji="1" lang="zh-CN" altLang="en-US" sz="1400" dirty="0">
+                <a:latin typeface="Heiti SC Light" charset="-122"/>
+                <a:ea typeface="Heiti SC Light" charset="-122"/>
+                <a:cs typeface="Heiti SC Light" charset="-122"/>
+              </a:rPr>
+              <a:t>任务线程</a:t>
+            </a:r>
+            <a:endParaRPr kumimoji="1" lang="zh-CN" altLang="en-US" sz="1400" dirty="0">
+              <a:latin typeface="Heiti SC Light" charset="-122"/>
+              <a:ea typeface="Heiti SC Light" charset="-122"/>
+              <a:cs typeface="Heiti SC Light" charset="-122"/>
+            </a:endParaRPr>
+          </a:p>
+        </p:txBody>
+      </p:sp>
+      <p:sp>
+        <p:nvSpPr>
+          <p:cNvPr id="196" name="磁盘 195"/>
+          <p:cNvSpPr/>
+          <p:nvPr/>
+        </p:nvSpPr>
+        <p:spPr>
+          <a:xfrm>
+            <a:off x="10032572" y="793337"/>
+            <a:ext cx="1295671" cy="663886"/>
+          </a:xfrm>
+          <a:prstGeom prst="flowChartMagneticDisk">
+            <a:avLst/>
+          </a:prstGeom>
+        </p:spPr>
+        <p:style>
+          <a:lnRef idx="1">
+            <a:schemeClr val="accent4"/>
+          </a:lnRef>
+          <a:fillRef idx="2">
+            <a:schemeClr val="accent4"/>
+          </a:fillRef>
+          <a:effectRef idx="1">
+            <a:schemeClr val="accent4"/>
+          </a:effectRef>
+          <a:fontRef idx="minor">
+            <a:schemeClr val="dk1"/>
+          </a:fontRef>
+        </p:style>
+        <p:txBody>
+          <a:bodyPr anchor="ctr"/>
+          <a:lstStyle/>
+          <a:p>
+            <a:pPr algn="ctr"/>
+            <a:r>
+              <a:rPr kumimoji="1" lang="zh-CN" altLang="en-US" sz="1400" dirty="0">
+                <a:latin typeface="Heiti SC Light" charset="-122"/>
+                <a:ea typeface="Heiti SC Light" charset="-122"/>
+                <a:cs typeface="Heiti SC Light" charset="-122"/>
+              </a:rPr>
+              <a:t>调度请求</a:t>
+            </a:r>
+          </a:p>
+          <a:p>
+            <a:pPr algn="ctr"/>
+            <a:r>
+              <a:rPr kumimoji="1" lang="en-US" altLang="zh-CN" sz="1400" dirty="0">
+                <a:latin typeface="Heiti SC Light" charset="-122"/>
+                <a:ea typeface="Heiti SC Light" charset="-122"/>
+                <a:cs typeface="Heiti SC Light" charset="-122"/>
+              </a:rPr>
+              <a:t>(queue)</a:t>
+            </a:r>
+            <a:endParaRPr kumimoji="1" lang="zh-CN" altLang="en-US" sz="1400" dirty="0">
+              <a:latin typeface="Heiti SC Light" charset="-122"/>
+              <a:ea typeface="Heiti SC Light" charset="-122"/>
+              <a:cs typeface="Heiti SC Light" charset="-122"/>
+            </a:endParaRPr>
+          </a:p>
+        </p:txBody>
+      </p:sp>
+      <p:sp>
+        <p:nvSpPr>
+          <p:cNvPr id="197" name="可选流程 196"/>
+          <p:cNvSpPr/>
+          <p:nvPr/>
+        </p:nvSpPr>
+        <p:spPr>
+          <a:xfrm>
+            <a:off x="8392252" y="1850828"/>
+            <a:ext cx="1066971" cy="554033"/>
+          </a:xfrm>
+          <a:prstGeom prst="flowChartAlternateProcess">
+            <a:avLst/>
+          </a:prstGeom>
+          <a:solidFill>
+            <a:srgbClr val="6095C9"/>
+          </a:solidFill>
+        </p:spPr>
+        <p:style>
+          <a:lnRef idx="0">
+            <a:schemeClr val="accent1"/>
+          </a:lnRef>
+          <a:fillRef idx="3">
+            <a:schemeClr val="accent1"/>
+          </a:fillRef>
+          <a:effectRef idx="3">
+            <a:schemeClr val="accent1"/>
+          </a:effectRef>
+          <a:fontRef idx="minor">
+            <a:schemeClr val="lt1"/>
+          </a:fontRef>
+        </p:style>
+        <p:txBody>
+          <a:bodyPr anchor="ctr"/>
+          <a:lstStyle/>
+          <a:p>
+            <a:pPr algn="ctr"/>
+            <a:r>
+              <a:rPr kumimoji="1" lang="zh-CN" altLang="en-US" sz="1400" dirty="0">
+                <a:latin typeface="Heiti SC Light" charset="-122"/>
+                <a:ea typeface="Heiti SC Light" charset="-122"/>
+                <a:cs typeface="Heiti SC Light" charset="-122"/>
+              </a:rPr>
+              <a:t>回调线程</a:t>
+            </a:r>
+            <a:endParaRPr kumimoji="1" lang="zh-CN" altLang="en-US" sz="1400" dirty="0">
+              <a:latin typeface="Heiti SC Light" charset="-122"/>
+              <a:ea typeface="Heiti SC Light" charset="-122"/>
+              <a:cs typeface="Heiti SC Light" charset="-122"/>
+            </a:endParaRPr>
+          </a:p>
+        </p:txBody>
+      </p:sp>
+      <p:sp>
+        <p:nvSpPr>
+          <p:cNvPr id="203" name="圆角矩形 202"/>
+          <p:cNvSpPr/>
+          <p:nvPr/>
+        </p:nvSpPr>
+        <p:spPr>
+          <a:xfrm>
+            <a:off x="9895203" y="2893987"/>
+            <a:ext cx="1565953" cy="585805"/>
+          </a:xfrm>
+          <a:prstGeom prst="roundRect">
+            <a:avLst/>
+          </a:prstGeom>
+          <a:solidFill>
+            <a:srgbClr val="58B8D1"/>
+          </a:solidFill>
+        </p:spPr>
+        <p:style>
+          <a:lnRef idx="0">
+            <a:schemeClr val="accent1"/>
+          </a:lnRef>
+          <a:fillRef idx="3">
+            <a:schemeClr val="accent1"/>
+          </a:fillRef>
+          <a:effectRef idx="3">
+            <a:schemeClr val="accent1"/>
+          </a:effectRef>
+          <a:fontRef idx="minor">
+            <a:schemeClr val="lt1"/>
+          </a:fontRef>
+        </p:style>
+        <p:txBody>
+          <a:bodyPr anchor="ctr"/>
+          <a:lstStyle/>
+          <a:p>
+            <a:pPr algn="ctr">
+              <a:defRPr/>
+            </a:pPr>
+            <a:r>
+              <a:rPr kumimoji="1" lang="en-US" altLang="zh-CN" sz="1400" dirty="0" smtClean="0">
+                <a:latin typeface="Heiti SC Light" charset="-122"/>
+                <a:ea typeface="Heiti SC Light" charset="-122"/>
+                <a:cs typeface="Heiti SC Light" charset="-122"/>
+              </a:rPr>
+              <a:t>Log</a:t>
+            </a:r>
+            <a:r>
+              <a:rPr kumimoji="1" lang="zh-CN" altLang="en-US" sz="1400" dirty="0" smtClean="0">
+                <a:latin typeface="Heiti SC Light" charset="-122"/>
+                <a:ea typeface="Heiti SC Light" charset="-122"/>
+                <a:cs typeface="Heiti SC Light" charset="-122"/>
+              </a:rPr>
+              <a:t>文件</a:t>
+            </a:r>
+            <a:endParaRPr kumimoji="1" lang="zh-CN" altLang="en-US" sz="1400" dirty="0">
+              <a:latin typeface="Heiti SC Light" charset="-122"/>
+              <a:ea typeface="Heiti SC Light" charset="-122"/>
+              <a:cs typeface="Heiti SC Light" charset="-122"/>
+            </a:endParaRPr>
+          </a:p>
+        </p:txBody>
+      </p:sp>
+      <p:cxnSp>
+        <p:nvCxnSpPr>
+          <p:cNvPr id="204" name="直线箭头连接符 203"/>
+          <p:cNvCxnSpPr>
+            <a:endCxn id="203" idx="0"/>
+          </p:cNvCxnSpPr>
+          <p:nvPr/>
+        </p:nvCxnSpPr>
+        <p:spPr>
+          <a:xfrm>
+            <a:off x="10668000" y="2555640"/>
+            <a:ext cx="10180" cy="338347"/>
+          </a:xfrm>
+          <a:prstGeom prst="straightConnector1">
+            <a:avLst/>
+          </a:prstGeom>
+          <a:ln w="28575">
+            <a:prstDash val="sysDash"/>
+            <a:headEnd type="none" w="med" len="med"/>
+            <a:tailEnd type="arrow" w="med" len="med"/>
+          </a:ln>
+        </p:spPr>
+        <p:style>
+          <a:lnRef idx="2">
+            <a:schemeClr val="accent1"/>
+          </a:lnRef>
+          <a:fillRef idx="0">
+            <a:schemeClr val="accent1"/>
+          </a:fillRef>
+          <a:effectRef idx="1">
+            <a:schemeClr val="accent1"/>
+          </a:effectRef>
+          <a:fontRef idx="minor">
+            <a:schemeClr val="tx1"/>
+          </a:fontRef>
+        </p:style>
+      </p:cxnSp>
+      <p:cxnSp>
+        <p:nvCxnSpPr>
+          <p:cNvPr id="207" name="直线箭头连接符 206"/>
+          <p:cNvCxnSpPr>
+            <a:stCxn id="203" idx="1"/>
+            <a:endCxn id="74" idx="3"/>
+          </p:cNvCxnSpPr>
+          <p:nvPr/>
+        </p:nvCxnSpPr>
+        <p:spPr>
+          <a:xfrm flipH="1">
+            <a:off x="5931088" y="3186890"/>
+            <a:ext cx="3964115" cy="1"/>
+          </a:xfrm>
+          <a:prstGeom prst="straightConnector1">
+            <a:avLst/>
+          </a:prstGeom>
+          <a:ln w="28575">
+            <a:prstDash val="sysDash"/>
+            <a:headEnd type="none" w="med" len="med"/>
+            <a:tailEnd type="arrow" w="med" len="med"/>
+          </a:ln>
+        </p:spPr>
+        <p:style>
+          <a:lnRef idx="2">
+            <a:schemeClr val="accent1"/>
+          </a:lnRef>
+          <a:fillRef idx="0">
+            <a:schemeClr val="accent1"/>
+          </a:fillRef>
+          <a:effectRef idx="1">
+            <a:schemeClr val="accent1"/>
+          </a:effectRef>
+          <a:fontRef idx="minor">
+            <a:schemeClr val="tx1"/>
+          </a:fontRef>
+        </p:style>
+      </p:cxnSp>
+    </p:spTree>
+    <p:extLst>
+      <p:ext uri="{BB962C8B-B14F-4D97-AF65-F5344CB8AC3E}">
+        <p14:creationId xmlns:p14="http://schemas.microsoft.com/office/powerpoint/2010/main" val="1678395511"/>
+      </p:ext>
+    </p:extLst>
+  </p:cSld>
+  <p:clrMapOvr>
+    <a:masterClrMapping/>
+  </p:clrMapOvr>
+  <p:timing>
+    <p:tnLst>
+      <p:par>
+        <p:cTn id="1" dur="indefinite" restart="never" nodeType="tmRoot"/>
+      </p:par>
+    </p:tnLst>
+  </p:timing>
 </p:sld>
 </file>
 

--- a/doc/架构图.pptx
+++ b/doc/架构图.pptx
@@ -8762,12 +8762,20 @@
               <a:defRPr/>
             </a:pPr>
             <a:r>
-              <a:rPr kumimoji="1" lang="zh-CN" altLang="en-US" sz="1600" b="1" dirty="0" smtClean="0">
+              <a:rPr kumimoji="1" lang="zh-CN" altLang="en-US" sz="1600" b="1" smtClean="0">
                 <a:latin typeface="Heiti SC Light" charset="-122"/>
                 <a:ea typeface="Heiti SC Light" charset="-122"/>
                 <a:cs typeface="Heiti SC Light" charset="-122"/>
               </a:rPr>
-              <a:t>数据中心</a:t>
+              <a:t>数据</a:t>
+            </a:r>
+            <a:r>
+              <a:rPr kumimoji="1" lang="zh-CN" altLang="en-US" sz="1600" b="1" smtClean="0">
+                <a:latin typeface="Heiti SC Light" charset="-122"/>
+                <a:ea typeface="Heiti SC Light" charset="-122"/>
+                <a:cs typeface="Heiti SC Light" charset="-122"/>
+              </a:rPr>
+              <a:t>中心</a:t>
             </a:r>
             <a:endParaRPr kumimoji="1" lang="zh-CN" altLang="en-US" sz="1600" b="1" dirty="0">
               <a:latin typeface="Heiti SC Light" charset="-122"/>
@@ -9253,15 +9261,7 @@
                 <a:ea typeface="Heiti SC Light" charset="-122"/>
                 <a:cs typeface="Heiti SC Light" charset="-122"/>
               </a:rPr>
-              <a:t>执行器</a:t>
-            </a:r>
-            <a:r>
-              <a:rPr kumimoji="1" lang="zh-CN" altLang="en-US" sz="1400" b="1" dirty="0" smtClean="0">
-                <a:latin typeface="Heiti SC Light" charset="-122"/>
-                <a:ea typeface="Heiti SC Light" charset="-122"/>
-                <a:cs typeface="Heiti SC Light" charset="-122"/>
-              </a:rPr>
-              <a:t>管理</a:t>
+              <a:t>执行器管理</a:t>
             </a:r>
             <a:endParaRPr kumimoji="1" lang="zh-CN" altLang="en-US" sz="1400" b="1" dirty="0">
               <a:latin typeface="Heiti SC Light" charset="-122"/>
@@ -9977,11 +9977,6 @@
               </a:rPr>
               <a:t>日志管理</a:t>
             </a:r>
-            <a:endParaRPr kumimoji="1" lang="zh-CN" altLang="en-US" sz="1400" b="1" dirty="0">
-              <a:latin typeface="Heiti SC Light" charset="-122"/>
-              <a:ea typeface="Heiti SC Light" charset="-122"/>
-              <a:cs typeface="Heiti SC Light" charset="-122"/>
-            </a:endParaRPr>
           </a:p>
         </p:txBody>
       </p:sp>
@@ -10032,11 +10027,6 @@
               </a:rPr>
               <a:t>调度日志</a:t>
             </a:r>
-            <a:endParaRPr kumimoji="1" lang="zh-CN" altLang="en-US" sz="1400" dirty="0">
-              <a:latin typeface="Heiti SC Light" charset="-122"/>
-              <a:ea typeface="Heiti SC Light" charset="-122"/>
-              <a:cs typeface="Heiti SC Light" charset="-122"/>
-            </a:endParaRPr>
           </a:p>
         </p:txBody>
       </p:sp>
@@ -10095,11 +10085,6 @@
               </a:rPr>
               <a:t>日志</a:t>
             </a:r>
-            <a:endParaRPr kumimoji="1" lang="zh-CN" altLang="en-US" sz="1400" dirty="0">
-              <a:latin typeface="Heiti SC Light" charset="-122"/>
-              <a:ea typeface="Heiti SC Light" charset="-122"/>
-              <a:cs typeface="Heiti SC Light" charset="-122"/>
-            </a:endParaRPr>
           </a:p>
         </p:txBody>
       </p:sp>
@@ -10158,11 +10143,6 @@
               </a:rPr>
               <a:t>版本日志</a:t>
             </a:r>
-            <a:endParaRPr kumimoji="1" lang="zh-CN" altLang="en-US" sz="1400" dirty="0">
-              <a:latin typeface="Heiti SC Light" charset="-122"/>
-              <a:ea typeface="Heiti SC Light" charset="-122"/>
-              <a:cs typeface="Heiti SC Light" charset="-122"/>
-            </a:endParaRPr>
           </a:p>
         </p:txBody>
       </p:sp>
@@ -10507,8 +10487,8 @@
         </p:nvSpPr>
         <p:spPr>
           <a:xfrm>
-            <a:off x="7014110" y="4032079"/>
-            <a:ext cx="4447045" cy="572813"/>
+            <a:off x="7014111" y="4054200"/>
+            <a:ext cx="1837789" cy="572813"/>
           </a:xfrm>
           <a:prstGeom prst="flowChartAlternateProcess">
             <a:avLst/>
@@ -11044,11 +11024,6 @@
               </a:rPr>
               <a:t>任务线程</a:t>
             </a:r>
-            <a:endParaRPr kumimoji="1" lang="zh-CN" altLang="en-US" sz="1400" dirty="0">
-              <a:latin typeface="Heiti SC Light" charset="-122"/>
-              <a:ea typeface="Heiti SC Light" charset="-122"/>
-              <a:cs typeface="Heiti SC Light" charset="-122"/>
-            </a:endParaRPr>
           </a:p>
         </p:txBody>
       </p:sp>
@@ -11158,11 +11133,6 @@
               </a:rPr>
               <a:t>回调线程</a:t>
             </a:r>
-            <a:endParaRPr kumimoji="1" lang="zh-CN" altLang="en-US" sz="1400" dirty="0">
-              <a:latin typeface="Heiti SC Light" charset="-122"/>
-              <a:ea typeface="Heiti SC Light" charset="-122"/>
-              <a:cs typeface="Heiti SC Light" charset="-122"/>
-            </a:endParaRPr>
           </a:p>
         </p:txBody>
       </p:sp>
@@ -11174,8 +11144,8 @@
         </p:nvSpPr>
         <p:spPr>
           <a:xfrm>
-            <a:off x="9895203" y="2893987"/>
-            <a:ext cx="1565953" cy="585805"/>
+            <a:off x="7014111" y="2893987"/>
+            <a:ext cx="4447045" cy="585805"/>
           </a:xfrm>
           <a:prstGeom prst="roundRect">
             <a:avLst/>
@@ -11206,12 +11176,20 @@
               <a:defRPr/>
             </a:pPr>
             <a:r>
+              <a:rPr kumimoji="1" lang="zh-CN" altLang="en-US" sz="1400" dirty="0" smtClean="0">
+                <a:latin typeface="Heiti SC Light" charset="-122"/>
+                <a:ea typeface="Heiti SC Light" charset="-122"/>
+                <a:cs typeface="Heiti SC Light" charset="-122"/>
+              </a:rPr>
+              <a:t>任务执行日志</a:t>
+            </a:r>
+            <a:r>
               <a:rPr kumimoji="1" lang="en-US" altLang="zh-CN" sz="1400" dirty="0" smtClean="0">
                 <a:latin typeface="Heiti SC Light" charset="-122"/>
                 <a:ea typeface="Heiti SC Light" charset="-122"/>
                 <a:cs typeface="Heiti SC Light" charset="-122"/>
               </a:rPr>
-              <a:t>Log</a:t>
+              <a:t>/</a:t>
             </a:r>
             <a:r>
               <a:rPr kumimoji="1" lang="zh-CN" altLang="en-US" sz="1400" dirty="0" smtClean="0">
@@ -11219,7 +11197,44 @@
                 <a:ea typeface="Heiti SC Light" charset="-122"/>
                 <a:cs typeface="Heiti SC Light" charset="-122"/>
               </a:rPr>
+              <a:t>回调日志</a:t>
+            </a:r>
+          </a:p>
+          <a:p>
+            <a:pPr algn="ctr">
+              <a:defRPr/>
+            </a:pPr>
+            <a:r>
+              <a:rPr kumimoji="1" lang="en-US" altLang="zh-CN" sz="1400" dirty="0" smtClean="0">
+                <a:latin typeface="Heiti SC Light" charset="-122"/>
+                <a:ea typeface="Heiti SC Light" charset="-122"/>
+                <a:cs typeface="Heiti SC Light" charset="-122"/>
+              </a:rPr>
+              <a:t>(</a:t>
+            </a:r>
+            <a:r>
+              <a:rPr kumimoji="1" lang="en-US" altLang="zh-CN" sz="1400" dirty="0">
+                <a:latin typeface="Heiti SC Light" charset="-122"/>
+                <a:ea typeface="Heiti SC Light" charset="-122"/>
+                <a:cs typeface="Heiti SC Light" charset="-122"/>
+              </a:rPr>
+              <a:t>Log</a:t>
+            </a:r>
+            <a:r>
+              <a:rPr kumimoji="1" lang="zh-CN" altLang="en-US" sz="1400" dirty="0">
+                <a:latin typeface="Heiti SC Light" charset="-122"/>
+                <a:ea typeface="Heiti SC Light" charset="-122"/>
+                <a:cs typeface="Heiti SC Light" charset="-122"/>
+              </a:rPr>
               <a:t>文件</a:t>
+            </a:r>
+            <a:r>
+              <a:rPr kumimoji="1" lang="en-US" altLang="zh-CN" sz="1400" dirty="0" smtClean="0">
+                <a:latin typeface="Heiti SC Light" charset="-122"/>
+                <a:ea typeface="Heiti SC Light" charset="-122"/>
+                <a:cs typeface="Heiti SC Light" charset="-122"/>
+              </a:rPr>
+              <a:t>)</a:t>
             </a:r>
             <a:endParaRPr kumimoji="1" lang="zh-CN" altLang="en-US" sz="1400" dirty="0">
               <a:latin typeface="Heiti SC Light" charset="-122"/>
@@ -11232,15 +11247,13 @@
       <p:cxnSp>
         <p:nvCxnSpPr>
           <p:cNvPr id="204" name="直线箭头连接符 203"/>
-          <p:cNvCxnSpPr>
-            <a:endCxn id="203" idx="0"/>
-          </p:cNvCxnSpPr>
+          <p:cNvCxnSpPr/>
           <p:nvPr/>
         </p:nvCxnSpPr>
         <p:spPr>
           <a:xfrm>
             <a:off x="10668000" y="2555640"/>
-            <a:ext cx="10180" cy="338347"/>
+            <a:ext cx="0" cy="338347"/>
           </a:xfrm>
           <a:prstGeom prst="straightConnector1">
             <a:avLst/>
@@ -11278,7 +11291,7 @@
         <p:spPr>
           <a:xfrm flipH="1">
             <a:off x="5931088" y="3186890"/>
-            <a:ext cx="3964115" cy="1"/>
+            <a:ext cx="1083023" cy="1"/>
           </a:xfrm>
           <a:prstGeom prst="straightConnector1">
             <a:avLst/>
@@ -11304,6 +11317,69 @@
           </a:fontRef>
         </p:style>
       </p:cxnSp>
+      <p:sp>
+        <p:nvSpPr>
+          <p:cNvPr id="57" name="圆角矩形 56"/>
+          <p:cNvSpPr/>
+          <p:nvPr/>
+        </p:nvSpPr>
+        <p:spPr>
+          <a:xfrm>
+            <a:off x="9546237" y="4047703"/>
+            <a:ext cx="1937612" cy="571579"/>
+          </a:xfrm>
+          <a:prstGeom prst="roundRect">
+            <a:avLst/>
+          </a:prstGeom>
+          <a:solidFill>
+            <a:srgbClr val="58B8D1"/>
+          </a:solidFill>
+        </p:spPr>
+        <p:style>
+          <a:lnRef idx="0">
+            <a:schemeClr val="accent1"/>
+          </a:lnRef>
+          <a:fillRef idx="3">
+            <a:schemeClr val="accent1"/>
+          </a:fillRef>
+          <a:effectRef idx="3">
+            <a:schemeClr val="accent1"/>
+          </a:effectRef>
+          <a:fontRef idx="minor">
+            <a:schemeClr val="lt1"/>
+          </a:fontRef>
+        </p:style>
+        <p:txBody>
+          <a:bodyPr anchor="ctr"/>
+          <a:lstStyle/>
+          <a:p>
+            <a:pPr algn="ctr">
+              <a:defRPr/>
+            </a:pPr>
+            <a:r>
+              <a:rPr kumimoji="1" lang="zh-CN" altLang="en-US" sz="1400" dirty="0">
+                <a:latin typeface="Heiti SC Light" charset="-122"/>
+                <a:ea typeface="Heiti SC Light" charset="-122"/>
+                <a:cs typeface="Heiti SC Light" charset="-122"/>
+              </a:rPr>
+              <a:t>自研</a:t>
+            </a:r>
+            <a:r>
+              <a:rPr kumimoji="1" lang="en-US" altLang="zh-CN" sz="1400" dirty="0">
+                <a:latin typeface="Heiti SC Light" charset="-122"/>
+                <a:ea typeface="Heiti SC Light" charset="-122"/>
+                <a:cs typeface="Heiti SC Light" charset="-122"/>
+              </a:rPr>
+              <a:t>RPC</a:t>
+            </a:r>
+            <a:endParaRPr kumimoji="1" lang="zh-CN" altLang="en-US" sz="1400" dirty="0">
+              <a:latin typeface="Heiti SC Light" charset="-122"/>
+              <a:ea typeface="Heiti SC Light" charset="-122"/>
+              <a:cs typeface="Heiti SC Light" charset="-122"/>
+            </a:endParaRPr>
+          </a:p>
+        </p:txBody>
+      </p:sp>
     </p:spTree>
     <p:extLst>
       <p:ext uri="{BB962C8B-B14F-4D97-AF65-F5344CB8AC3E}">

--- a/doc/架构图.pptx
+++ b/doc/架构图.pptx
@@ -200,7 +200,7 @@
           <a:p>
             <a:fld id="{D2A48B96-639E-45A3-A0BA-2464DFDB1FAA}" type="datetimeFigureOut">
               <a:rPr lang="zh-CN" altLang="en-US" smtClean="0"/>
-              <a:t>17/5/7</a:t>
+              <a:t>17/5/11</a:t>
             </a:fld>
             <a:endParaRPr lang="zh-CN" altLang="en-US"/>
           </a:p>
@@ -1005,7 +1005,7 @@
           <a:p>
             <a:fld id="{D997B5FA-0921-464F-AAE1-844C04324D75}" type="datetimeFigureOut">
               <a:rPr lang="zh-CN" altLang="en-US" smtClean="0"/>
-              <a:t>17/5/7</a:t>
+              <a:t>17/5/11</a:t>
             </a:fld>
             <a:endParaRPr lang="zh-CN" altLang="en-US"/>
           </a:p>
@@ -1170,7 +1170,7 @@
           <a:p>
             <a:fld id="{D997B5FA-0921-464F-AAE1-844C04324D75}" type="datetimeFigureOut">
               <a:rPr lang="zh-CN" altLang="en-US" smtClean="0"/>
-              <a:t>17/5/7</a:t>
+              <a:t>17/5/11</a:t>
             </a:fld>
             <a:endParaRPr lang="zh-CN" altLang="en-US"/>
           </a:p>
@@ -1345,7 +1345,7 @@
           <a:p>
             <a:fld id="{D997B5FA-0921-464F-AAE1-844C04324D75}" type="datetimeFigureOut">
               <a:rPr lang="zh-CN" altLang="en-US" smtClean="0"/>
-              <a:t>17/5/7</a:t>
+              <a:t>17/5/11</a:t>
             </a:fld>
             <a:endParaRPr lang="zh-CN" altLang="en-US"/>
           </a:p>
@@ -1510,7 +1510,7 @@
           <a:p>
             <a:fld id="{D997B5FA-0921-464F-AAE1-844C04324D75}" type="datetimeFigureOut">
               <a:rPr lang="zh-CN" altLang="en-US" smtClean="0"/>
-              <a:t>17/5/7</a:t>
+              <a:t>17/5/11</a:t>
             </a:fld>
             <a:endParaRPr lang="zh-CN" altLang="en-US"/>
           </a:p>
@@ -1751,7 +1751,7 @@
           <a:p>
             <a:fld id="{D997B5FA-0921-464F-AAE1-844C04324D75}" type="datetimeFigureOut">
               <a:rPr lang="zh-CN" altLang="en-US" smtClean="0"/>
-              <a:t>17/5/7</a:t>
+              <a:t>17/5/11</a:t>
             </a:fld>
             <a:endParaRPr lang="zh-CN" altLang="en-US"/>
           </a:p>
@@ -1978,7 +1978,7 @@
           <a:p>
             <a:fld id="{D997B5FA-0921-464F-AAE1-844C04324D75}" type="datetimeFigureOut">
               <a:rPr lang="zh-CN" altLang="en-US" smtClean="0"/>
-              <a:t>17/5/7</a:t>
+              <a:t>17/5/11</a:t>
             </a:fld>
             <a:endParaRPr lang="zh-CN" altLang="en-US"/>
           </a:p>
@@ -2340,7 +2340,7 @@
           <a:p>
             <a:fld id="{D997B5FA-0921-464F-AAE1-844C04324D75}" type="datetimeFigureOut">
               <a:rPr lang="zh-CN" altLang="en-US" smtClean="0"/>
-              <a:t>17/5/7</a:t>
+              <a:t>17/5/11</a:t>
             </a:fld>
             <a:endParaRPr lang="zh-CN" altLang="en-US"/>
           </a:p>
@@ -2453,7 +2453,7 @@
           <a:p>
             <a:fld id="{D997B5FA-0921-464F-AAE1-844C04324D75}" type="datetimeFigureOut">
               <a:rPr lang="zh-CN" altLang="en-US" smtClean="0"/>
-              <a:t>17/5/7</a:t>
+              <a:t>17/5/11</a:t>
             </a:fld>
             <a:endParaRPr lang="zh-CN" altLang="en-US"/>
           </a:p>
@@ -2543,7 +2543,7 @@
           <a:p>
             <a:fld id="{D997B5FA-0921-464F-AAE1-844C04324D75}" type="datetimeFigureOut">
               <a:rPr lang="zh-CN" altLang="en-US" smtClean="0"/>
-              <a:t>17/5/7</a:t>
+              <a:t>17/5/11</a:t>
             </a:fld>
             <a:endParaRPr lang="zh-CN" altLang="en-US"/>
           </a:p>
@@ -2815,7 +2815,7 @@
           <a:p>
             <a:fld id="{D997B5FA-0921-464F-AAE1-844C04324D75}" type="datetimeFigureOut">
               <a:rPr lang="zh-CN" altLang="en-US" smtClean="0"/>
-              <a:t>17/5/7</a:t>
+              <a:t>17/5/11</a:t>
             </a:fld>
             <a:endParaRPr lang="zh-CN" altLang="en-US"/>
           </a:p>
@@ -3063,7 +3063,7 @@
           <a:p>
             <a:fld id="{D997B5FA-0921-464F-AAE1-844C04324D75}" type="datetimeFigureOut">
               <a:rPr lang="zh-CN" altLang="en-US" smtClean="0"/>
-              <a:t>17/5/7</a:t>
+              <a:t>17/5/11</a:t>
             </a:fld>
             <a:endParaRPr lang="zh-CN" altLang="en-US"/>
           </a:p>
@@ -3271,7 +3271,7 @@
           <a:p>
             <a:fld id="{D997B5FA-0921-464F-AAE1-844C04324D75}" type="datetimeFigureOut">
               <a:rPr lang="zh-CN" altLang="en-US" smtClean="0"/>
-              <a:t>17/5/7</a:t>
+              <a:t>17/5/11</a:t>
             </a:fld>
             <a:endParaRPr lang="zh-CN" altLang="en-US"/>
           </a:p>
@@ -8670,7 +8670,7 @@
         <p:spPr>
           <a:xfrm>
             <a:off x="622491" y="576163"/>
-            <a:ext cx="5778309" cy="4592737"/>
+            <a:ext cx="5778309" cy="5176329"/>
           </a:xfrm>
           <a:prstGeom prst="rect">
             <a:avLst/>
@@ -8727,28 +8727,23 @@
         </p:nvSpPr>
         <p:spPr>
           <a:xfrm>
-            <a:off x="622491" y="5165865"/>
-            <a:ext cx="10959909" cy="586628"/>
+            <a:off x="720867" y="4786674"/>
+            <a:ext cx="3336094" cy="442510"/>
           </a:xfrm>
           <a:prstGeom prst="flowChartProcess">
             <a:avLst/>
           </a:prstGeom>
-          <a:solidFill>
-            <a:srgbClr val="FFDCBB"/>
-          </a:solidFill>
-          <a:ln>
-            <a:noFill/>
-          </a:ln>
+          <a:ln/>
         </p:spPr>
         <p:style>
           <a:lnRef idx="1">
-            <a:schemeClr val="accent2"/>
+            <a:schemeClr val="accent4"/>
           </a:lnRef>
           <a:fillRef idx="2">
-            <a:schemeClr val="accent2"/>
+            <a:schemeClr val="accent4"/>
           </a:fillRef>
           <a:effectRef idx="1">
-            <a:schemeClr val="accent2"/>
+            <a:schemeClr val="accent4"/>
           </a:effectRef>
           <a:fontRef idx="minor">
             <a:schemeClr val="dk1"/>
@@ -8767,15 +8762,7 @@
                 <a:ea typeface="Heiti SC Light" charset="-122"/>
                 <a:cs typeface="Heiti SC Light" charset="-122"/>
               </a:rPr>
-              <a:t>数据</a:t>
-            </a:r>
-            <a:r>
-              <a:rPr kumimoji="1" lang="zh-CN" altLang="en-US" sz="1600" b="1" smtClean="0">
-                <a:latin typeface="Heiti SC Light" charset="-122"/>
-                <a:ea typeface="Heiti SC Light" charset="-122"/>
-                <a:cs typeface="Heiti SC Light" charset="-122"/>
-              </a:rPr>
-              <a:t>中心</a:t>
+              <a:t>数据中心</a:t>
             </a:r>
             <a:endParaRPr kumimoji="1" lang="zh-CN" altLang="en-US" sz="1600" b="1" dirty="0">
               <a:latin typeface="Heiti SC Light" charset="-122"/>
@@ -8851,7 +8838,7 @@
         </p:nvSpPr>
         <p:spPr>
           <a:xfrm>
-            <a:off x="4271676" y="4014619"/>
+            <a:off x="4271056" y="4568832"/>
             <a:ext cx="1659412" cy="572325"/>
           </a:xfrm>
           <a:prstGeom prst="flowChartAlternateProcess">
@@ -8888,8 +8875,21 @@
                 <a:ea typeface="Heiti SC Light" charset="-122"/>
                 <a:cs typeface="Heiti SC Light" charset="-122"/>
               </a:rPr>
-              <a:t>自动注册</a:t>
-            </a:r>
+              <a:t>注册</a:t>
+            </a:r>
+            <a:r>
+              <a:rPr kumimoji="1" lang="zh-CN" altLang="en-US" sz="1400" dirty="0" smtClean="0">
+                <a:latin typeface="Heiti SC Light" charset="-122"/>
+                <a:ea typeface="Heiti SC Light" charset="-122"/>
+                <a:cs typeface="Heiti SC Light" charset="-122"/>
+              </a:rPr>
+              <a:t>服务</a:t>
+            </a:r>
+            <a:endParaRPr kumimoji="1" lang="zh-CN" altLang="en-US" sz="1400" dirty="0" smtClean="0">
+              <a:latin typeface="Heiti SC Light" charset="-122"/>
+              <a:ea typeface="Heiti SC Light" charset="-122"/>
+              <a:cs typeface="Heiti SC Light" charset="-122"/>
+            </a:endParaRPr>
           </a:p>
           <a:p>
             <a:pPr algn="ctr">
@@ -8904,12 +8904,12 @@
               <a:t>(</a:t>
             </a:r>
             <a:r>
-              <a:rPr kumimoji="1" lang="zh-CN" altLang="en-US" sz="1400" dirty="0">
+              <a:rPr kumimoji="1" lang="en-US" altLang="zh-CN" sz="1400" dirty="0" smtClean="0">
                 <a:latin typeface="Heiti SC Light" charset="-122"/>
                 <a:ea typeface="Heiti SC Light" charset="-122"/>
                 <a:cs typeface="Heiti SC Light" charset="-122"/>
               </a:rPr>
-              <a:t>调度中心</a:t>
+              <a:t>API</a:t>
             </a:r>
             <a:r>
               <a:rPr kumimoji="1" lang="en-US" altLang="zh-CN" sz="1400" dirty="0" smtClean="0">
@@ -9569,8 +9569,8 @@
         </p:nvSpPr>
         <p:spPr>
           <a:xfrm>
-            <a:off x="6400801" y="576164"/>
-            <a:ext cx="5181600" cy="4592736"/>
+            <a:off x="6400801" y="576163"/>
+            <a:ext cx="5181600" cy="5176329"/>
           </a:xfrm>
           <a:prstGeom prst="rect">
             <a:avLst/>
@@ -9694,7 +9694,7 @@
         </p:nvSpPr>
         <p:spPr>
           <a:xfrm>
-            <a:off x="4275163" y="870785"/>
+            <a:off x="4274542" y="832978"/>
             <a:ext cx="1655926" cy="586589"/>
           </a:xfrm>
           <a:prstGeom prst="roundRect">
@@ -9753,14 +9753,14 @@
       </p:sp>
       <p:sp>
         <p:nvSpPr>
-          <p:cNvPr id="74" name="圆角矩形 73"/>
+          <p:cNvPr id="139" name="圆角矩形 138"/>
           <p:cNvSpPr/>
           <p:nvPr/>
         </p:nvSpPr>
         <p:spPr>
           <a:xfrm>
-            <a:off x="4275906" y="2893988"/>
-            <a:ext cx="1655182" cy="585805"/>
+            <a:off x="4276756" y="3340779"/>
+            <a:ext cx="1659413" cy="574484"/>
           </a:xfrm>
           <a:prstGeom prst="roundRect">
             <a:avLst/>
@@ -9786,6 +9786,27 @@
         <p:txBody>
           <a:bodyPr anchor="ctr"/>
           <a:lstStyle/>
+          <a:p>
+            <a:pPr algn="ctr">
+              <a:defRPr/>
+            </a:pPr>
+            <a:r>
+              <a:rPr kumimoji="1" lang="zh-CN" altLang="en-US" sz="1400" dirty="0">
+                <a:latin typeface="Heiti SC Light" charset="-122"/>
+                <a:ea typeface="Heiti SC Light" charset="-122"/>
+                <a:cs typeface="Heiti SC Light" charset="-122"/>
+              </a:rPr>
+              <a:t>回调</a:t>
+            </a:r>
+            <a:r>
+              <a:rPr kumimoji="1" lang="zh-CN" altLang="en-US" sz="1400" dirty="0" smtClean="0">
+                <a:latin typeface="Heiti SC Light" charset="-122"/>
+                <a:ea typeface="Heiti SC Light" charset="-122"/>
+                <a:cs typeface="Heiti SC Light" charset="-122"/>
+              </a:rPr>
+              <a:t>服务</a:t>
+            </a:r>
+          </a:p>
           <a:p>
             <a:pPr algn="ctr">
               <a:defRPr/>
@@ -9796,128 +9817,7 @@
                 <a:ea typeface="Heiti SC Light" charset="-122"/>
                 <a:cs typeface="Heiti SC Light" charset="-122"/>
               </a:rPr>
-              <a:t>Rolling</a:t>
-            </a:r>
-            <a:r>
-              <a:rPr kumimoji="1" lang="zh-CN" altLang="en-US" sz="1400" dirty="0" smtClean="0">
-                <a:latin typeface="Heiti SC Light" charset="-122"/>
-                <a:ea typeface="Heiti SC Light" charset="-122"/>
-                <a:cs typeface="Heiti SC Light" charset="-122"/>
-              </a:rPr>
-              <a:t>日志</a:t>
-            </a:r>
-          </a:p>
-          <a:p>
-            <a:pPr algn="ctr">
-              <a:defRPr/>
-            </a:pPr>
-            <a:r>
-              <a:rPr kumimoji="1" lang="en-US" altLang="zh-CN" sz="1400" dirty="0" smtClean="0">
-                <a:latin typeface="Heiti SC Light" charset="-122"/>
-                <a:ea typeface="Heiti SC Light" charset="-122"/>
-                <a:cs typeface="Heiti SC Light" charset="-122"/>
-              </a:rPr>
-              <a:t>(</a:t>
-            </a:r>
-            <a:r>
-              <a:rPr kumimoji="1" lang="zh-CN" altLang="en-US" sz="1400" dirty="0" smtClean="0">
-                <a:latin typeface="Heiti SC Light" charset="-122"/>
-                <a:ea typeface="Heiti SC Light" charset="-122"/>
-                <a:cs typeface="Heiti SC Light" charset="-122"/>
-              </a:rPr>
-              <a:t>实时</a:t>
-            </a:r>
-            <a:r>
-              <a:rPr kumimoji="1" lang="en-US" altLang="zh-CN" sz="1400" dirty="0" smtClean="0">
-                <a:latin typeface="Heiti SC Light" charset="-122"/>
-                <a:ea typeface="Heiti SC Light" charset="-122"/>
-                <a:cs typeface="Heiti SC Light" charset="-122"/>
-              </a:rPr>
-              <a:t>)</a:t>
-            </a:r>
-            <a:endParaRPr kumimoji="1" lang="zh-CN" altLang="en-US" sz="1400" dirty="0">
-              <a:latin typeface="Heiti SC Light" charset="-122"/>
-              <a:ea typeface="Heiti SC Light" charset="-122"/>
-              <a:cs typeface="Heiti SC Light" charset="-122"/>
-            </a:endParaRPr>
-          </a:p>
-        </p:txBody>
-      </p:sp>
-      <p:sp>
-        <p:nvSpPr>
-          <p:cNvPr id="139" name="圆角矩形 138"/>
-          <p:cNvSpPr/>
-          <p:nvPr/>
-        </p:nvSpPr>
-        <p:spPr>
-          <a:xfrm>
-            <a:off x="4271675" y="1887699"/>
-            <a:ext cx="1659413" cy="574484"/>
-          </a:xfrm>
-          <a:prstGeom prst="roundRect">
-            <a:avLst/>
-          </a:prstGeom>
-          <a:solidFill>
-            <a:srgbClr val="58B8D1"/>
-          </a:solidFill>
-        </p:spPr>
-        <p:style>
-          <a:lnRef idx="0">
-            <a:schemeClr val="accent1"/>
-          </a:lnRef>
-          <a:fillRef idx="3">
-            <a:schemeClr val="accent1"/>
-          </a:fillRef>
-          <a:effectRef idx="3">
-            <a:schemeClr val="accent1"/>
-          </a:effectRef>
-          <a:fontRef idx="minor">
-            <a:schemeClr val="lt1"/>
-          </a:fontRef>
-        </p:style>
-        <p:txBody>
-          <a:bodyPr anchor="ctr"/>
-          <a:lstStyle/>
-          <a:p>
-            <a:pPr algn="ctr">
-              <a:defRPr/>
-            </a:pPr>
-            <a:r>
-              <a:rPr kumimoji="1" lang="zh-CN" altLang="en-US" sz="1400" dirty="0">
-                <a:latin typeface="Heiti SC Light" charset="-122"/>
-                <a:ea typeface="Heiti SC Light" charset="-122"/>
-                <a:cs typeface="Heiti SC Light" charset="-122"/>
-              </a:rPr>
-              <a:t>回调</a:t>
-            </a:r>
-            <a:r>
-              <a:rPr kumimoji="1" lang="zh-CN" altLang="en-US" sz="1400" dirty="0" smtClean="0">
-                <a:latin typeface="Heiti SC Light" charset="-122"/>
-                <a:ea typeface="Heiti SC Light" charset="-122"/>
-                <a:cs typeface="Heiti SC Light" charset="-122"/>
-              </a:rPr>
-              <a:t>服务</a:t>
-            </a:r>
-          </a:p>
-          <a:p>
-            <a:pPr algn="ctr">
-              <a:defRPr/>
-            </a:pPr>
-            <a:r>
-              <a:rPr kumimoji="1" lang="en-US" altLang="zh-CN" sz="1400" dirty="0" smtClean="0">
-                <a:latin typeface="Heiti SC Light" charset="-122"/>
-                <a:ea typeface="Heiti SC Light" charset="-122"/>
-                <a:cs typeface="Heiti SC Light" charset="-122"/>
-              </a:rPr>
-              <a:t>(</a:t>
-            </a:r>
-            <a:r>
-              <a:rPr kumimoji="1" lang="en-US" altLang="zh-CN" sz="1400" dirty="0">
-                <a:latin typeface="Heiti SC Light" charset="-122"/>
-                <a:ea typeface="Heiti SC Light" charset="-122"/>
-                <a:cs typeface="Heiti SC Light" charset="-122"/>
-              </a:rPr>
-              <a:t>jetty)</a:t>
+              <a:t>(API)</a:t>
             </a:r>
             <a:endParaRPr kumimoji="1" lang="zh-CN" altLang="en-US" sz="1400" dirty="0">
               <a:latin typeface="Heiti SC Light" charset="-122"/>
@@ -10487,8 +10387,8 @@
         </p:nvSpPr>
         <p:spPr>
           <a:xfrm>
-            <a:off x="7014111" y="4054200"/>
-            <a:ext cx="1837789" cy="572813"/>
+            <a:off x="6903492" y="4598011"/>
+            <a:ext cx="1948408" cy="566196"/>
           </a:xfrm>
           <a:prstGeom prst="flowChartAlternateProcess">
             <a:avLst/>
@@ -10524,36 +10424,15 @@
                 <a:ea typeface="Heiti SC Light" charset="-122"/>
                 <a:cs typeface="Heiti SC Light" charset="-122"/>
               </a:rPr>
-              <a:t>自动注册</a:t>
-            </a:r>
-          </a:p>
-          <a:p>
-            <a:pPr algn="ctr">
-              <a:defRPr/>
-            </a:pPr>
-            <a:r>
-              <a:rPr kumimoji="1" lang="en-US" altLang="zh-CN" sz="1400" dirty="0" smtClean="0">
+              <a:t>自动</a:t>
+            </a:r>
+            <a:r>
+              <a:rPr kumimoji="1" lang="zh-CN" altLang="en-US" sz="1400" dirty="0" smtClean="0">
                 <a:latin typeface="Heiti SC Light" charset="-122"/>
                 <a:ea typeface="Heiti SC Light" charset="-122"/>
                 <a:cs typeface="Heiti SC Light" charset="-122"/>
               </a:rPr>
-              <a:t>(</a:t>
-            </a:r>
-            <a:r>
-              <a:rPr kumimoji="1" lang="zh-CN" altLang="en-US" sz="1400" dirty="0">
-                <a:latin typeface="Heiti SC Light" charset="-122"/>
-                <a:ea typeface="Heiti SC Light" charset="-122"/>
-                <a:cs typeface="Heiti SC Light" charset="-122"/>
-              </a:rPr>
-              <a:t>执行器</a:t>
-            </a:r>
-            <a:r>
-              <a:rPr kumimoji="1" lang="en-US" altLang="zh-CN" sz="1400" dirty="0" smtClean="0">
-                <a:latin typeface="Heiti SC Light" charset="-122"/>
-                <a:ea typeface="Heiti SC Light" charset="-122"/>
-                <a:cs typeface="Heiti SC Light" charset="-122"/>
-              </a:rPr>
-              <a:t>)</a:t>
+              <a:t>注册</a:t>
             </a:r>
             <a:endParaRPr kumimoji="1" lang="zh-CN" altLang="en-US" sz="1400" dirty="0">
               <a:latin typeface="Heiti SC Light" charset="-122"/>
@@ -10571,8 +10450,8 @@
         </p:nvSpPr>
         <p:spPr>
           <a:xfrm>
-            <a:off x="6989368" y="857386"/>
-            <a:ext cx="2444679" cy="586589"/>
+            <a:off x="6850420" y="844864"/>
+            <a:ext cx="2469578" cy="586589"/>
           </a:xfrm>
           <a:prstGeom prst="flowChartAlternateProcess">
             <a:avLst/>
@@ -10631,8 +10510,8 @@
         </p:nvCxnSpPr>
         <p:spPr>
           <a:xfrm flipV="1">
-            <a:off x="5931089" y="1161234"/>
-            <a:ext cx="1041621" cy="2846"/>
+            <a:off x="5930468" y="1120818"/>
+            <a:ext cx="902673" cy="5455"/>
           </a:xfrm>
           <a:prstGeom prst="straightConnector1">
             <a:avLst/>
@@ -10666,8 +10545,8 @@
         </p:nvSpPr>
         <p:spPr>
           <a:xfrm>
-            <a:off x="9895204" y="688297"/>
-            <a:ext cx="1588645" cy="1867343"/>
+            <a:off x="9740643" y="832978"/>
+            <a:ext cx="1588645" cy="3248072"/>
           </a:xfrm>
           <a:prstGeom prst="rect">
             <a:avLst/>
@@ -10716,8 +10595,8 @@
         </p:nvCxnSpPr>
         <p:spPr>
           <a:xfrm>
-            <a:off x="9450705" y="1164079"/>
-            <a:ext cx="444499" cy="0"/>
+            <a:off x="9367694" y="1187007"/>
+            <a:ext cx="355704" cy="3349"/>
           </a:xfrm>
           <a:prstGeom prst="straightConnector1">
             <a:avLst/>
@@ -10751,8 +10630,451 @@
         </p:nvSpPr>
         <p:spPr>
           <a:xfrm>
-            <a:off x="7014562" y="1699038"/>
-            <a:ext cx="2531675" cy="856602"/>
+            <a:off x="6874533" y="3224448"/>
+            <a:ext cx="2445465" cy="856602"/>
+          </a:xfrm>
+          <a:prstGeom prst="rect">
+            <a:avLst/>
+          </a:prstGeom>
+          <a:solidFill>
+            <a:srgbClr val="DEF7FF"/>
+          </a:solidFill>
+          <a:ln>
+            <a:solidFill>
+              <a:srgbClr val="FFF2CD"/>
+            </a:solidFill>
+          </a:ln>
+        </p:spPr>
+        <p:style>
+          <a:lnRef idx="1">
+            <a:schemeClr val="accent1"/>
+          </a:lnRef>
+          <a:fillRef idx="2">
+            <a:schemeClr val="accent1"/>
+          </a:fillRef>
+          <a:effectRef idx="1">
+            <a:schemeClr val="accent1"/>
+          </a:effectRef>
+          <a:fontRef idx="minor">
+            <a:schemeClr val="dk1"/>
+          </a:fontRef>
+        </p:style>
+        <p:txBody>
+          <a:bodyPr anchor="b"/>
+          <a:lstStyle/>
+          <a:p>
+            <a:pPr algn="ctr">
+              <a:defRPr/>
+            </a:pPr>
+            <a:endParaRPr kumimoji="1" lang="zh-CN" altLang="en-US" sz="1600" b="1" dirty="0">
+              <a:latin typeface="Heiti SC Light" charset="-122"/>
+              <a:ea typeface="Heiti SC Light" charset="-122"/>
+              <a:cs typeface="Heiti SC Light" charset="-122"/>
+            </a:endParaRPr>
+          </a:p>
+        </p:txBody>
+      </p:sp>
+      <p:sp>
+        <p:nvSpPr>
+          <p:cNvPr id="178" name="磁盘 177"/>
+          <p:cNvSpPr/>
+          <p:nvPr/>
+        </p:nvSpPr>
+        <p:spPr>
+          <a:xfrm>
+            <a:off x="8115679" y="3330715"/>
+            <a:ext cx="1128362" cy="644066"/>
+          </a:xfrm>
+          <a:prstGeom prst="flowChartMagneticDisk">
+            <a:avLst/>
+          </a:prstGeom>
+        </p:spPr>
+        <p:style>
+          <a:lnRef idx="1">
+            <a:schemeClr val="accent4"/>
+          </a:lnRef>
+          <a:fillRef idx="2">
+            <a:schemeClr val="accent4"/>
+          </a:fillRef>
+          <a:effectRef idx="1">
+            <a:schemeClr val="accent4"/>
+          </a:effectRef>
+          <a:fontRef idx="minor">
+            <a:schemeClr val="dk1"/>
+          </a:fontRef>
+        </p:style>
+        <p:txBody>
+          <a:bodyPr rtlCol="0" anchor="ctr"/>
+          <a:lstStyle/>
+          <a:p>
+            <a:pPr algn="ctr"/>
+            <a:r>
+              <a:rPr kumimoji="1" lang="zh-CN" altLang="en-US" sz="1400" dirty="0" smtClean="0">
+                <a:latin typeface="Heiti SC Light" charset="-122"/>
+                <a:ea typeface="Heiti SC Light" charset="-122"/>
+                <a:cs typeface="Heiti SC Light" charset="-122"/>
+              </a:rPr>
+              <a:t>调度结果</a:t>
+            </a:r>
+          </a:p>
+          <a:p>
+            <a:pPr algn="ctr"/>
+            <a:r>
+              <a:rPr kumimoji="1" lang="en-US" altLang="zh-CN" sz="1400" dirty="0" smtClean="0">
+                <a:latin typeface="Heiti SC Light" charset="-122"/>
+                <a:ea typeface="Heiti SC Light" charset="-122"/>
+                <a:cs typeface="Heiti SC Light" charset="-122"/>
+              </a:rPr>
+              <a:t>(queue)</a:t>
+            </a:r>
+            <a:endParaRPr kumimoji="1" lang="zh-CN" altLang="en-US" sz="1400" dirty="0">
+              <a:latin typeface="Heiti SC Light" charset="-122"/>
+              <a:ea typeface="Heiti SC Light" charset="-122"/>
+              <a:cs typeface="Heiti SC Light" charset="-122"/>
+            </a:endParaRPr>
+          </a:p>
+        </p:txBody>
+      </p:sp>
+      <p:cxnSp>
+        <p:nvCxnSpPr>
+          <p:cNvPr id="185" name="直线箭头连接符 184"/>
+          <p:cNvCxnSpPr/>
+          <p:nvPr/>
+        </p:nvCxnSpPr>
+        <p:spPr>
+          <a:xfrm flipH="1">
+            <a:off x="5940012" y="2356487"/>
+            <a:ext cx="893129" cy="645"/>
+          </a:xfrm>
+          <a:prstGeom prst="straightConnector1">
+            <a:avLst/>
+          </a:prstGeom>
+          <a:ln w="28575">
+            <a:prstDash val="sysDash"/>
+            <a:headEnd type="none" w="med" len="med"/>
+            <a:tailEnd type="arrow" w="med" len="med"/>
+          </a:ln>
+        </p:spPr>
+        <p:style>
+          <a:lnRef idx="2">
+            <a:schemeClr val="accent1"/>
+          </a:lnRef>
+          <a:fillRef idx="0">
+            <a:schemeClr val="accent1"/>
+          </a:fillRef>
+          <a:effectRef idx="1">
+            <a:schemeClr val="accent1"/>
+          </a:effectRef>
+          <a:fontRef idx="minor">
+            <a:schemeClr val="tx1"/>
+          </a:fontRef>
+        </p:style>
+      </p:cxnSp>
+      <p:sp>
+        <p:nvSpPr>
+          <p:cNvPr id="194" name="可选流程 193"/>
+          <p:cNvSpPr/>
+          <p:nvPr/>
+        </p:nvSpPr>
+        <p:spPr>
+          <a:xfrm>
+            <a:off x="9907238" y="2193143"/>
+            <a:ext cx="1295671" cy="611595"/>
+          </a:xfrm>
+          <a:prstGeom prst="flowChartAlternateProcess">
+            <a:avLst/>
+          </a:prstGeom>
+          <a:solidFill>
+            <a:srgbClr val="4BACC6"/>
+          </a:solidFill>
+        </p:spPr>
+        <p:style>
+          <a:lnRef idx="0">
+            <a:schemeClr val="accent1"/>
+          </a:lnRef>
+          <a:fillRef idx="3">
+            <a:schemeClr val="accent1"/>
+          </a:fillRef>
+          <a:effectRef idx="3">
+            <a:schemeClr val="accent1"/>
+          </a:effectRef>
+          <a:fontRef idx="minor">
+            <a:schemeClr val="lt1"/>
+          </a:fontRef>
+        </p:style>
+        <p:txBody>
+          <a:bodyPr anchor="ctr"/>
+          <a:lstStyle/>
+          <a:p>
+            <a:pPr algn="ctr"/>
+            <a:r>
+              <a:rPr kumimoji="1" lang="en-US" altLang="zh-CN" sz="1400" dirty="0" err="1">
+                <a:latin typeface="Heiti SC Light" charset="-122"/>
+                <a:ea typeface="Heiti SC Light" charset="-122"/>
+                <a:cs typeface="Heiti SC Light" charset="-122"/>
+              </a:rPr>
+              <a:t>JobHandler</a:t>
+            </a:r>
+            <a:endParaRPr kumimoji="1" lang="zh-CN" altLang="en-US" sz="1400" dirty="0">
+              <a:latin typeface="Heiti SC Light" charset="-122"/>
+              <a:ea typeface="Heiti SC Light" charset="-122"/>
+              <a:cs typeface="Heiti SC Light" charset="-122"/>
+            </a:endParaRPr>
+          </a:p>
+        </p:txBody>
+      </p:sp>
+      <p:sp>
+        <p:nvSpPr>
+          <p:cNvPr id="195" name="可选流程 194"/>
+          <p:cNvSpPr/>
+          <p:nvPr/>
+        </p:nvSpPr>
+        <p:spPr>
+          <a:xfrm>
+            <a:off x="9907238" y="3253003"/>
+            <a:ext cx="1295671" cy="606434"/>
+          </a:xfrm>
+          <a:prstGeom prst="flowChartAlternateProcess">
+            <a:avLst/>
+          </a:prstGeom>
+          <a:solidFill>
+            <a:srgbClr val="4BACC6"/>
+          </a:solidFill>
+        </p:spPr>
+        <p:style>
+          <a:lnRef idx="0">
+            <a:schemeClr val="accent1"/>
+          </a:lnRef>
+          <a:fillRef idx="3">
+            <a:schemeClr val="accent1"/>
+          </a:fillRef>
+          <a:effectRef idx="3">
+            <a:schemeClr val="accent1"/>
+          </a:effectRef>
+          <a:fontRef idx="minor">
+            <a:schemeClr val="lt1"/>
+          </a:fontRef>
+        </p:style>
+        <p:txBody>
+          <a:bodyPr anchor="ctr"/>
+          <a:lstStyle/>
+          <a:p>
+            <a:pPr algn="ctr"/>
+            <a:r>
+              <a:rPr kumimoji="1" lang="zh-CN" altLang="en-US" sz="1400" dirty="0">
+                <a:latin typeface="Heiti SC Light" charset="-122"/>
+                <a:ea typeface="Heiti SC Light" charset="-122"/>
+                <a:cs typeface="Heiti SC Light" charset="-122"/>
+              </a:rPr>
+              <a:t>任务线程</a:t>
+            </a:r>
+          </a:p>
+        </p:txBody>
+      </p:sp>
+      <p:sp>
+        <p:nvSpPr>
+          <p:cNvPr id="196" name="磁盘 195"/>
+          <p:cNvSpPr/>
+          <p:nvPr/>
+        </p:nvSpPr>
+        <p:spPr>
+          <a:xfrm>
+            <a:off x="9904842" y="1079536"/>
+            <a:ext cx="1295671" cy="663886"/>
+          </a:xfrm>
+          <a:prstGeom prst="flowChartMagneticDisk">
+            <a:avLst/>
+          </a:prstGeom>
+        </p:spPr>
+        <p:style>
+          <a:lnRef idx="1">
+            <a:schemeClr val="accent4"/>
+          </a:lnRef>
+          <a:fillRef idx="2">
+            <a:schemeClr val="accent4"/>
+          </a:fillRef>
+          <a:effectRef idx="1">
+            <a:schemeClr val="accent4"/>
+          </a:effectRef>
+          <a:fontRef idx="minor">
+            <a:schemeClr val="dk1"/>
+          </a:fontRef>
+        </p:style>
+        <p:txBody>
+          <a:bodyPr anchor="ctr"/>
+          <a:lstStyle/>
+          <a:p>
+            <a:pPr algn="ctr"/>
+            <a:r>
+              <a:rPr kumimoji="1" lang="zh-CN" altLang="en-US" sz="1400" dirty="0">
+                <a:latin typeface="Heiti SC Light" charset="-122"/>
+                <a:ea typeface="Heiti SC Light" charset="-122"/>
+                <a:cs typeface="Heiti SC Light" charset="-122"/>
+              </a:rPr>
+              <a:t>调度请求</a:t>
+            </a:r>
+          </a:p>
+          <a:p>
+            <a:pPr algn="ctr"/>
+            <a:r>
+              <a:rPr kumimoji="1" lang="en-US" altLang="zh-CN" sz="1400" dirty="0">
+                <a:latin typeface="Heiti SC Light" charset="-122"/>
+                <a:ea typeface="Heiti SC Light" charset="-122"/>
+                <a:cs typeface="Heiti SC Light" charset="-122"/>
+              </a:rPr>
+              <a:t>(queue)</a:t>
+            </a:r>
+            <a:endParaRPr kumimoji="1" lang="zh-CN" altLang="en-US" sz="1400" dirty="0">
+              <a:latin typeface="Heiti SC Light" charset="-122"/>
+              <a:ea typeface="Heiti SC Light" charset="-122"/>
+              <a:cs typeface="Heiti SC Light" charset="-122"/>
+            </a:endParaRPr>
+          </a:p>
+        </p:txBody>
+      </p:sp>
+      <p:cxnSp>
+        <p:nvCxnSpPr>
+          <p:cNvPr id="207" name="直线箭头连接符 206"/>
+          <p:cNvCxnSpPr/>
+          <p:nvPr/>
+        </p:nvCxnSpPr>
+        <p:spPr>
+          <a:xfrm flipH="1" flipV="1">
+            <a:off x="5938417" y="3627371"/>
+            <a:ext cx="872707" cy="11641"/>
+          </a:xfrm>
+          <a:prstGeom prst="straightConnector1">
+            <a:avLst/>
+          </a:prstGeom>
+          <a:ln w="28575">
+            <a:prstDash val="sysDash"/>
+            <a:headEnd type="none" w="med" len="med"/>
+            <a:tailEnd type="arrow" w="med" len="med"/>
+          </a:ln>
+        </p:spPr>
+        <p:style>
+          <a:lnRef idx="2">
+            <a:schemeClr val="accent1"/>
+          </a:lnRef>
+          <a:fillRef idx="0">
+            <a:schemeClr val="accent1"/>
+          </a:fillRef>
+          <a:effectRef idx="1">
+            <a:schemeClr val="accent1"/>
+          </a:effectRef>
+          <a:fontRef idx="minor">
+            <a:schemeClr val="tx1"/>
+          </a:fontRef>
+        </p:style>
+      </p:cxnSp>
+      <p:sp>
+        <p:nvSpPr>
+          <p:cNvPr id="57" name="圆角矩形 56"/>
+          <p:cNvSpPr/>
+          <p:nvPr/>
+        </p:nvSpPr>
+        <p:spPr>
+          <a:xfrm>
+            <a:off x="9224192" y="4620762"/>
+            <a:ext cx="1990310" cy="567638"/>
+          </a:xfrm>
+          <a:prstGeom prst="roundRect">
+            <a:avLst/>
+          </a:prstGeom>
+          <a:solidFill>
+            <a:srgbClr val="58B8D1"/>
+          </a:solidFill>
+        </p:spPr>
+        <p:style>
+          <a:lnRef idx="0">
+            <a:schemeClr val="accent1"/>
+          </a:lnRef>
+          <a:fillRef idx="3">
+            <a:schemeClr val="accent1"/>
+          </a:fillRef>
+          <a:effectRef idx="3">
+            <a:schemeClr val="accent1"/>
+          </a:effectRef>
+          <a:fontRef idx="minor">
+            <a:schemeClr val="lt1"/>
+          </a:fontRef>
+        </p:style>
+        <p:txBody>
+          <a:bodyPr anchor="ctr"/>
+          <a:lstStyle/>
+          <a:p>
+            <a:pPr algn="ctr">
+              <a:defRPr/>
+            </a:pPr>
+            <a:r>
+              <a:rPr kumimoji="1" lang="zh-CN" altLang="en-US" sz="1400" dirty="0">
+                <a:latin typeface="Heiti SC Light" charset="-122"/>
+                <a:ea typeface="Heiti SC Light" charset="-122"/>
+                <a:cs typeface="Heiti SC Light" charset="-122"/>
+              </a:rPr>
+              <a:t>自研</a:t>
+            </a:r>
+            <a:r>
+              <a:rPr kumimoji="1" lang="en-US" altLang="zh-CN" sz="1400" dirty="0">
+                <a:latin typeface="Heiti SC Light" charset="-122"/>
+                <a:ea typeface="Heiti SC Light" charset="-122"/>
+                <a:cs typeface="Heiti SC Light" charset="-122"/>
+              </a:rPr>
+              <a:t>RPC</a:t>
+            </a:r>
+            <a:endParaRPr kumimoji="1" lang="zh-CN" altLang="en-US" sz="1400" dirty="0">
+              <a:latin typeface="Heiti SC Light" charset="-122"/>
+              <a:ea typeface="Heiti SC Light" charset="-122"/>
+              <a:cs typeface="Heiti SC Light" charset="-122"/>
+            </a:endParaRPr>
+          </a:p>
+        </p:txBody>
+      </p:sp>
+      <p:cxnSp>
+        <p:nvCxnSpPr>
+          <p:cNvPr id="52" name="直线箭头连接符 51"/>
+          <p:cNvCxnSpPr/>
+          <p:nvPr/>
+        </p:nvCxnSpPr>
+        <p:spPr>
+          <a:xfrm flipH="1" flipV="1">
+            <a:off x="5943168" y="4896551"/>
+            <a:ext cx="903294" cy="11119"/>
+          </a:xfrm>
+          <a:prstGeom prst="straightConnector1">
+            <a:avLst/>
+          </a:prstGeom>
+          <a:ln w="28575">
+            <a:prstDash val="sysDash"/>
+            <a:headEnd type="none" w="med" len="med"/>
+            <a:tailEnd type="arrow" w="med" len="med"/>
+          </a:ln>
+        </p:spPr>
+        <p:style>
+          <a:lnRef idx="2">
+            <a:schemeClr val="accent1"/>
+          </a:lnRef>
+          <a:fillRef idx="0">
+            <a:schemeClr val="accent1"/>
+          </a:fillRef>
+          <a:effectRef idx="1">
+            <a:schemeClr val="accent1"/>
+          </a:effectRef>
+          <a:fontRef idx="minor">
+            <a:schemeClr val="tx1"/>
+          </a:fontRef>
+        </p:style>
+      </p:cxnSp>
+      <p:sp>
+        <p:nvSpPr>
+          <p:cNvPr id="81" name="矩形 80"/>
+          <p:cNvSpPr/>
+          <p:nvPr/>
+        </p:nvSpPr>
+        <p:spPr>
+          <a:xfrm>
+            <a:off x="6861591" y="1940899"/>
+            <a:ext cx="2458407" cy="856602"/>
           </a:xfrm>
           <a:prstGeom prst="rect">
             <a:avLst/>
@@ -10797,28 +11119,28 @@
       </p:sp>
       <p:sp>
         <p:nvSpPr>
-          <p:cNvPr id="178" name="磁盘 177"/>
+          <p:cNvPr id="82" name="多文档 81"/>
           <p:cNvSpPr/>
           <p:nvPr/>
         </p:nvSpPr>
         <p:spPr>
           <a:xfrm>
-            <a:off x="7126524" y="1789337"/>
+            <a:off x="8102736" y="2034466"/>
             <a:ext cx="1128362" cy="644066"/>
           </a:xfrm>
-          <a:prstGeom prst="flowChartMagneticDisk">
+          <a:prstGeom prst="flowChartMultidocument">
             <a:avLst/>
           </a:prstGeom>
         </p:spPr>
         <p:style>
           <a:lnRef idx="1">
-            <a:schemeClr val="accent4"/>
+            <a:schemeClr val="accent3"/>
           </a:lnRef>
           <a:fillRef idx="2">
-            <a:schemeClr val="accent4"/>
+            <a:schemeClr val="accent3"/>
           </a:fillRef>
           <a:effectRef idx="1">
-            <a:schemeClr val="accent4"/>
+            <a:schemeClr val="accent3"/>
           </a:effectRef>
           <a:fontRef idx="minor">
             <a:schemeClr val="dk1"/>
@@ -10828,25 +11150,45 @@
           <a:bodyPr rtlCol="0" anchor="ctr"/>
           <a:lstStyle/>
           <a:p>
-            <a:pPr algn="ctr"/>
-            <a:r>
-              <a:rPr kumimoji="1" lang="zh-CN" altLang="en-US" sz="1400" dirty="0" smtClean="0">
+            <a:pPr algn="ctr">
+              <a:defRPr/>
+            </a:pPr>
+            <a:r>
+              <a:rPr kumimoji="1" lang="zh-CN" altLang="en-US" sz="1400" dirty="0">
                 <a:latin typeface="Heiti SC Light" charset="-122"/>
                 <a:ea typeface="Heiti SC Light" charset="-122"/>
                 <a:cs typeface="Heiti SC Light" charset="-122"/>
               </a:rPr>
-              <a:t>调度结果</a:t>
-            </a:r>
-          </a:p>
-          <a:p>
-            <a:pPr algn="ctr"/>
-            <a:r>
-              <a:rPr kumimoji="1" lang="en-US" altLang="zh-CN" sz="1400" dirty="0" smtClean="0">
+              <a:t>执行日志</a:t>
+            </a:r>
+          </a:p>
+          <a:p>
+            <a:pPr algn="ctr">
+              <a:defRPr/>
+            </a:pPr>
+            <a:r>
+              <a:rPr kumimoji="1" lang="en-US" altLang="zh-CN" sz="1400" dirty="0">
                 <a:latin typeface="Heiti SC Light" charset="-122"/>
                 <a:ea typeface="Heiti SC Light" charset="-122"/>
                 <a:cs typeface="Heiti SC Light" charset="-122"/>
               </a:rPr>
-              <a:t>(queue)</a:t>
+              <a:t>(Log</a:t>
+            </a:r>
+            <a:r>
+              <a:rPr kumimoji="1" lang="zh-CN" altLang="en-US" sz="1400" dirty="0">
+                <a:latin typeface="Heiti SC Light" charset="-122"/>
+                <a:ea typeface="Heiti SC Light" charset="-122"/>
+                <a:cs typeface="Heiti SC Light" charset="-122"/>
+              </a:rPr>
+              <a:t>文件</a:t>
+            </a:r>
+            <a:r>
+              <a:rPr kumimoji="1" lang="en-US" altLang="zh-CN" sz="1400" dirty="0">
+                <a:latin typeface="Heiti SC Light" charset="-122"/>
+                <a:ea typeface="Heiti SC Light" charset="-122"/>
+                <a:cs typeface="Heiti SC Light" charset="-122"/>
+              </a:rPr>
+              <a:t>)</a:t>
             </a:r>
             <a:endParaRPr kumimoji="1" lang="zh-CN" altLang="en-US" sz="1400" dirty="0">
               <a:latin typeface="Heiti SC Light" charset="-122"/>
@@ -10856,16 +11198,69 @@
           </a:p>
         </p:txBody>
       </p:sp>
+      <p:sp>
+        <p:nvSpPr>
+          <p:cNvPr id="102" name="圆角矩形 101"/>
+          <p:cNvSpPr/>
+          <p:nvPr/>
+        </p:nvSpPr>
+        <p:spPr>
+          <a:xfrm>
+            <a:off x="6959119" y="3361483"/>
+            <a:ext cx="1074713" cy="575198"/>
+          </a:xfrm>
+          <a:prstGeom prst="roundRect">
+            <a:avLst/>
+          </a:prstGeom>
+          <a:solidFill>
+            <a:srgbClr val="58B8D1"/>
+          </a:solidFill>
+        </p:spPr>
+        <p:style>
+          <a:lnRef idx="0">
+            <a:schemeClr val="accent1"/>
+          </a:lnRef>
+          <a:fillRef idx="3">
+            <a:schemeClr val="accent1"/>
+          </a:fillRef>
+          <a:effectRef idx="3">
+            <a:schemeClr val="accent1"/>
+          </a:effectRef>
+          <a:fontRef idx="minor">
+            <a:schemeClr val="lt1"/>
+          </a:fontRef>
+        </p:style>
+        <p:txBody>
+          <a:bodyPr anchor="ctr"/>
+          <a:lstStyle/>
+          <a:p>
+            <a:pPr algn="ctr"/>
+            <a:r>
+              <a:rPr kumimoji="1" lang="zh-CN" altLang="en-US" sz="1400" dirty="0">
+                <a:latin typeface="Heiti SC Light" charset="-122"/>
+                <a:ea typeface="Heiti SC Light" charset="-122"/>
+                <a:cs typeface="Heiti SC Light" charset="-122"/>
+              </a:rPr>
+              <a:t>回调线程</a:t>
+            </a:r>
+            <a:endParaRPr kumimoji="1" lang="zh-CN" altLang="en-US" sz="1400" dirty="0">
+              <a:latin typeface="Heiti SC Light" charset="-122"/>
+              <a:ea typeface="Heiti SC Light" charset="-122"/>
+              <a:cs typeface="Heiti SC Light" charset="-122"/>
+            </a:endParaRPr>
+          </a:p>
+        </p:txBody>
+      </p:sp>
       <p:cxnSp>
         <p:nvCxnSpPr>
-          <p:cNvPr id="182" name="直线箭头连接符 181"/>
+          <p:cNvPr id="118" name="直线箭头连接符 117"/>
           <p:cNvCxnSpPr/>
           <p:nvPr/>
         </p:nvCxnSpPr>
         <p:spPr>
-          <a:xfrm flipH="1" flipV="1">
-            <a:off x="9533537" y="2187570"/>
-            <a:ext cx="361667" cy="1"/>
+          <a:xfrm flipH="1">
+            <a:off x="9337243" y="2378430"/>
+            <a:ext cx="366394" cy="3349"/>
           </a:xfrm>
           <a:prstGeom prst="straightConnector1">
             <a:avLst/>
@@ -10893,14 +11288,14 @@
       </p:cxnSp>
       <p:cxnSp>
         <p:nvCxnSpPr>
-          <p:cNvPr id="185" name="直线箭头连接符 184"/>
+          <p:cNvPr id="120" name="直线箭头连接符 119"/>
           <p:cNvCxnSpPr/>
           <p:nvPr/>
         </p:nvCxnSpPr>
         <p:spPr>
           <a:xfrm flipH="1">
-            <a:off x="5931088" y="2183395"/>
-            <a:ext cx="1083023" cy="11672"/>
+            <a:off x="9337243" y="3661114"/>
+            <a:ext cx="366394" cy="3349"/>
           </a:xfrm>
           <a:prstGeom prst="straightConnector1">
             <a:avLst/>
@@ -10928,20 +11323,20 @@
       </p:cxnSp>
       <p:sp>
         <p:nvSpPr>
-          <p:cNvPr id="194" name="可选流程 193"/>
+          <p:cNvPr id="121" name="可选流程 120"/>
           <p:cNvSpPr/>
           <p:nvPr/>
         </p:nvSpPr>
         <p:spPr>
           <a:xfrm>
-            <a:off x="10032571" y="1561883"/>
-            <a:ext cx="1295671" cy="376213"/>
+            <a:off x="4275442" y="2073176"/>
+            <a:ext cx="1654126" cy="582276"/>
           </a:xfrm>
           <a:prstGeom prst="flowChartAlternateProcess">
             <a:avLst/>
           </a:prstGeom>
           <a:solidFill>
-            <a:srgbClr val="4BACC6"/>
+            <a:srgbClr val="6095C9"/>
           </a:solidFill>
         </p:spPr>
         <p:style>
@@ -10962,14 +11357,53 @@
           <a:bodyPr anchor="ctr"/>
           <a:lstStyle/>
           <a:p>
-            <a:pPr algn="ctr"/>
-            <a:r>
-              <a:rPr kumimoji="1" lang="en-US" altLang="zh-CN" sz="1400" dirty="0" err="1">
+            <a:pPr algn="ctr">
+              <a:defRPr/>
+            </a:pPr>
+            <a:r>
+              <a:rPr kumimoji="1" lang="en-US" altLang="zh-CN" sz="1400" dirty="0">
                 <a:latin typeface="Heiti SC Light" charset="-122"/>
                 <a:ea typeface="Heiti SC Light" charset="-122"/>
                 <a:cs typeface="Heiti SC Light" charset="-122"/>
               </a:rPr>
-              <a:t>JobHandler</a:t>
+              <a:t>Rolling</a:t>
+            </a:r>
+            <a:r>
+              <a:rPr kumimoji="1" lang="zh-CN" altLang="en-US" sz="1400" dirty="0">
+                <a:latin typeface="Heiti SC Light" charset="-122"/>
+                <a:ea typeface="Heiti SC Light" charset="-122"/>
+                <a:cs typeface="Heiti SC Light" charset="-122"/>
+              </a:rPr>
+              <a:t>日志</a:t>
+            </a:r>
+          </a:p>
+          <a:p>
+            <a:pPr algn="ctr">
+              <a:defRPr/>
+            </a:pPr>
+            <a:r>
+              <a:rPr kumimoji="1" lang="en-US" altLang="zh-CN" sz="1400" dirty="0">
+                <a:latin typeface="Heiti SC Light" charset="-122"/>
+                <a:ea typeface="Heiti SC Light" charset="-122"/>
+                <a:cs typeface="Heiti SC Light" charset="-122"/>
+              </a:rPr>
+              <a:t>(</a:t>
+            </a:r>
+            <a:r>
+              <a:rPr kumimoji="1" lang="zh-CN" altLang="en-US" sz="1400" dirty="0">
+                <a:latin typeface="Heiti SC Light" charset="-122"/>
+                <a:ea typeface="Heiti SC Light" charset="-122"/>
+                <a:cs typeface="Heiti SC Light" charset="-122"/>
+              </a:rPr>
+              <a:t>实时</a:t>
+            </a:r>
+            <a:r>
+              <a:rPr kumimoji="1" lang="en-US" altLang="zh-CN" sz="1400" dirty="0">
+                <a:latin typeface="Heiti SC Light" charset="-122"/>
+                <a:ea typeface="Heiti SC Light" charset="-122"/>
+                <a:cs typeface="Heiti SC Light" charset="-122"/>
+              </a:rPr>
+              <a:t>)</a:t>
             </a:r>
             <a:endParaRPr kumimoji="1" lang="zh-CN" altLang="en-US" sz="1400" dirty="0">
               <a:latin typeface="Heiti SC Light" charset="-122"/>
@@ -10981,20 +11415,20 @@
       </p:sp>
       <p:sp>
         <p:nvSpPr>
-          <p:cNvPr id="195" name="可选流程 194"/>
+          <p:cNvPr id="122" name="可选流程 121"/>
           <p:cNvSpPr/>
           <p:nvPr/>
         </p:nvSpPr>
         <p:spPr>
           <a:xfrm>
-            <a:off x="10032570" y="2077827"/>
-            <a:ext cx="1295671" cy="376213"/>
+            <a:off x="6959118" y="2073918"/>
+            <a:ext cx="1074713" cy="580685"/>
           </a:xfrm>
           <a:prstGeom prst="flowChartAlternateProcess">
             <a:avLst/>
           </a:prstGeom>
           <a:solidFill>
-            <a:srgbClr val="4BACC6"/>
+            <a:srgbClr val="6095C9"/>
           </a:solidFill>
         </p:spPr>
         <p:style>
@@ -11015,362 +11449,29 @@
           <a:bodyPr anchor="ctr"/>
           <a:lstStyle/>
           <a:p>
-            <a:pPr algn="ctr"/>
+            <a:pPr algn="ctr">
+              <a:defRPr/>
+            </a:pPr>
             <a:r>
               <a:rPr kumimoji="1" lang="zh-CN" altLang="en-US" sz="1400" dirty="0">
                 <a:latin typeface="Heiti SC Light" charset="-122"/>
                 <a:ea typeface="Heiti SC Light" charset="-122"/>
                 <a:cs typeface="Heiti SC Light" charset="-122"/>
               </a:rPr>
-              <a:t>任务线程</a:t>
-            </a:r>
-          </a:p>
-        </p:txBody>
-      </p:sp>
-      <p:sp>
-        <p:nvSpPr>
-          <p:cNvPr id="196" name="磁盘 195"/>
-          <p:cNvSpPr/>
-          <p:nvPr/>
-        </p:nvSpPr>
-        <p:spPr>
-          <a:xfrm>
-            <a:off x="10032572" y="793337"/>
-            <a:ext cx="1295671" cy="663886"/>
-          </a:xfrm>
-          <a:prstGeom prst="flowChartMagneticDisk">
-            <a:avLst/>
-          </a:prstGeom>
-        </p:spPr>
-        <p:style>
-          <a:lnRef idx="1">
-            <a:schemeClr val="accent4"/>
-          </a:lnRef>
-          <a:fillRef idx="2">
-            <a:schemeClr val="accent4"/>
-          </a:fillRef>
-          <a:effectRef idx="1">
-            <a:schemeClr val="accent4"/>
-          </a:effectRef>
-          <a:fontRef idx="minor">
-            <a:schemeClr val="dk1"/>
-          </a:fontRef>
-        </p:style>
-        <p:txBody>
-          <a:bodyPr anchor="ctr"/>
-          <a:lstStyle/>
-          <a:p>
-            <a:pPr algn="ctr"/>
-            <a:r>
-              <a:rPr kumimoji="1" lang="zh-CN" altLang="en-US" sz="1400" dirty="0">
-                <a:latin typeface="Heiti SC Light" charset="-122"/>
-                <a:ea typeface="Heiti SC Light" charset="-122"/>
-                <a:cs typeface="Heiti SC Light" charset="-122"/>
-              </a:rPr>
-              <a:t>调度请求</a:t>
-            </a:r>
-          </a:p>
-          <a:p>
-            <a:pPr algn="ctr"/>
+              <a:t>日志服务</a:t>
+            </a:r>
+          </a:p>
+          <a:p>
+            <a:pPr algn="ctr">
+              <a:defRPr/>
+            </a:pPr>
             <a:r>
               <a:rPr kumimoji="1" lang="en-US" altLang="zh-CN" sz="1400" dirty="0">
                 <a:latin typeface="Heiti SC Light" charset="-122"/>
                 <a:ea typeface="Heiti SC Light" charset="-122"/>
                 <a:cs typeface="Heiti SC Light" charset="-122"/>
               </a:rPr>
-              <a:t>(queue)</a:t>
-            </a:r>
-            <a:endParaRPr kumimoji="1" lang="zh-CN" altLang="en-US" sz="1400" dirty="0">
-              <a:latin typeface="Heiti SC Light" charset="-122"/>
-              <a:ea typeface="Heiti SC Light" charset="-122"/>
-              <a:cs typeface="Heiti SC Light" charset="-122"/>
-            </a:endParaRPr>
-          </a:p>
-        </p:txBody>
-      </p:sp>
-      <p:sp>
-        <p:nvSpPr>
-          <p:cNvPr id="197" name="可选流程 196"/>
-          <p:cNvSpPr/>
-          <p:nvPr/>
-        </p:nvSpPr>
-        <p:spPr>
-          <a:xfrm>
-            <a:off x="8392252" y="1850828"/>
-            <a:ext cx="1066971" cy="554033"/>
-          </a:xfrm>
-          <a:prstGeom prst="flowChartAlternateProcess">
-            <a:avLst/>
-          </a:prstGeom>
-          <a:solidFill>
-            <a:srgbClr val="6095C9"/>
-          </a:solidFill>
-        </p:spPr>
-        <p:style>
-          <a:lnRef idx="0">
-            <a:schemeClr val="accent1"/>
-          </a:lnRef>
-          <a:fillRef idx="3">
-            <a:schemeClr val="accent1"/>
-          </a:fillRef>
-          <a:effectRef idx="3">
-            <a:schemeClr val="accent1"/>
-          </a:effectRef>
-          <a:fontRef idx="minor">
-            <a:schemeClr val="lt1"/>
-          </a:fontRef>
-        </p:style>
-        <p:txBody>
-          <a:bodyPr anchor="ctr"/>
-          <a:lstStyle/>
-          <a:p>
-            <a:pPr algn="ctr"/>
-            <a:r>
-              <a:rPr kumimoji="1" lang="zh-CN" altLang="en-US" sz="1400" dirty="0">
-                <a:latin typeface="Heiti SC Light" charset="-122"/>
-                <a:ea typeface="Heiti SC Light" charset="-122"/>
-                <a:cs typeface="Heiti SC Light" charset="-122"/>
-              </a:rPr>
-              <a:t>回调线程</a:t>
-            </a:r>
-          </a:p>
-        </p:txBody>
-      </p:sp>
-      <p:sp>
-        <p:nvSpPr>
-          <p:cNvPr id="203" name="圆角矩形 202"/>
-          <p:cNvSpPr/>
-          <p:nvPr/>
-        </p:nvSpPr>
-        <p:spPr>
-          <a:xfrm>
-            <a:off x="7014111" y="2893987"/>
-            <a:ext cx="4447045" cy="585805"/>
-          </a:xfrm>
-          <a:prstGeom prst="roundRect">
-            <a:avLst/>
-          </a:prstGeom>
-          <a:solidFill>
-            <a:srgbClr val="58B8D1"/>
-          </a:solidFill>
-        </p:spPr>
-        <p:style>
-          <a:lnRef idx="0">
-            <a:schemeClr val="accent1"/>
-          </a:lnRef>
-          <a:fillRef idx="3">
-            <a:schemeClr val="accent1"/>
-          </a:fillRef>
-          <a:effectRef idx="3">
-            <a:schemeClr val="accent1"/>
-          </a:effectRef>
-          <a:fontRef idx="minor">
-            <a:schemeClr val="lt1"/>
-          </a:fontRef>
-        </p:style>
-        <p:txBody>
-          <a:bodyPr anchor="ctr"/>
-          <a:lstStyle/>
-          <a:p>
-            <a:pPr algn="ctr">
-              <a:defRPr/>
-            </a:pPr>
-            <a:r>
-              <a:rPr kumimoji="1" lang="zh-CN" altLang="en-US" sz="1400" dirty="0" smtClean="0">
-                <a:latin typeface="Heiti SC Light" charset="-122"/>
-                <a:ea typeface="Heiti SC Light" charset="-122"/>
-                <a:cs typeface="Heiti SC Light" charset="-122"/>
-              </a:rPr>
-              <a:t>任务执行日志</a:t>
-            </a:r>
-            <a:r>
-              <a:rPr kumimoji="1" lang="en-US" altLang="zh-CN" sz="1400" dirty="0" smtClean="0">
-                <a:latin typeface="Heiti SC Light" charset="-122"/>
-                <a:ea typeface="Heiti SC Light" charset="-122"/>
-                <a:cs typeface="Heiti SC Light" charset="-122"/>
-              </a:rPr>
-              <a:t>/</a:t>
-            </a:r>
-            <a:r>
-              <a:rPr kumimoji="1" lang="zh-CN" altLang="en-US" sz="1400" dirty="0" smtClean="0">
-                <a:latin typeface="Heiti SC Light" charset="-122"/>
-                <a:ea typeface="Heiti SC Light" charset="-122"/>
-                <a:cs typeface="Heiti SC Light" charset="-122"/>
-              </a:rPr>
-              <a:t>回调日志</a:t>
-            </a:r>
-          </a:p>
-          <a:p>
-            <a:pPr algn="ctr">
-              <a:defRPr/>
-            </a:pPr>
-            <a:r>
-              <a:rPr kumimoji="1" lang="en-US" altLang="zh-CN" sz="1400" dirty="0" smtClean="0">
-                <a:latin typeface="Heiti SC Light" charset="-122"/>
-                <a:ea typeface="Heiti SC Light" charset="-122"/>
-                <a:cs typeface="Heiti SC Light" charset="-122"/>
-              </a:rPr>
-              <a:t>(</a:t>
-            </a:r>
-            <a:r>
-              <a:rPr kumimoji="1" lang="en-US" altLang="zh-CN" sz="1400" dirty="0">
-                <a:latin typeface="Heiti SC Light" charset="-122"/>
-                <a:ea typeface="Heiti SC Light" charset="-122"/>
-                <a:cs typeface="Heiti SC Light" charset="-122"/>
-              </a:rPr>
-              <a:t>Log</a:t>
-            </a:r>
-            <a:r>
-              <a:rPr kumimoji="1" lang="zh-CN" altLang="en-US" sz="1400" dirty="0">
-                <a:latin typeface="Heiti SC Light" charset="-122"/>
-                <a:ea typeface="Heiti SC Light" charset="-122"/>
-                <a:cs typeface="Heiti SC Light" charset="-122"/>
-              </a:rPr>
-              <a:t>文件</a:t>
-            </a:r>
-            <a:r>
-              <a:rPr kumimoji="1" lang="en-US" altLang="zh-CN" sz="1400" dirty="0" smtClean="0">
-                <a:latin typeface="Heiti SC Light" charset="-122"/>
-                <a:ea typeface="Heiti SC Light" charset="-122"/>
-                <a:cs typeface="Heiti SC Light" charset="-122"/>
-              </a:rPr>
-              <a:t>)</a:t>
-            </a:r>
-            <a:endParaRPr kumimoji="1" lang="zh-CN" altLang="en-US" sz="1400" dirty="0">
-              <a:latin typeface="Heiti SC Light" charset="-122"/>
-              <a:ea typeface="Heiti SC Light" charset="-122"/>
-              <a:cs typeface="Heiti SC Light" charset="-122"/>
-            </a:endParaRPr>
-          </a:p>
-        </p:txBody>
-      </p:sp>
-      <p:cxnSp>
-        <p:nvCxnSpPr>
-          <p:cNvPr id="204" name="直线箭头连接符 203"/>
-          <p:cNvCxnSpPr/>
-          <p:nvPr/>
-        </p:nvCxnSpPr>
-        <p:spPr>
-          <a:xfrm>
-            <a:off x="10668000" y="2555640"/>
-            <a:ext cx="0" cy="338347"/>
-          </a:xfrm>
-          <a:prstGeom prst="straightConnector1">
-            <a:avLst/>
-          </a:prstGeom>
-          <a:ln w="28575">
-            <a:prstDash val="sysDash"/>
-            <a:headEnd type="none" w="med" len="med"/>
-            <a:tailEnd type="arrow" w="med" len="med"/>
-          </a:ln>
-        </p:spPr>
-        <p:style>
-          <a:lnRef idx="2">
-            <a:schemeClr val="accent1"/>
-          </a:lnRef>
-          <a:fillRef idx="0">
-            <a:schemeClr val="accent1"/>
-          </a:fillRef>
-          <a:effectRef idx="1">
-            <a:schemeClr val="accent1"/>
-          </a:effectRef>
-          <a:fontRef idx="minor">
-            <a:schemeClr val="tx1"/>
-          </a:fontRef>
-        </p:style>
-      </p:cxnSp>
-      <p:cxnSp>
-        <p:nvCxnSpPr>
-          <p:cNvPr id="207" name="直线箭头连接符 206"/>
-          <p:cNvCxnSpPr>
-            <a:stCxn id="203" idx="1"/>
-            <a:endCxn id="74" idx="3"/>
-          </p:cNvCxnSpPr>
-          <p:nvPr/>
-        </p:nvCxnSpPr>
-        <p:spPr>
-          <a:xfrm flipH="1">
-            <a:off x="5931088" y="3186890"/>
-            <a:ext cx="1083023" cy="1"/>
-          </a:xfrm>
-          <a:prstGeom prst="straightConnector1">
-            <a:avLst/>
-          </a:prstGeom>
-          <a:ln w="28575">
-            <a:prstDash val="sysDash"/>
-            <a:headEnd type="none" w="med" len="med"/>
-            <a:tailEnd type="arrow" w="med" len="med"/>
-          </a:ln>
-        </p:spPr>
-        <p:style>
-          <a:lnRef idx="2">
-            <a:schemeClr val="accent1"/>
-          </a:lnRef>
-          <a:fillRef idx="0">
-            <a:schemeClr val="accent1"/>
-          </a:fillRef>
-          <a:effectRef idx="1">
-            <a:schemeClr val="accent1"/>
-          </a:effectRef>
-          <a:fontRef idx="minor">
-            <a:schemeClr val="tx1"/>
-          </a:fontRef>
-        </p:style>
-      </p:cxnSp>
-      <p:sp>
-        <p:nvSpPr>
-          <p:cNvPr id="57" name="圆角矩形 56"/>
-          <p:cNvSpPr/>
-          <p:nvPr/>
-        </p:nvSpPr>
-        <p:spPr>
-          <a:xfrm>
-            <a:off x="9546237" y="4047703"/>
-            <a:ext cx="1937612" cy="571579"/>
-          </a:xfrm>
-          <a:prstGeom prst="roundRect">
-            <a:avLst/>
-          </a:prstGeom>
-          <a:solidFill>
-            <a:srgbClr val="58B8D1"/>
-          </a:solidFill>
-        </p:spPr>
-        <p:style>
-          <a:lnRef idx="0">
-            <a:schemeClr val="accent1"/>
-          </a:lnRef>
-          <a:fillRef idx="3">
-            <a:schemeClr val="accent1"/>
-          </a:fillRef>
-          <a:effectRef idx="3">
-            <a:schemeClr val="accent1"/>
-          </a:effectRef>
-          <a:fontRef idx="minor">
-            <a:schemeClr val="lt1"/>
-          </a:fontRef>
-        </p:style>
-        <p:txBody>
-          <a:bodyPr anchor="ctr"/>
-          <a:lstStyle/>
-          <a:p>
-            <a:pPr algn="ctr">
-              <a:defRPr/>
-            </a:pPr>
-            <a:r>
-              <a:rPr kumimoji="1" lang="zh-CN" altLang="en-US" sz="1400" dirty="0">
-                <a:latin typeface="Heiti SC Light" charset="-122"/>
-                <a:ea typeface="Heiti SC Light" charset="-122"/>
-                <a:cs typeface="Heiti SC Light" charset="-122"/>
-              </a:rPr>
-              <a:t>自研</a:t>
-            </a:r>
-            <a:r>
-              <a:rPr kumimoji="1" lang="en-US" altLang="zh-CN" sz="1400" dirty="0">
-                <a:latin typeface="Heiti SC Light" charset="-122"/>
-                <a:ea typeface="Heiti SC Light" charset="-122"/>
-                <a:cs typeface="Heiti SC Light" charset="-122"/>
-              </a:rPr>
-              <a:t>RPC</a:t>
+              <a:t>(jetty)</a:t>
             </a:r>
             <a:endParaRPr kumimoji="1" lang="zh-CN" altLang="en-US" sz="1400" dirty="0">
               <a:latin typeface="Heiti SC Light" charset="-122"/>
